--- a/Documents/Slides/CDI IAC 2025-06-25.pptx
+++ b/Documents/Slides/CDI IAC 2025-06-25.pptx
@@ -5,7 +5,7 @@
     <p:sldMasterId id="2147483648" r:id="rId1"/>
   </p:sldMasterIdLst>
   <p:notesMasterIdLst>
-    <p:notesMasterId r:id="rId11"/>
+    <p:notesMasterId r:id="rId13"/>
   </p:notesMasterIdLst>
   <p:sldIdLst>
     <p:sldId id="256" r:id="rId2"/>
@@ -13,10 +13,12 @@
     <p:sldId id="258" r:id="rId4"/>
     <p:sldId id="261" r:id="rId5"/>
     <p:sldId id="259" r:id="rId6"/>
-    <p:sldId id="262" r:id="rId7"/>
-    <p:sldId id="260" r:id="rId8"/>
-    <p:sldId id="263" r:id="rId9"/>
-    <p:sldId id="264" r:id="rId10"/>
+    <p:sldId id="265" r:id="rId7"/>
+    <p:sldId id="262" r:id="rId8"/>
+    <p:sldId id="266" r:id="rId9"/>
+    <p:sldId id="260" r:id="rId10"/>
+    <p:sldId id="263" r:id="rId11"/>
+    <p:sldId id="264" r:id="rId12"/>
   </p:sldIdLst>
   <p:sldSz cx="12192000" cy="6858000"/>
   <p:notesSz cx="6858000" cy="9144000"/>
@@ -4388,7 +4390,7 @@
 <dgm:dataModel xmlns:dgm="http://schemas.openxmlformats.org/drawingml/2006/diagram" xmlns:a="http://schemas.openxmlformats.org/drawingml/2006/main">
   <dgm:ptLst>
     <dgm:pt modelId="{E6C2D5DF-D83C-42CC-A2CB-67E629ADF33E}" type="doc">
-      <dgm:prSet loTypeId="urn:microsoft.com/office/officeart/2005/8/layout/hierarchy1" loCatId="hierarchy" qsTypeId="urn:microsoft.com/office/officeart/2005/8/quickstyle/simple1" qsCatId="simple" csTypeId="urn:microsoft.com/office/officeart/2005/8/colors/accent1_2" csCatId="accent1"/>
+      <dgm:prSet loTypeId="urn:microsoft.com/office/officeart/2018/2/layout/IconCircleList" loCatId="icon" qsTypeId="urn:microsoft.com/office/officeart/2005/8/quickstyle/simple1" qsCatId="simple" csTypeId="urn:microsoft.com/office/officeart/2005/8/colors/accent1_2" csCatId="accent1" phldr="1"/>
       <dgm:spPr/>
       <dgm:t>
         <a:bodyPr/>
@@ -4405,6 +4407,11 @@
         <a:bodyPr/>
         <a:lstStyle/>
         <a:p>
+          <a:pPr>
+            <a:lnSpc>
+              <a:spcPct val="100000"/>
+            </a:lnSpc>
+          </a:pPr>
           <a:r>
             <a:rPr lang="en-US"/>
             <a:t>Identify trainees</a:t>
@@ -4430,6 +4437,11 @@
         <a:bodyPr/>
         <a:lstStyle/>
         <a:p>
+          <a:pPr>
+            <a:lnSpc>
+              <a:spcPct val="100000"/>
+            </a:lnSpc>
+          </a:pPr>
           <a:endParaRPr lang="en-US"/>
         </a:p>
       </dgm:t>
@@ -4441,6 +4453,11 @@
         <a:bodyPr/>
         <a:lstStyle/>
         <a:p>
+          <a:pPr>
+            <a:lnSpc>
+              <a:spcPct val="100000"/>
+            </a:lnSpc>
+          </a:pPr>
           <a:r>
             <a:rPr lang="en-US"/>
             <a:t>Set up website for resources</a:t>
@@ -4466,6 +4483,11 @@
         <a:bodyPr/>
         <a:lstStyle/>
         <a:p>
+          <a:pPr>
+            <a:lnSpc>
+              <a:spcPct val="100000"/>
+            </a:lnSpc>
+          </a:pPr>
           <a:endParaRPr lang="en-US"/>
         </a:p>
       </dgm:t>
@@ -4477,6 +4499,11 @@
         <a:bodyPr/>
         <a:lstStyle/>
         <a:p>
+          <a:pPr>
+            <a:lnSpc>
+              <a:spcPct val="100000"/>
+            </a:lnSpc>
+          </a:pPr>
           <a:r>
             <a:rPr lang="en-US"/>
             <a:t>Develop useful resources and workshops</a:t>
@@ -4502,6 +4529,11 @@
         <a:bodyPr/>
         <a:lstStyle/>
         <a:p>
+          <a:pPr>
+            <a:lnSpc>
+              <a:spcPct val="100000"/>
+            </a:lnSpc>
+          </a:pPr>
           <a:endParaRPr lang="en-US"/>
         </a:p>
       </dgm:t>
@@ -4513,6 +4545,11 @@
         <a:bodyPr/>
         <a:lstStyle/>
         <a:p>
+          <a:pPr>
+            <a:lnSpc>
+              <a:spcPct val="100000"/>
+            </a:lnSpc>
+          </a:pPr>
           <a:r>
             <a:rPr lang="en-US"/>
             <a:t>Networking and social events</a:t>
@@ -4542,145 +4579,258 @@
         </a:p>
       </dgm:t>
     </dgm:pt>
-    <dgm:pt modelId="{78C4B785-C0DA-F94B-9869-D05A227CDC6E}" type="pres">
-      <dgm:prSet presAssocID="{E6C2D5DF-D83C-42CC-A2CB-67E629ADF33E}" presName="hierChild1" presStyleCnt="0">
+    <dgm:pt modelId="{DD142F4F-E04E-4115-96D4-F8E21685F3F5}" type="pres">
+      <dgm:prSet presAssocID="{E6C2D5DF-D83C-42CC-A2CB-67E629ADF33E}" presName="root" presStyleCnt="0">
         <dgm:presLayoutVars>
-          <dgm:chPref val="1"/>
           <dgm:dir/>
-          <dgm:animOne val="branch"/>
-          <dgm:animLvl val="lvl"/>
-          <dgm:resizeHandles/>
+          <dgm:resizeHandles val="exact"/>
         </dgm:presLayoutVars>
       </dgm:prSet>
       <dgm:spPr/>
     </dgm:pt>
-    <dgm:pt modelId="{5A7143BC-6FA8-B143-A724-02650B7F8F0E}" type="pres">
-      <dgm:prSet presAssocID="{6A78B8D3-0CA1-45E5-91AA-442854E0AF69}" presName="hierRoot1" presStyleCnt="0"/>
-      <dgm:spPr/>
-    </dgm:pt>
-    <dgm:pt modelId="{B9499582-583E-F040-8206-030FD290C266}" type="pres">
-      <dgm:prSet presAssocID="{6A78B8D3-0CA1-45E5-91AA-442854E0AF69}" presName="composite" presStyleCnt="0"/>
-      <dgm:spPr/>
-    </dgm:pt>
-    <dgm:pt modelId="{DE13FAC7-A891-2948-9A5E-77C20BC294F7}" type="pres">
-      <dgm:prSet presAssocID="{6A78B8D3-0CA1-45E5-91AA-442854E0AF69}" presName="background" presStyleLbl="node0" presStyleIdx="0" presStyleCnt="4"/>
-      <dgm:spPr/>
-    </dgm:pt>
-    <dgm:pt modelId="{5175C5EF-1E6D-9A4A-AFBF-AAF31ACD54E8}" type="pres">
-      <dgm:prSet presAssocID="{6A78B8D3-0CA1-45E5-91AA-442854E0AF69}" presName="text" presStyleLbl="fgAcc0" presStyleIdx="0" presStyleCnt="4">
+    <dgm:pt modelId="{A4241617-AB26-4AD9-9617-556B30E1A87F}" type="pres">
+      <dgm:prSet presAssocID="{E6C2D5DF-D83C-42CC-A2CB-67E629ADF33E}" presName="container" presStyleCnt="0">
         <dgm:presLayoutVars>
-          <dgm:chPref val="3"/>
+          <dgm:dir/>
+          <dgm:resizeHandles val="exact"/>
         </dgm:presLayoutVars>
       </dgm:prSet>
       <dgm:spPr/>
     </dgm:pt>
-    <dgm:pt modelId="{3AE169E7-B642-DF45-A6E0-ACE8E073590B}" type="pres">
-      <dgm:prSet presAssocID="{6A78B8D3-0CA1-45E5-91AA-442854E0AF69}" presName="hierChild2" presStyleCnt="0"/>
+    <dgm:pt modelId="{1F1873DD-6EB9-4DD7-8F97-05C30D7332E2}" type="pres">
+      <dgm:prSet presAssocID="{6A78B8D3-0CA1-45E5-91AA-442854E0AF69}" presName="compNode" presStyleCnt="0"/>
       <dgm:spPr/>
     </dgm:pt>
-    <dgm:pt modelId="{9D9CDB99-6709-764E-A3DF-A62C8AD5E397}" type="pres">
-      <dgm:prSet presAssocID="{D87F17B4-1340-49B8-8A7C-AAB5A45119F6}" presName="hierRoot1" presStyleCnt="0"/>
+    <dgm:pt modelId="{9C3667E4-580D-4257-9209-3816D169C443}" type="pres">
+      <dgm:prSet presAssocID="{6A78B8D3-0CA1-45E5-91AA-442854E0AF69}" presName="iconBgRect" presStyleLbl="bgShp" presStyleIdx="0" presStyleCnt="4"/>
       <dgm:spPr/>
     </dgm:pt>
-    <dgm:pt modelId="{92691D23-F008-A64F-8C0D-F5B76649BAB1}" type="pres">
-      <dgm:prSet presAssocID="{D87F17B4-1340-49B8-8A7C-AAB5A45119F6}" presName="composite" presStyleCnt="0"/>
+    <dgm:pt modelId="{C423D6D3-4C46-41AA-91B9-586F2DDCF12D}" type="pres">
+      <dgm:prSet presAssocID="{6A78B8D3-0CA1-45E5-91AA-442854E0AF69}" presName="iconRect" presStyleLbl="node1" presStyleIdx="0" presStyleCnt="4"/>
+      <dgm:spPr>
+        <a:blipFill>
+          <a:blip xmlns:r="http://schemas.openxmlformats.org/officeDocument/2006/relationships" r:embed="rId1">
+            <a:extLst>
+              <a:ext uri="{28A0092B-C50C-407E-A947-70E740481C1C}">
+                <a14:useLocalDpi xmlns:a14="http://schemas.microsoft.com/office/drawing/2010/main" val="0"/>
+              </a:ext>
+              <a:ext uri="{96DAC541-7B7A-43D3-8B79-37D633B846F1}">
+                <asvg:svgBlip xmlns:asvg="http://schemas.microsoft.com/office/drawing/2016/SVG/main" r:embed="rId2"/>
+              </a:ext>
+            </a:extLst>
+          </a:blip>
+          <a:stretch>
+            <a:fillRect/>
+          </a:stretch>
+        </a:blipFill>
+      </dgm:spPr>
+      <dgm:extLst>
+        <a:ext uri="{E40237B7-FDA0-4F09-8148-C483321AD2D9}">
+          <dgm14:cNvPr xmlns:dgm14="http://schemas.microsoft.com/office/drawing/2010/diagram" id="0" name="" descr="Users"/>
+        </a:ext>
+      </dgm:extLst>
+    </dgm:pt>
+    <dgm:pt modelId="{67E59EB8-8C8A-43E6-B4AC-B69E9C3DDCD8}" type="pres">
+      <dgm:prSet presAssocID="{6A78B8D3-0CA1-45E5-91AA-442854E0AF69}" presName="spaceRect" presStyleCnt="0"/>
       <dgm:spPr/>
     </dgm:pt>
-    <dgm:pt modelId="{B81AD8E8-E1F3-E447-B54B-AC0532920BED}" type="pres">
-      <dgm:prSet presAssocID="{D87F17B4-1340-49B8-8A7C-AAB5A45119F6}" presName="background" presStyleLbl="node0" presStyleIdx="1" presStyleCnt="4"/>
-      <dgm:spPr/>
-    </dgm:pt>
-    <dgm:pt modelId="{B054C0D5-9883-9145-87A4-8CF26090D53C}" type="pres">
-      <dgm:prSet presAssocID="{D87F17B4-1340-49B8-8A7C-AAB5A45119F6}" presName="text" presStyleLbl="fgAcc0" presStyleIdx="1" presStyleCnt="4">
+    <dgm:pt modelId="{73910311-DF73-4CE0-AEDD-A1499FA28B97}" type="pres">
+      <dgm:prSet presAssocID="{6A78B8D3-0CA1-45E5-91AA-442854E0AF69}" presName="textRect" presStyleLbl="revTx" presStyleIdx="0" presStyleCnt="4">
         <dgm:presLayoutVars>
-          <dgm:chPref val="3"/>
+          <dgm:chMax val="1"/>
+          <dgm:chPref val="1"/>
         </dgm:presLayoutVars>
       </dgm:prSet>
       <dgm:spPr/>
     </dgm:pt>
-    <dgm:pt modelId="{7A08D421-7468-B04A-BE22-B4FE20B5A9F0}" type="pres">
-      <dgm:prSet presAssocID="{D87F17B4-1340-49B8-8A7C-AAB5A45119F6}" presName="hierChild2" presStyleCnt="0"/>
+    <dgm:pt modelId="{FF1DC9B4-9E08-48C1-903A-C7356AEEF7EA}" type="pres">
+      <dgm:prSet presAssocID="{7555103D-12E7-457A-9127-50ECF69EC750}" presName="sibTrans" presStyleLbl="sibTrans2D1" presStyleIdx="0" presStyleCnt="0"/>
       <dgm:spPr/>
     </dgm:pt>
-    <dgm:pt modelId="{242A13E6-E4E4-EF48-911E-0BA9A83677C7}" type="pres">
-      <dgm:prSet presAssocID="{9B3655E6-4172-4B64-9782-9E1377A00786}" presName="hierRoot1" presStyleCnt="0"/>
+    <dgm:pt modelId="{8E40B75E-6471-4F3B-BE6E-CBDF3BAFAAC8}" type="pres">
+      <dgm:prSet presAssocID="{D87F17B4-1340-49B8-8A7C-AAB5A45119F6}" presName="compNode" presStyleCnt="0"/>
       <dgm:spPr/>
     </dgm:pt>
-    <dgm:pt modelId="{9958DB35-F28E-AB41-A382-3A555D171D70}" type="pres">
-      <dgm:prSet presAssocID="{9B3655E6-4172-4B64-9782-9E1377A00786}" presName="composite" presStyleCnt="0"/>
+    <dgm:pt modelId="{D854E90F-A6C7-4EF9-8D04-CF6B34C566FC}" type="pres">
+      <dgm:prSet presAssocID="{D87F17B4-1340-49B8-8A7C-AAB5A45119F6}" presName="iconBgRect" presStyleLbl="bgShp" presStyleIdx="1" presStyleCnt="4"/>
       <dgm:spPr/>
     </dgm:pt>
-    <dgm:pt modelId="{FFB34F09-63E2-4345-830C-A11CC9C229AD}" type="pres">
-      <dgm:prSet presAssocID="{9B3655E6-4172-4B64-9782-9E1377A00786}" presName="background" presStyleLbl="node0" presStyleIdx="2" presStyleCnt="4"/>
+    <dgm:pt modelId="{409DF07C-1460-4324-935D-B622A2D5EEDD}" type="pres">
+      <dgm:prSet presAssocID="{D87F17B4-1340-49B8-8A7C-AAB5A45119F6}" presName="iconRect" presStyleLbl="node1" presStyleIdx="1" presStyleCnt="4"/>
+      <dgm:spPr>
+        <a:blipFill>
+          <a:blip xmlns:r="http://schemas.openxmlformats.org/officeDocument/2006/relationships" r:embed="rId3">
+            <a:extLst>
+              <a:ext uri="{28A0092B-C50C-407E-A947-70E740481C1C}">
+                <a14:useLocalDpi xmlns:a14="http://schemas.microsoft.com/office/drawing/2010/main" val="0"/>
+              </a:ext>
+              <a:ext uri="{96DAC541-7B7A-43D3-8B79-37D633B846F1}">
+                <asvg:svgBlip xmlns:asvg="http://schemas.microsoft.com/office/drawing/2016/SVG/main" r:embed="rId4"/>
+              </a:ext>
+            </a:extLst>
+          </a:blip>
+          <a:stretch>
+            <a:fillRect/>
+          </a:stretch>
+        </a:blipFill>
+      </dgm:spPr>
+      <dgm:extLst>
+        <a:ext uri="{E40237B7-FDA0-4F09-8148-C483321AD2D9}">
+          <dgm14:cNvPr xmlns:dgm14="http://schemas.microsoft.com/office/drawing/2010/diagram" id="0" name="" descr="Monitor"/>
+        </a:ext>
+      </dgm:extLst>
+    </dgm:pt>
+    <dgm:pt modelId="{4B8343EE-1E57-45FA-AEEA-8069F594F217}" type="pres">
+      <dgm:prSet presAssocID="{D87F17B4-1340-49B8-8A7C-AAB5A45119F6}" presName="spaceRect" presStyleCnt="0"/>
       <dgm:spPr/>
     </dgm:pt>
-    <dgm:pt modelId="{1FBDC67A-BC38-AD41-B27F-73097C47E19E}" type="pres">
-      <dgm:prSet presAssocID="{9B3655E6-4172-4B64-9782-9E1377A00786}" presName="text" presStyleLbl="fgAcc0" presStyleIdx="2" presStyleCnt="4">
+    <dgm:pt modelId="{DAD24BD2-28E6-4C2F-BAA5-2B1F5936BB5E}" type="pres">
+      <dgm:prSet presAssocID="{D87F17B4-1340-49B8-8A7C-AAB5A45119F6}" presName="textRect" presStyleLbl="revTx" presStyleIdx="1" presStyleCnt="4">
         <dgm:presLayoutVars>
-          <dgm:chPref val="3"/>
+          <dgm:chMax val="1"/>
+          <dgm:chPref val="1"/>
         </dgm:presLayoutVars>
       </dgm:prSet>
       <dgm:spPr/>
     </dgm:pt>
-    <dgm:pt modelId="{E3402E39-5516-5149-BED0-E568AA506EFA}" type="pres">
-      <dgm:prSet presAssocID="{9B3655E6-4172-4B64-9782-9E1377A00786}" presName="hierChild2" presStyleCnt="0"/>
+    <dgm:pt modelId="{DA15C37C-57AB-4A71-933E-22E049AC00CB}" type="pres">
+      <dgm:prSet presAssocID="{F3614C36-0A5B-42B1-8823-D210F7F48337}" presName="sibTrans" presStyleLbl="sibTrans2D1" presStyleIdx="0" presStyleCnt="0"/>
       <dgm:spPr/>
     </dgm:pt>
-    <dgm:pt modelId="{50B50869-D5B2-5447-B113-589966A39B9E}" type="pres">
-      <dgm:prSet presAssocID="{9EA9F903-1F62-4C85-8AB5-E3EF0CFF5315}" presName="hierRoot1" presStyleCnt="0"/>
+    <dgm:pt modelId="{20CB1C6D-BB39-406D-B2CF-6C52DB73DD03}" type="pres">
+      <dgm:prSet presAssocID="{9B3655E6-4172-4B64-9782-9E1377A00786}" presName="compNode" presStyleCnt="0"/>
       <dgm:spPr/>
     </dgm:pt>
-    <dgm:pt modelId="{AB354491-A8C3-8E4C-B74E-872C1B03CC54}" type="pres">
-      <dgm:prSet presAssocID="{9EA9F903-1F62-4C85-8AB5-E3EF0CFF5315}" presName="composite" presStyleCnt="0"/>
+    <dgm:pt modelId="{F4B2D854-3A04-4036-B331-6962B20726A3}" type="pres">
+      <dgm:prSet presAssocID="{9B3655E6-4172-4B64-9782-9E1377A00786}" presName="iconBgRect" presStyleLbl="bgShp" presStyleIdx="2" presStyleCnt="4"/>
       <dgm:spPr/>
     </dgm:pt>
-    <dgm:pt modelId="{A94ACEAD-619A-D348-BECE-3681BC466D83}" type="pres">
-      <dgm:prSet presAssocID="{9EA9F903-1F62-4C85-8AB5-E3EF0CFF5315}" presName="background" presStyleLbl="node0" presStyleIdx="3" presStyleCnt="4"/>
+    <dgm:pt modelId="{3F99E594-D9DB-44E2-BCBC-DD8E58F0D475}" type="pres">
+      <dgm:prSet presAssocID="{9B3655E6-4172-4B64-9782-9E1377A00786}" presName="iconRect" presStyleLbl="node1" presStyleIdx="2" presStyleCnt="4"/>
+      <dgm:spPr>
+        <a:blipFill>
+          <a:blip xmlns:r="http://schemas.openxmlformats.org/officeDocument/2006/relationships" r:embed="rId5">
+            <a:extLst>
+              <a:ext uri="{28A0092B-C50C-407E-A947-70E740481C1C}">
+                <a14:useLocalDpi xmlns:a14="http://schemas.microsoft.com/office/drawing/2010/main" val="0"/>
+              </a:ext>
+              <a:ext uri="{96DAC541-7B7A-43D3-8B79-37D633B846F1}">
+                <asvg:svgBlip xmlns:asvg="http://schemas.microsoft.com/office/drawing/2016/SVG/main" r:embed="rId6"/>
+              </a:ext>
+            </a:extLst>
+          </a:blip>
+          <a:stretch>
+            <a:fillRect/>
+          </a:stretch>
+        </a:blipFill>
+      </dgm:spPr>
+      <dgm:extLst>
+        <a:ext uri="{E40237B7-FDA0-4F09-8148-C483321AD2D9}">
+          <dgm14:cNvPr xmlns:dgm14="http://schemas.microsoft.com/office/drawing/2010/diagram" id="0" name="" descr="Teacher"/>
+        </a:ext>
+      </dgm:extLst>
+    </dgm:pt>
+    <dgm:pt modelId="{7631BCF8-0350-4EA7-AE01-D644B934DF62}" type="pres">
+      <dgm:prSet presAssocID="{9B3655E6-4172-4B64-9782-9E1377A00786}" presName="spaceRect" presStyleCnt="0"/>
       <dgm:spPr/>
     </dgm:pt>
-    <dgm:pt modelId="{C4B74E00-7CC6-0443-A7BB-AE64E38E6C4D}" type="pres">
-      <dgm:prSet presAssocID="{9EA9F903-1F62-4C85-8AB5-E3EF0CFF5315}" presName="text" presStyleLbl="fgAcc0" presStyleIdx="3" presStyleCnt="4">
+    <dgm:pt modelId="{9A0AA647-2C23-4BC5-8E80-EEE81D409215}" type="pres">
+      <dgm:prSet presAssocID="{9B3655E6-4172-4B64-9782-9E1377A00786}" presName="textRect" presStyleLbl="revTx" presStyleIdx="2" presStyleCnt="4">
         <dgm:presLayoutVars>
-          <dgm:chPref val="3"/>
+          <dgm:chMax val="1"/>
+          <dgm:chPref val="1"/>
         </dgm:presLayoutVars>
       </dgm:prSet>
       <dgm:spPr/>
     </dgm:pt>
-    <dgm:pt modelId="{ED56C286-4472-BE4D-9B0C-BEFFB6B3D3D1}" type="pres">
-      <dgm:prSet presAssocID="{9EA9F903-1F62-4C85-8AB5-E3EF0CFF5315}" presName="hierChild2" presStyleCnt="0"/>
+    <dgm:pt modelId="{84C3C57F-867D-48AE-9B2E-00B0728F27A5}" type="pres">
+      <dgm:prSet presAssocID="{57827295-EC03-4B71-9F33-DA699607AFBF}" presName="sibTrans" presStyleLbl="sibTrans2D1" presStyleIdx="0" presStyleCnt="0"/>
+      <dgm:spPr/>
+    </dgm:pt>
+    <dgm:pt modelId="{33DE5ED7-C5D3-4CCE-9534-3DE0FE8DFD69}" type="pres">
+      <dgm:prSet presAssocID="{9EA9F903-1F62-4C85-8AB5-E3EF0CFF5315}" presName="compNode" presStyleCnt="0"/>
+      <dgm:spPr/>
+    </dgm:pt>
+    <dgm:pt modelId="{C71FC7A2-C3AF-41BB-818B-1D17526316AD}" type="pres">
+      <dgm:prSet presAssocID="{9EA9F903-1F62-4C85-8AB5-E3EF0CFF5315}" presName="iconBgRect" presStyleLbl="bgShp" presStyleIdx="3" presStyleCnt="4"/>
+      <dgm:spPr/>
+    </dgm:pt>
+    <dgm:pt modelId="{DE1FC09D-A4C5-4137-9B10-197D5E13C763}" type="pres">
+      <dgm:prSet presAssocID="{9EA9F903-1F62-4C85-8AB5-E3EF0CFF5315}" presName="iconRect" presStyleLbl="node1" presStyleIdx="3" presStyleCnt="4"/>
+      <dgm:spPr>
+        <a:blipFill>
+          <a:blip xmlns:r="http://schemas.openxmlformats.org/officeDocument/2006/relationships" r:embed="rId7">
+            <a:extLst>
+              <a:ext uri="{28A0092B-C50C-407E-A947-70E740481C1C}">
+                <a14:useLocalDpi xmlns:a14="http://schemas.microsoft.com/office/drawing/2010/main" val="0"/>
+              </a:ext>
+              <a:ext uri="{96DAC541-7B7A-43D3-8B79-37D633B846F1}">
+                <asvg:svgBlip xmlns:asvg="http://schemas.microsoft.com/office/drawing/2016/SVG/main" r:embed="rId8"/>
+              </a:ext>
+            </a:extLst>
+          </a:blip>
+          <a:stretch>
+            <a:fillRect/>
+          </a:stretch>
+        </a:blipFill>
+      </dgm:spPr>
+      <dgm:extLst>
+        <a:ext uri="{E40237B7-FDA0-4F09-8148-C483321AD2D9}">
+          <dgm14:cNvPr xmlns:dgm14="http://schemas.microsoft.com/office/drawing/2010/diagram" id="0" name="" descr="Handshake"/>
+        </a:ext>
+      </dgm:extLst>
+    </dgm:pt>
+    <dgm:pt modelId="{6A879D74-E1B6-4DBF-AA85-4B3B929E8D63}" type="pres">
+      <dgm:prSet presAssocID="{9EA9F903-1F62-4C85-8AB5-E3EF0CFF5315}" presName="spaceRect" presStyleCnt="0"/>
+      <dgm:spPr/>
+    </dgm:pt>
+    <dgm:pt modelId="{134B9F62-A766-450D-9E0B-6C0DD6475187}" type="pres">
+      <dgm:prSet presAssocID="{9EA9F903-1F62-4C85-8AB5-E3EF0CFF5315}" presName="textRect" presStyleLbl="revTx" presStyleIdx="3" presStyleCnt="4">
+        <dgm:presLayoutVars>
+          <dgm:chMax val="1"/>
+          <dgm:chPref val="1"/>
+        </dgm:presLayoutVars>
+      </dgm:prSet>
       <dgm:spPr/>
     </dgm:pt>
   </dgm:ptLst>
   <dgm:cxnLst>
     <dgm:cxn modelId="{5B405400-18C3-430A-96FF-C853DC97498B}" srcId="{E6C2D5DF-D83C-42CC-A2CB-67E629ADF33E}" destId="{6A78B8D3-0CA1-45E5-91AA-442854E0AF69}" srcOrd="0" destOrd="0" parTransId="{9C36646F-CB9C-472B-A3C2-0CB286820EA8}" sibTransId="{7555103D-12E7-457A-9127-50ECF69EC750}"/>
-    <dgm:cxn modelId="{93C4390A-78DA-B343-A040-F6C997BEBD51}" type="presOf" srcId="{9B3655E6-4172-4B64-9782-9E1377A00786}" destId="{1FBDC67A-BC38-AD41-B27F-73097C47E19E}" srcOrd="0" destOrd="0" presId="urn:microsoft.com/office/officeart/2005/8/layout/hierarchy1"/>
-    <dgm:cxn modelId="{B925B80E-5D48-5F47-9C41-BDD67FCC9604}" type="presOf" srcId="{6A78B8D3-0CA1-45E5-91AA-442854E0AF69}" destId="{5175C5EF-1E6D-9A4A-AFBF-AAF31ACD54E8}" srcOrd="0" destOrd="0" presId="urn:microsoft.com/office/officeart/2005/8/layout/hierarchy1"/>
-    <dgm:cxn modelId="{32C88621-82A8-6E4E-90CC-8E9CE0FCA3BA}" type="presOf" srcId="{9EA9F903-1F62-4C85-8AB5-E3EF0CFF5315}" destId="{C4B74E00-7CC6-0443-A7BB-AE64E38E6C4D}" srcOrd="0" destOrd="0" presId="urn:microsoft.com/office/officeart/2005/8/layout/hierarchy1"/>
-    <dgm:cxn modelId="{0A5DB34F-4238-424B-A440-750767AE71AB}" type="presOf" srcId="{E6C2D5DF-D83C-42CC-A2CB-67E629ADF33E}" destId="{78C4B785-C0DA-F94B-9869-D05A227CDC6E}" srcOrd="0" destOrd="0" presId="urn:microsoft.com/office/officeart/2005/8/layout/hierarchy1"/>
+    <dgm:cxn modelId="{7AE09903-7C0F-094E-910A-38DCBD18B7DB}" type="presOf" srcId="{D87F17B4-1340-49B8-8A7C-AAB5A45119F6}" destId="{DAD24BD2-28E6-4C2F-BAA5-2B1F5936BB5E}" srcOrd="0" destOrd="0" presId="urn:microsoft.com/office/officeart/2018/2/layout/IconCircleList"/>
+    <dgm:cxn modelId="{E9313F1B-C121-134A-A440-333BFD0F64AD}" type="presOf" srcId="{7555103D-12E7-457A-9127-50ECF69EC750}" destId="{FF1DC9B4-9E08-48C1-903A-C7356AEEF7EA}" srcOrd="0" destOrd="0" presId="urn:microsoft.com/office/officeart/2018/2/layout/IconCircleList"/>
+    <dgm:cxn modelId="{9E06BB7B-7E6E-094D-A770-6E7B2E109300}" type="presOf" srcId="{9B3655E6-4172-4B64-9782-9E1377A00786}" destId="{9A0AA647-2C23-4BC5-8E80-EEE81D409215}" srcOrd="0" destOrd="0" presId="urn:microsoft.com/office/officeart/2018/2/layout/IconCircleList"/>
     <dgm:cxn modelId="{8D609C86-DB64-4C0D-AC96-BA796ABF60AE}" srcId="{E6C2D5DF-D83C-42CC-A2CB-67E629ADF33E}" destId="{9B3655E6-4172-4B64-9782-9E1377A00786}" srcOrd="2" destOrd="0" parTransId="{93DC8916-8249-4D34-A4B6-CB199117F6E2}" sibTransId="{57827295-EC03-4B71-9F33-DA699607AFBF}"/>
+    <dgm:cxn modelId="{3015B6AA-B41F-2B4E-BA9B-7E98C50B111B}" type="presOf" srcId="{6A78B8D3-0CA1-45E5-91AA-442854E0AF69}" destId="{73910311-DF73-4CE0-AEDD-A1499FA28B97}" srcOrd="0" destOrd="0" presId="urn:microsoft.com/office/officeart/2018/2/layout/IconCircleList"/>
+    <dgm:cxn modelId="{C8E972B7-E779-6E43-A8D4-110BFFF583DE}" type="presOf" srcId="{9EA9F903-1F62-4C85-8AB5-E3EF0CFF5315}" destId="{134B9F62-A766-450D-9E0B-6C0DD6475187}" srcOrd="0" destOrd="0" presId="urn:microsoft.com/office/officeart/2018/2/layout/IconCircleList"/>
     <dgm:cxn modelId="{84B691B7-0A17-4BDB-9EFE-7D0ADB221AB0}" srcId="{E6C2D5DF-D83C-42CC-A2CB-67E629ADF33E}" destId="{D87F17B4-1340-49B8-8A7C-AAB5A45119F6}" srcOrd="1" destOrd="0" parTransId="{1FF2725C-750D-40BB-8019-037FD7B9108D}" sibTransId="{F3614C36-0A5B-42B1-8823-D210F7F48337}"/>
+    <dgm:cxn modelId="{1E48C3C0-15E6-CC4E-BF53-0B2AA625E24E}" type="presOf" srcId="{57827295-EC03-4B71-9F33-DA699607AFBF}" destId="{84C3C57F-867D-48AE-9B2E-00B0728F27A5}" srcOrd="0" destOrd="0" presId="urn:microsoft.com/office/officeart/2018/2/layout/IconCircleList"/>
     <dgm:cxn modelId="{2ED00FDC-E936-4147-83AA-8DCA504945B0}" srcId="{E6C2D5DF-D83C-42CC-A2CB-67E629ADF33E}" destId="{9EA9F903-1F62-4C85-8AB5-E3EF0CFF5315}" srcOrd="3" destOrd="0" parTransId="{6B862CB0-718E-4BC9-8F32-735DBEA2B9A7}" sibTransId="{D402A534-3D90-4852-9EE9-256358D6A073}"/>
-    <dgm:cxn modelId="{BB1469E1-C6D8-204B-8CE2-6CB19AD5AF66}" type="presOf" srcId="{D87F17B4-1340-49B8-8A7C-AAB5A45119F6}" destId="{B054C0D5-9883-9145-87A4-8CF26090D53C}" srcOrd="0" destOrd="0" presId="urn:microsoft.com/office/officeart/2005/8/layout/hierarchy1"/>
-    <dgm:cxn modelId="{0F64906E-5065-7D4B-BB69-228B79BDB640}" type="presParOf" srcId="{78C4B785-C0DA-F94B-9869-D05A227CDC6E}" destId="{5A7143BC-6FA8-B143-A724-02650B7F8F0E}" srcOrd="0" destOrd="0" presId="urn:microsoft.com/office/officeart/2005/8/layout/hierarchy1"/>
-    <dgm:cxn modelId="{174D5DDD-B9BC-724F-A62F-67E2E4F6226F}" type="presParOf" srcId="{5A7143BC-6FA8-B143-A724-02650B7F8F0E}" destId="{B9499582-583E-F040-8206-030FD290C266}" srcOrd="0" destOrd="0" presId="urn:microsoft.com/office/officeart/2005/8/layout/hierarchy1"/>
-    <dgm:cxn modelId="{39285786-F16C-7C41-A288-ADE943061C3A}" type="presParOf" srcId="{B9499582-583E-F040-8206-030FD290C266}" destId="{DE13FAC7-A891-2948-9A5E-77C20BC294F7}" srcOrd="0" destOrd="0" presId="urn:microsoft.com/office/officeart/2005/8/layout/hierarchy1"/>
-    <dgm:cxn modelId="{2399C757-2770-6D4E-A788-8B0DDF1950FF}" type="presParOf" srcId="{B9499582-583E-F040-8206-030FD290C266}" destId="{5175C5EF-1E6D-9A4A-AFBF-AAF31ACD54E8}" srcOrd="1" destOrd="0" presId="urn:microsoft.com/office/officeart/2005/8/layout/hierarchy1"/>
-    <dgm:cxn modelId="{E6048EB9-0DB7-8246-B371-98A66ADD7774}" type="presParOf" srcId="{5A7143BC-6FA8-B143-A724-02650B7F8F0E}" destId="{3AE169E7-B642-DF45-A6E0-ACE8E073590B}" srcOrd="1" destOrd="0" presId="urn:microsoft.com/office/officeart/2005/8/layout/hierarchy1"/>
-    <dgm:cxn modelId="{1CAC5CF2-252C-1B4F-9378-442E405C2672}" type="presParOf" srcId="{78C4B785-C0DA-F94B-9869-D05A227CDC6E}" destId="{9D9CDB99-6709-764E-A3DF-A62C8AD5E397}" srcOrd="1" destOrd="0" presId="urn:microsoft.com/office/officeart/2005/8/layout/hierarchy1"/>
-    <dgm:cxn modelId="{BC5BF1AE-6A19-E340-A568-D42B8C0A8772}" type="presParOf" srcId="{9D9CDB99-6709-764E-A3DF-A62C8AD5E397}" destId="{92691D23-F008-A64F-8C0D-F5B76649BAB1}" srcOrd="0" destOrd="0" presId="urn:microsoft.com/office/officeart/2005/8/layout/hierarchy1"/>
-    <dgm:cxn modelId="{13E955EE-AFD7-314D-AE7B-5CAECFE4E315}" type="presParOf" srcId="{92691D23-F008-A64F-8C0D-F5B76649BAB1}" destId="{B81AD8E8-E1F3-E447-B54B-AC0532920BED}" srcOrd="0" destOrd="0" presId="urn:microsoft.com/office/officeart/2005/8/layout/hierarchy1"/>
-    <dgm:cxn modelId="{D8661F19-17D0-FB41-ACE3-9B459E9E24E3}" type="presParOf" srcId="{92691D23-F008-A64F-8C0D-F5B76649BAB1}" destId="{B054C0D5-9883-9145-87A4-8CF26090D53C}" srcOrd="1" destOrd="0" presId="urn:microsoft.com/office/officeart/2005/8/layout/hierarchy1"/>
-    <dgm:cxn modelId="{B779BE2F-8B51-294B-B41C-0BD2A49A4B21}" type="presParOf" srcId="{9D9CDB99-6709-764E-A3DF-A62C8AD5E397}" destId="{7A08D421-7468-B04A-BE22-B4FE20B5A9F0}" srcOrd="1" destOrd="0" presId="urn:microsoft.com/office/officeart/2005/8/layout/hierarchy1"/>
-    <dgm:cxn modelId="{C609064E-DDAE-234A-A5AB-7D04D92CF695}" type="presParOf" srcId="{78C4B785-C0DA-F94B-9869-D05A227CDC6E}" destId="{242A13E6-E4E4-EF48-911E-0BA9A83677C7}" srcOrd="2" destOrd="0" presId="urn:microsoft.com/office/officeart/2005/8/layout/hierarchy1"/>
-    <dgm:cxn modelId="{B514FD14-CB51-5D4F-BCEE-28512C4928E4}" type="presParOf" srcId="{242A13E6-E4E4-EF48-911E-0BA9A83677C7}" destId="{9958DB35-F28E-AB41-A382-3A555D171D70}" srcOrd="0" destOrd="0" presId="urn:microsoft.com/office/officeart/2005/8/layout/hierarchy1"/>
-    <dgm:cxn modelId="{68CBCD24-4441-FB42-9352-655D61D06FB2}" type="presParOf" srcId="{9958DB35-F28E-AB41-A382-3A555D171D70}" destId="{FFB34F09-63E2-4345-830C-A11CC9C229AD}" srcOrd="0" destOrd="0" presId="urn:microsoft.com/office/officeart/2005/8/layout/hierarchy1"/>
-    <dgm:cxn modelId="{D3475C11-BF38-5D49-B551-514B9F784B1E}" type="presParOf" srcId="{9958DB35-F28E-AB41-A382-3A555D171D70}" destId="{1FBDC67A-BC38-AD41-B27F-73097C47E19E}" srcOrd="1" destOrd="0" presId="urn:microsoft.com/office/officeart/2005/8/layout/hierarchy1"/>
-    <dgm:cxn modelId="{4ECB44F0-BE6C-5A45-BA6F-D85C88765011}" type="presParOf" srcId="{242A13E6-E4E4-EF48-911E-0BA9A83677C7}" destId="{E3402E39-5516-5149-BED0-E568AA506EFA}" srcOrd="1" destOrd="0" presId="urn:microsoft.com/office/officeart/2005/8/layout/hierarchy1"/>
-    <dgm:cxn modelId="{BCA8BBAE-6FC9-4D40-A2CF-47FAB1D005A5}" type="presParOf" srcId="{78C4B785-C0DA-F94B-9869-D05A227CDC6E}" destId="{50B50869-D5B2-5447-B113-589966A39B9E}" srcOrd="3" destOrd="0" presId="urn:microsoft.com/office/officeart/2005/8/layout/hierarchy1"/>
-    <dgm:cxn modelId="{E7806DDC-FB4E-8C4F-96F6-A52A4849C35C}" type="presParOf" srcId="{50B50869-D5B2-5447-B113-589966A39B9E}" destId="{AB354491-A8C3-8E4C-B74E-872C1B03CC54}" srcOrd="0" destOrd="0" presId="urn:microsoft.com/office/officeart/2005/8/layout/hierarchy1"/>
-    <dgm:cxn modelId="{A373BCE3-79DD-B944-9CA1-887236C63590}" type="presParOf" srcId="{AB354491-A8C3-8E4C-B74E-872C1B03CC54}" destId="{A94ACEAD-619A-D348-BECE-3681BC466D83}" srcOrd="0" destOrd="0" presId="urn:microsoft.com/office/officeart/2005/8/layout/hierarchy1"/>
-    <dgm:cxn modelId="{2AAE4162-7D31-F24F-8648-AF98C778734C}" type="presParOf" srcId="{AB354491-A8C3-8E4C-B74E-872C1B03CC54}" destId="{C4B74E00-7CC6-0443-A7BB-AE64E38E6C4D}" srcOrd="1" destOrd="0" presId="urn:microsoft.com/office/officeart/2005/8/layout/hierarchy1"/>
-    <dgm:cxn modelId="{68C7493A-A8DE-DF4A-BAFF-D8A2F1DF1F2F}" type="presParOf" srcId="{50B50869-D5B2-5447-B113-589966A39B9E}" destId="{ED56C286-4472-BE4D-9B0C-BEFFB6B3D3D1}" srcOrd="1" destOrd="0" presId="urn:microsoft.com/office/officeart/2005/8/layout/hierarchy1"/>
+    <dgm:cxn modelId="{091120E2-AF74-8244-BCCF-D0BB18F4568F}" type="presOf" srcId="{F3614C36-0A5B-42B1-8823-D210F7F48337}" destId="{DA15C37C-57AB-4A71-933E-22E049AC00CB}" srcOrd="0" destOrd="0" presId="urn:microsoft.com/office/officeart/2018/2/layout/IconCircleList"/>
+    <dgm:cxn modelId="{ACB963F5-33B0-E946-AD4C-1097342B8182}" type="presOf" srcId="{E6C2D5DF-D83C-42CC-A2CB-67E629ADF33E}" destId="{DD142F4F-E04E-4115-96D4-F8E21685F3F5}" srcOrd="0" destOrd="0" presId="urn:microsoft.com/office/officeart/2018/2/layout/IconCircleList"/>
+    <dgm:cxn modelId="{83D5A5E4-74BE-3D40-8975-A07465A47357}" type="presParOf" srcId="{DD142F4F-E04E-4115-96D4-F8E21685F3F5}" destId="{A4241617-AB26-4AD9-9617-556B30E1A87F}" srcOrd="0" destOrd="0" presId="urn:microsoft.com/office/officeart/2018/2/layout/IconCircleList"/>
+    <dgm:cxn modelId="{7A16BB79-3F0A-8F48-88B5-4DD842CA1C64}" type="presParOf" srcId="{A4241617-AB26-4AD9-9617-556B30E1A87F}" destId="{1F1873DD-6EB9-4DD7-8F97-05C30D7332E2}" srcOrd="0" destOrd="0" presId="urn:microsoft.com/office/officeart/2018/2/layout/IconCircleList"/>
+    <dgm:cxn modelId="{F2E5D818-AC43-934D-8AAB-53B35C502E12}" type="presParOf" srcId="{1F1873DD-6EB9-4DD7-8F97-05C30D7332E2}" destId="{9C3667E4-580D-4257-9209-3816D169C443}" srcOrd="0" destOrd="0" presId="urn:microsoft.com/office/officeart/2018/2/layout/IconCircleList"/>
+    <dgm:cxn modelId="{2DCE1653-FC30-4A41-BDCB-CA929D0BAA4D}" type="presParOf" srcId="{1F1873DD-6EB9-4DD7-8F97-05C30D7332E2}" destId="{C423D6D3-4C46-41AA-91B9-586F2DDCF12D}" srcOrd="1" destOrd="0" presId="urn:microsoft.com/office/officeart/2018/2/layout/IconCircleList"/>
+    <dgm:cxn modelId="{5191B59A-6119-B447-AD0B-BC3F1C69BA40}" type="presParOf" srcId="{1F1873DD-6EB9-4DD7-8F97-05C30D7332E2}" destId="{67E59EB8-8C8A-43E6-B4AC-B69E9C3DDCD8}" srcOrd="2" destOrd="0" presId="urn:microsoft.com/office/officeart/2018/2/layout/IconCircleList"/>
+    <dgm:cxn modelId="{43096D2D-4929-1644-A60D-B047873758F5}" type="presParOf" srcId="{1F1873DD-6EB9-4DD7-8F97-05C30D7332E2}" destId="{73910311-DF73-4CE0-AEDD-A1499FA28B97}" srcOrd="3" destOrd="0" presId="urn:microsoft.com/office/officeart/2018/2/layout/IconCircleList"/>
+    <dgm:cxn modelId="{C70617EB-197D-1249-BA5D-D61792B332EE}" type="presParOf" srcId="{A4241617-AB26-4AD9-9617-556B30E1A87F}" destId="{FF1DC9B4-9E08-48C1-903A-C7356AEEF7EA}" srcOrd="1" destOrd="0" presId="urn:microsoft.com/office/officeart/2018/2/layout/IconCircleList"/>
+    <dgm:cxn modelId="{9B478889-1AEE-3D4E-BC0F-0242572875B4}" type="presParOf" srcId="{A4241617-AB26-4AD9-9617-556B30E1A87F}" destId="{8E40B75E-6471-4F3B-BE6E-CBDF3BAFAAC8}" srcOrd="2" destOrd="0" presId="urn:microsoft.com/office/officeart/2018/2/layout/IconCircleList"/>
+    <dgm:cxn modelId="{D98342EB-542F-314B-8F1D-E1AC65EAB194}" type="presParOf" srcId="{8E40B75E-6471-4F3B-BE6E-CBDF3BAFAAC8}" destId="{D854E90F-A6C7-4EF9-8D04-CF6B34C566FC}" srcOrd="0" destOrd="0" presId="urn:microsoft.com/office/officeart/2018/2/layout/IconCircleList"/>
+    <dgm:cxn modelId="{FD328C18-BE8D-7548-A386-5A6CA4FDCC35}" type="presParOf" srcId="{8E40B75E-6471-4F3B-BE6E-CBDF3BAFAAC8}" destId="{409DF07C-1460-4324-935D-B622A2D5EEDD}" srcOrd="1" destOrd="0" presId="urn:microsoft.com/office/officeart/2018/2/layout/IconCircleList"/>
+    <dgm:cxn modelId="{5DB36E44-0872-D84F-9ABB-20A3C783432C}" type="presParOf" srcId="{8E40B75E-6471-4F3B-BE6E-CBDF3BAFAAC8}" destId="{4B8343EE-1E57-45FA-AEEA-8069F594F217}" srcOrd="2" destOrd="0" presId="urn:microsoft.com/office/officeart/2018/2/layout/IconCircleList"/>
+    <dgm:cxn modelId="{71A479CC-2A16-6548-9553-791B8CB66E56}" type="presParOf" srcId="{8E40B75E-6471-4F3B-BE6E-CBDF3BAFAAC8}" destId="{DAD24BD2-28E6-4C2F-BAA5-2B1F5936BB5E}" srcOrd="3" destOrd="0" presId="urn:microsoft.com/office/officeart/2018/2/layout/IconCircleList"/>
+    <dgm:cxn modelId="{D9FD1377-8C2D-164B-8B5C-4E15D796331D}" type="presParOf" srcId="{A4241617-AB26-4AD9-9617-556B30E1A87F}" destId="{DA15C37C-57AB-4A71-933E-22E049AC00CB}" srcOrd="3" destOrd="0" presId="urn:microsoft.com/office/officeart/2018/2/layout/IconCircleList"/>
+    <dgm:cxn modelId="{12C08862-0B85-F849-9049-C67B91165342}" type="presParOf" srcId="{A4241617-AB26-4AD9-9617-556B30E1A87F}" destId="{20CB1C6D-BB39-406D-B2CF-6C52DB73DD03}" srcOrd="4" destOrd="0" presId="urn:microsoft.com/office/officeart/2018/2/layout/IconCircleList"/>
+    <dgm:cxn modelId="{E2A83B2A-6C29-4242-AE04-CB487AA297EF}" type="presParOf" srcId="{20CB1C6D-BB39-406D-B2CF-6C52DB73DD03}" destId="{F4B2D854-3A04-4036-B331-6962B20726A3}" srcOrd="0" destOrd="0" presId="urn:microsoft.com/office/officeart/2018/2/layout/IconCircleList"/>
+    <dgm:cxn modelId="{E1F680AD-F684-D24D-BBDE-036E365CC18E}" type="presParOf" srcId="{20CB1C6D-BB39-406D-B2CF-6C52DB73DD03}" destId="{3F99E594-D9DB-44E2-BCBC-DD8E58F0D475}" srcOrd="1" destOrd="0" presId="urn:microsoft.com/office/officeart/2018/2/layout/IconCircleList"/>
+    <dgm:cxn modelId="{D3C08363-33FB-664A-BB62-00D6E70C6194}" type="presParOf" srcId="{20CB1C6D-BB39-406D-B2CF-6C52DB73DD03}" destId="{7631BCF8-0350-4EA7-AE01-D644B934DF62}" srcOrd="2" destOrd="0" presId="urn:microsoft.com/office/officeart/2018/2/layout/IconCircleList"/>
+    <dgm:cxn modelId="{E0C4DAC5-FDFD-B447-A115-30B11D7CDCE7}" type="presParOf" srcId="{20CB1C6D-BB39-406D-B2CF-6C52DB73DD03}" destId="{9A0AA647-2C23-4BC5-8E80-EEE81D409215}" srcOrd="3" destOrd="0" presId="urn:microsoft.com/office/officeart/2018/2/layout/IconCircleList"/>
+    <dgm:cxn modelId="{694A74BD-1D7C-C746-9B92-FF3562BDE3EB}" type="presParOf" srcId="{A4241617-AB26-4AD9-9617-556B30E1A87F}" destId="{84C3C57F-867D-48AE-9B2E-00B0728F27A5}" srcOrd="5" destOrd="0" presId="urn:microsoft.com/office/officeart/2018/2/layout/IconCircleList"/>
+    <dgm:cxn modelId="{97FFEA13-99FC-7748-9004-C7494B990820}" type="presParOf" srcId="{A4241617-AB26-4AD9-9617-556B30E1A87F}" destId="{33DE5ED7-C5D3-4CCE-9534-3DE0FE8DFD69}" srcOrd="6" destOrd="0" presId="urn:microsoft.com/office/officeart/2018/2/layout/IconCircleList"/>
+    <dgm:cxn modelId="{22F4E410-096F-F349-8FBD-7A6D749B9657}" type="presParOf" srcId="{33DE5ED7-C5D3-4CCE-9534-3DE0FE8DFD69}" destId="{C71FC7A2-C3AF-41BB-818B-1D17526316AD}" srcOrd="0" destOrd="0" presId="urn:microsoft.com/office/officeart/2018/2/layout/IconCircleList"/>
+    <dgm:cxn modelId="{369E129D-6F24-C54A-B4F8-F54E45212CDC}" type="presParOf" srcId="{33DE5ED7-C5D3-4CCE-9534-3DE0FE8DFD69}" destId="{DE1FC09D-A4C5-4137-9B10-197D5E13C763}" srcOrd="1" destOrd="0" presId="urn:microsoft.com/office/officeart/2018/2/layout/IconCircleList"/>
+    <dgm:cxn modelId="{091DDCFF-54AB-444E-A2CE-6DF6E4B7C9EE}" type="presParOf" srcId="{33DE5ED7-C5D3-4CCE-9534-3DE0FE8DFD69}" destId="{6A879D74-E1B6-4DBF-AA85-4B3B929E8D63}" srcOrd="2" destOrd="0" presId="urn:microsoft.com/office/officeart/2018/2/layout/IconCircleList"/>
+    <dgm:cxn modelId="{D4D614FA-E97B-6E45-BF66-952DBF5E3393}" type="presParOf" srcId="{33DE5ED7-C5D3-4CCE-9534-3DE0FE8DFD69}" destId="{134B9F62-A766-450D-9E0B-6C0DD6475187}" srcOrd="3" destOrd="0" presId="urn:microsoft.com/office/officeart/2018/2/layout/IconCircleList"/>
   </dgm:cxnLst>
   <dgm:bg/>
   <dgm:whole/>
@@ -4741,12 +4891,8 @@
             </a:lnSpc>
           </a:pPr>
           <a:r>
-            <a:rPr lang="en-US"/>
-            <a:t>51 funded </a:t>
-          </a:r>
-          <a:r>
             <a:rPr lang="en-US" dirty="0"/>
-            <a:t>by NIH (15 F31, 5 F32,2 K01, 8 K08, 12 K23, and 5 K99)</a:t>
+            <a:t>51 funded by NIH (15 F31, 5 F32,2 K01, 8 K08, 12 K23, and 5 K99)</a:t>
           </a:r>
         </a:p>
       </dgm:t>
@@ -6455,29 +6601,74 @@
       <dsp:cNvGrpSpPr/>
     </dsp:nvGrpSpPr>
     <dsp:grpSpPr/>
-    <dsp:sp modelId="{DE13FAC7-A891-2948-9A5E-77C20BC294F7}">
+    <dsp:sp modelId="{9C3667E4-580D-4257-9209-3816D169C443}">
       <dsp:nvSpPr>
         <dsp:cNvPr id="0" name=""/>
         <dsp:cNvSpPr/>
       </dsp:nvSpPr>
       <dsp:spPr>
         <a:xfrm>
-          <a:off x="3170" y="1028809"/>
-          <a:ext cx="2263407" cy="1437264"/>
+          <a:off x="264008" y="186941"/>
+          <a:ext cx="1362585" cy="1362585"/>
         </a:xfrm>
-        <a:prstGeom prst="roundRect">
-          <a:avLst>
-            <a:gd name="adj" fmla="val 10000"/>
-          </a:avLst>
+        <a:prstGeom prst="ellipse">
+          <a:avLst/>
         </a:prstGeom>
         <a:solidFill>
           <a:schemeClr val="accent1">
+            <a:tint val="40000"/>
             <a:hueOff val="0"/>
             <a:satOff val="0"/>
             <a:lumOff val="0"/>
             <a:alphaOff val="0"/>
           </a:schemeClr>
         </a:solidFill>
+        <a:ln>
+          <a:noFill/>
+        </a:ln>
+        <a:effectLst/>
+      </dsp:spPr>
+      <dsp:style>
+        <a:lnRef idx="0">
+          <a:scrgbClr r="0" g="0" b="0"/>
+        </a:lnRef>
+        <a:fillRef idx="1">
+          <a:scrgbClr r="0" g="0" b="0"/>
+        </a:fillRef>
+        <a:effectRef idx="0">
+          <a:scrgbClr r="0" g="0" b="0"/>
+        </a:effectRef>
+        <a:fontRef idx="minor"/>
+      </dsp:style>
+    </dsp:sp>
+    <dsp:sp modelId="{C423D6D3-4C46-41AA-91B9-586F2DDCF12D}">
+      <dsp:nvSpPr>
+        <dsp:cNvPr id="0" name=""/>
+        <dsp:cNvSpPr/>
+      </dsp:nvSpPr>
+      <dsp:spPr>
+        <a:xfrm>
+          <a:off x="550151" y="473084"/>
+          <a:ext cx="790299" cy="790299"/>
+        </a:xfrm>
+        <a:prstGeom prst="rect">
+          <a:avLst/>
+        </a:prstGeom>
+        <a:blipFill>
+          <a:blip xmlns:r="http://schemas.openxmlformats.org/officeDocument/2006/relationships" r:embed="rId1">
+            <a:extLst>
+              <a:ext uri="{28A0092B-C50C-407E-A947-70E740481C1C}">
+                <a14:useLocalDpi xmlns:a14="http://schemas.microsoft.com/office/drawing/2010/main" val="0"/>
+              </a:ext>
+              <a:ext uri="{96DAC541-7B7A-43D3-8B79-37D633B846F1}">
+                <asvg:svgBlip xmlns:asvg="http://schemas.microsoft.com/office/drawing/2016/SVG/main" r:embed="rId2"/>
+              </a:ext>
+            </a:extLst>
+          </a:blip>
+          <a:stretch>
+            <a:fillRect/>
+          </a:stretch>
+        </a:blipFill>
         <a:ln w="19050" cap="flat" cmpd="sng" algn="ctr">
           <a:solidFill>
             <a:schemeClr val="lt1">
@@ -6507,49 +6698,30 @@
         </a:fontRef>
       </dsp:style>
     </dsp:sp>
-    <dsp:sp modelId="{5175C5EF-1E6D-9A4A-AFBF-AAF31ACD54E8}">
+    <dsp:sp modelId="{73910311-DF73-4CE0-AEDD-A1499FA28B97}">
       <dsp:nvSpPr>
         <dsp:cNvPr id="0" name=""/>
         <dsp:cNvSpPr/>
       </dsp:nvSpPr>
       <dsp:spPr>
         <a:xfrm>
-          <a:off x="254659" y="1267725"/>
-          <a:ext cx="2263407" cy="1437264"/>
+          <a:off x="1918575" y="186941"/>
+          <a:ext cx="3211807" cy="1362585"/>
         </a:xfrm>
-        <a:prstGeom prst="roundRect">
-          <a:avLst>
-            <a:gd name="adj" fmla="val 10000"/>
-          </a:avLst>
+        <a:prstGeom prst="rect">
+          <a:avLst/>
         </a:prstGeom>
-        <a:solidFill>
-          <a:schemeClr val="lt1">
-            <a:alpha val="90000"/>
-            <a:hueOff val="0"/>
-            <a:satOff val="0"/>
-            <a:lumOff val="0"/>
-            <a:alphaOff val="0"/>
-          </a:schemeClr>
-        </a:solidFill>
-        <a:ln w="19050" cap="flat" cmpd="sng" algn="ctr">
-          <a:solidFill>
-            <a:schemeClr val="accent1">
-              <a:hueOff val="0"/>
-              <a:satOff val="0"/>
-              <a:lumOff val="0"/>
-              <a:alphaOff val="0"/>
-            </a:schemeClr>
-          </a:solidFill>
-          <a:prstDash val="solid"/>
-          <a:miter lim="800000"/>
+        <a:noFill/>
+        <a:ln>
+          <a:noFill/>
         </a:ln>
         <a:effectLst/>
       </dsp:spPr>
       <dsp:style>
-        <a:lnRef idx="2">
+        <a:lnRef idx="0">
           <a:scrgbClr r="0" g="0" b="0"/>
         </a:lnRef>
-        <a:fillRef idx="1">
+        <a:fillRef idx="0">
           <a:scrgbClr r="0" g="0" b="0"/>
         </a:fillRef>
         <a:effectRef idx="0">
@@ -6558,14 +6730,14 @@
         <a:fontRef idx="minor"/>
       </dsp:style>
       <dsp:txBody>
-        <a:bodyPr spcFirstLastPara="0" vert="horz" wrap="square" lIns="91440" tIns="91440" rIns="91440" bIns="91440" numCol="1" spcCol="1270" anchor="ctr" anchorCtr="0">
+        <a:bodyPr spcFirstLastPara="0" vert="horz" wrap="square" lIns="0" tIns="0" rIns="0" bIns="0" numCol="1" spcCol="1270" anchor="ctr" anchorCtr="0">
           <a:noAutofit/>
         </a:bodyPr>
         <a:lstStyle/>
         <a:p>
-          <a:pPr marL="0" lvl="0" indent="0" algn="ctr" defTabSz="1066800">
+          <a:pPr marL="0" lvl="0" indent="0" algn="l" defTabSz="1066800">
             <a:lnSpc>
-              <a:spcPct val="90000"/>
+              <a:spcPct val="100000"/>
             </a:lnSpc>
             <a:spcBef>
               <a:spcPct val="0"/>
@@ -6582,33 +6754,78 @@
         </a:p>
       </dsp:txBody>
       <dsp:txXfrm>
-        <a:off x="296755" y="1309821"/>
-        <a:ext cx="2179215" cy="1353072"/>
+        <a:off x="1918575" y="186941"/>
+        <a:ext cx="3211807" cy="1362585"/>
       </dsp:txXfrm>
     </dsp:sp>
-    <dsp:sp modelId="{B81AD8E8-E1F3-E447-B54B-AC0532920BED}">
+    <dsp:sp modelId="{D854E90F-A6C7-4EF9-8D04-CF6B34C566FC}">
       <dsp:nvSpPr>
         <dsp:cNvPr id="0" name=""/>
         <dsp:cNvSpPr/>
       </dsp:nvSpPr>
       <dsp:spPr>
         <a:xfrm>
-          <a:off x="2769557" y="1028809"/>
-          <a:ext cx="2263407" cy="1437264"/>
+          <a:off x="5690016" y="186941"/>
+          <a:ext cx="1362585" cy="1362585"/>
         </a:xfrm>
-        <a:prstGeom prst="roundRect">
-          <a:avLst>
-            <a:gd name="adj" fmla="val 10000"/>
-          </a:avLst>
+        <a:prstGeom prst="ellipse">
+          <a:avLst/>
         </a:prstGeom>
         <a:solidFill>
           <a:schemeClr val="accent1">
+            <a:tint val="40000"/>
             <a:hueOff val="0"/>
             <a:satOff val="0"/>
             <a:lumOff val="0"/>
             <a:alphaOff val="0"/>
           </a:schemeClr>
         </a:solidFill>
+        <a:ln>
+          <a:noFill/>
+        </a:ln>
+        <a:effectLst/>
+      </dsp:spPr>
+      <dsp:style>
+        <a:lnRef idx="0">
+          <a:scrgbClr r="0" g="0" b="0"/>
+        </a:lnRef>
+        <a:fillRef idx="1">
+          <a:scrgbClr r="0" g="0" b="0"/>
+        </a:fillRef>
+        <a:effectRef idx="0">
+          <a:scrgbClr r="0" g="0" b="0"/>
+        </a:effectRef>
+        <a:fontRef idx="minor"/>
+      </dsp:style>
+    </dsp:sp>
+    <dsp:sp modelId="{409DF07C-1460-4324-935D-B622A2D5EEDD}">
+      <dsp:nvSpPr>
+        <dsp:cNvPr id="0" name=""/>
+        <dsp:cNvSpPr/>
+      </dsp:nvSpPr>
+      <dsp:spPr>
+        <a:xfrm>
+          <a:off x="5976159" y="473084"/>
+          <a:ext cx="790299" cy="790299"/>
+        </a:xfrm>
+        <a:prstGeom prst="rect">
+          <a:avLst/>
+        </a:prstGeom>
+        <a:blipFill>
+          <a:blip xmlns:r="http://schemas.openxmlformats.org/officeDocument/2006/relationships" r:embed="rId3">
+            <a:extLst>
+              <a:ext uri="{28A0092B-C50C-407E-A947-70E740481C1C}">
+                <a14:useLocalDpi xmlns:a14="http://schemas.microsoft.com/office/drawing/2010/main" val="0"/>
+              </a:ext>
+              <a:ext uri="{96DAC541-7B7A-43D3-8B79-37D633B846F1}">
+                <asvg:svgBlip xmlns:asvg="http://schemas.microsoft.com/office/drawing/2016/SVG/main" r:embed="rId4"/>
+              </a:ext>
+            </a:extLst>
+          </a:blip>
+          <a:stretch>
+            <a:fillRect/>
+          </a:stretch>
+        </a:blipFill>
         <a:ln w="19050" cap="flat" cmpd="sng" algn="ctr">
           <a:solidFill>
             <a:schemeClr val="lt1">
@@ -6638,49 +6855,30 @@
         </a:fontRef>
       </dsp:style>
     </dsp:sp>
-    <dsp:sp modelId="{B054C0D5-9883-9145-87A4-8CF26090D53C}">
+    <dsp:sp modelId="{DAD24BD2-28E6-4C2F-BAA5-2B1F5936BB5E}">
       <dsp:nvSpPr>
         <dsp:cNvPr id="0" name=""/>
         <dsp:cNvSpPr/>
       </dsp:nvSpPr>
       <dsp:spPr>
         <a:xfrm>
-          <a:off x="3021047" y="1267725"/>
-          <a:ext cx="2263407" cy="1437264"/>
+          <a:off x="7344584" y="186941"/>
+          <a:ext cx="3211807" cy="1362585"/>
         </a:xfrm>
-        <a:prstGeom prst="roundRect">
-          <a:avLst>
-            <a:gd name="adj" fmla="val 10000"/>
-          </a:avLst>
+        <a:prstGeom prst="rect">
+          <a:avLst/>
         </a:prstGeom>
-        <a:solidFill>
-          <a:schemeClr val="lt1">
-            <a:alpha val="90000"/>
-            <a:hueOff val="0"/>
-            <a:satOff val="0"/>
-            <a:lumOff val="0"/>
-            <a:alphaOff val="0"/>
-          </a:schemeClr>
-        </a:solidFill>
-        <a:ln w="19050" cap="flat" cmpd="sng" algn="ctr">
-          <a:solidFill>
-            <a:schemeClr val="accent1">
-              <a:hueOff val="0"/>
-              <a:satOff val="0"/>
-              <a:lumOff val="0"/>
-              <a:alphaOff val="0"/>
-            </a:schemeClr>
-          </a:solidFill>
-          <a:prstDash val="solid"/>
-          <a:miter lim="800000"/>
+        <a:noFill/>
+        <a:ln>
+          <a:noFill/>
         </a:ln>
         <a:effectLst/>
       </dsp:spPr>
       <dsp:style>
-        <a:lnRef idx="2">
+        <a:lnRef idx="0">
           <a:scrgbClr r="0" g="0" b="0"/>
         </a:lnRef>
-        <a:fillRef idx="1">
+        <a:fillRef idx="0">
           <a:scrgbClr r="0" g="0" b="0"/>
         </a:fillRef>
         <a:effectRef idx="0">
@@ -6689,14 +6887,14 @@
         <a:fontRef idx="minor"/>
       </dsp:style>
       <dsp:txBody>
-        <a:bodyPr spcFirstLastPara="0" vert="horz" wrap="square" lIns="91440" tIns="91440" rIns="91440" bIns="91440" numCol="1" spcCol="1270" anchor="ctr" anchorCtr="0">
+        <a:bodyPr spcFirstLastPara="0" vert="horz" wrap="square" lIns="0" tIns="0" rIns="0" bIns="0" numCol="1" spcCol="1270" anchor="ctr" anchorCtr="0">
           <a:noAutofit/>
         </a:bodyPr>
         <a:lstStyle/>
         <a:p>
-          <a:pPr marL="0" lvl="0" indent="0" algn="ctr" defTabSz="1066800">
+          <a:pPr marL="0" lvl="0" indent="0" algn="l" defTabSz="1066800">
             <a:lnSpc>
-              <a:spcPct val="90000"/>
+              <a:spcPct val="100000"/>
             </a:lnSpc>
             <a:spcBef>
               <a:spcPct val="0"/>
@@ -6713,33 +6911,78 @@
         </a:p>
       </dsp:txBody>
       <dsp:txXfrm>
-        <a:off x="3063143" y="1309821"/>
-        <a:ext cx="2179215" cy="1353072"/>
+        <a:off x="7344584" y="186941"/>
+        <a:ext cx="3211807" cy="1362585"/>
       </dsp:txXfrm>
     </dsp:sp>
-    <dsp:sp modelId="{FFB34F09-63E2-4345-830C-A11CC9C229AD}">
+    <dsp:sp modelId="{F4B2D854-3A04-4036-B331-6962B20726A3}">
       <dsp:nvSpPr>
         <dsp:cNvPr id="0" name=""/>
         <dsp:cNvSpPr/>
       </dsp:nvSpPr>
       <dsp:spPr>
         <a:xfrm>
-          <a:off x="5535944" y="1028809"/>
-          <a:ext cx="2263407" cy="1437264"/>
+          <a:off x="264008" y="2184272"/>
+          <a:ext cx="1362585" cy="1362585"/>
         </a:xfrm>
-        <a:prstGeom prst="roundRect">
-          <a:avLst>
-            <a:gd name="adj" fmla="val 10000"/>
-          </a:avLst>
+        <a:prstGeom prst="ellipse">
+          <a:avLst/>
         </a:prstGeom>
         <a:solidFill>
           <a:schemeClr val="accent1">
+            <a:tint val="40000"/>
             <a:hueOff val="0"/>
             <a:satOff val="0"/>
             <a:lumOff val="0"/>
             <a:alphaOff val="0"/>
           </a:schemeClr>
         </a:solidFill>
+        <a:ln>
+          <a:noFill/>
+        </a:ln>
+        <a:effectLst/>
+      </dsp:spPr>
+      <dsp:style>
+        <a:lnRef idx="0">
+          <a:scrgbClr r="0" g="0" b="0"/>
+        </a:lnRef>
+        <a:fillRef idx="1">
+          <a:scrgbClr r="0" g="0" b="0"/>
+        </a:fillRef>
+        <a:effectRef idx="0">
+          <a:scrgbClr r="0" g="0" b="0"/>
+        </a:effectRef>
+        <a:fontRef idx="minor"/>
+      </dsp:style>
+    </dsp:sp>
+    <dsp:sp modelId="{3F99E594-D9DB-44E2-BCBC-DD8E58F0D475}">
+      <dsp:nvSpPr>
+        <dsp:cNvPr id="0" name=""/>
+        <dsp:cNvSpPr/>
+      </dsp:nvSpPr>
+      <dsp:spPr>
+        <a:xfrm>
+          <a:off x="550151" y="2470415"/>
+          <a:ext cx="790299" cy="790299"/>
+        </a:xfrm>
+        <a:prstGeom prst="rect">
+          <a:avLst/>
+        </a:prstGeom>
+        <a:blipFill>
+          <a:blip xmlns:r="http://schemas.openxmlformats.org/officeDocument/2006/relationships" r:embed="rId5">
+            <a:extLst>
+              <a:ext uri="{28A0092B-C50C-407E-A947-70E740481C1C}">
+                <a14:useLocalDpi xmlns:a14="http://schemas.microsoft.com/office/drawing/2010/main" val="0"/>
+              </a:ext>
+              <a:ext uri="{96DAC541-7B7A-43D3-8B79-37D633B846F1}">
+                <asvg:svgBlip xmlns:asvg="http://schemas.microsoft.com/office/drawing/2016/SVG/main" r:embed="rId6"/>
+              </a:ext>
+            </a:extLst>
+          </a:blip>
+          <a:stretch>
+            <a:fillRect/>
+          </a:stretch>
+        </a:blipFill>
         <a:ln w="19050" cap="flat" cmpd="sng" algn="ctr">
           <a:solidFill>
             <a:schemeClr val="lt1">
@@ -6769,49 +7012,30 @@
         </a:fontRef>
       </dsp:style>
     </dsp:sp>
-    <dsp:sp modelId="{1FBDC67A-BC38-AD41-B27F-73097C47E19E}">
+    <dsp:sp modelId="{9A0AA647-2C23-4BC5-8E80-EEE81D409215}">
       <dsp:nvSpPr>
         <dsp:cNvPr id="0" name=""/>
         <dsp:cNvSpPr/>
       </dsp:nvSpPr>
       <dsp:spPr>
         <a:xfrm>
-          <a:off x="5787434" y="1267725"/>
-          <a:ext cx="2263407" cy="1437264"/>
+          <a:off x="1918575" y="2184272"/>
+          <a:ext cx="3211807" cy="1362585"/>
         </a:xfrm>
-        <a:prstGeom prst="roundRect">
-          <a:avLst>
-            <a:gd name="adj" fmla="val 10000"/>
-          </a:avLst>
+        <a:prstGeom prst="rect">
+          <a:avLst/>
         </a:prstGeom>
-        <a:solidFill>
-          <a:schemeClr val="lt1">
-            <a:alpha val="90000"/>
-            <a:hueOff val="0"/>
-            <a:satOff val="0"/>
-            <a:lumOff val="0"/>
-            <a:alphaOff val="0"/>
-          </a:schemeClr>
-        </a:solidFill>
-        <a:ln w="19050" cap="flat" cmpd="sng" algn="ctr">
-          <a:solidFill>
-            <a:schemeClr val="accent1">
-              <a:hueOff val="0"/>
-              <a:satOff val="0"/>
-              <a:lumOff val="0"/>
-              <a:alphaOff val="0"/>
-            </a:schemeClr>
-          </a:solidFill>
-          <a:prstDash val="solid"/>
-          <a:miter lim="800000"/>
+        <a:noFill/>
+        <a:ln>
+          <a:noFill/>
         </a:ln>
         <a:effectLst/>
       </dsp:spPr>
       <dsp:style>
-        <a:lnRef idx="2">
+        <a:lnRef idx="0">
           <a:scrgbClr r="0" g="0" b="0"/>
         </a:lnRef>
-        <a:fillRef idx="1">
+        <a:fillRef idx="0">
           <a:scrgbClr r="0" g="0" b="0"/>
         </a:fillRef>
         <a:effectRef idx="0">
@@ -6820,14 +7044,14 @@
         <a:fontRef idx="minor"/>
       </dsp:style>
       <dsp:txBody>
-        <a:bodyPr spcFirstLastPara="0" vert="horz" wrap="square" lIns="91440" tIns="91440" rIns="91440" bIns="91440" numCol="1" spcCol="1270" anchor="ctr" anchorCtr="0">
+        <a:bodyPr spcFirstLastPara="0" vert="horz" wrap="square" lIns="0" tIns="0" rIns="0" bIns="0" numCol="1" spcCol="1270" anchor="ctr" anchorCtr="0">
           <a:noAutofit/>
         </a:bodyPr>
         <a:lstStyle/>
         <a:p>
-          <a:pPr marL="0" lvl="0" indent="0" algn="ctr" defTabSz="1066800">
+          <a:pPr marL="0" lvl="0" indent="0" algn="l" defTabSz="1066800">
             <a:lnSpc>
-              <a:spcPct val="90000"/>
+              <a:spcPct val="100000"/>
             </a:lnSpc>
             <a:spcBef>
               <a:spcPct val="0"/>
@@ -6844,33 +7068,78 @@
         </a:p>
       </dsp:txBody>
       <dsp:txXfrm>
-        <a:off x="5829530" y="1309821"/>
-        <a:ext cx="2179215" cy="1353072"/>
+        <a:off x="1918575" y="2184272"/>
+        <a:ext cx="3211807" cy="1362585"/>
       </dsp:txXfrm>
     </dsp:sp>
-    <dsp:sp modelId="{A94ACEAD-619A-D348-BECE-3681BC466D83}">
+    <dsp:sp modelId="{C71FC7A2-C3AF-41BB-818B-1D17526316AD}">
       <dsp:nvSpPr>
         <dsp:cNvPr id="0" name=""/>
         <dsp:cNvSpPr/>
       </dsp:nvSpPr>
       <dsp:spPr>
         <a:xfrm>
-          <a:off x="8302332" y="1028809"/>
-          <a:ext cx="2263407" cy="1437264"/>
+          <a:off x="5690016" y="2184272"/>
+          <a:ext cx="1362585" cy="1362585"/>
         </a:xfrm>
-        <a:prstGeom prst="roundRect">
-          <a:avLst>
-            <a:gd name="adj" fmla="val 10000"/>
-          </a:avLst>
+        <a:prstGeom prst="ellipse">
+          <a:avLst/>
         </a:prstGeom>
         <a:solidFill>
           <a:schemeClr val="accent1">
+            <a:tint val="40000"/>
             <a:hueOff val="0"/>
             <a:satOff val="0"/>
             <a:lumOff val="0"/>
             <a:alphaOff val="0"/>
           </a:schemeClr>
         </a:solidFill>
+        <a:ln>
+          <a:noFill/>
+        </a:ln>
+        <a:effectLst/>
+      </dsp:spPr>
+      <dsp:style>
+        <a:lnRef idx="0">
+          <a:scrgbClr r="0" g="0" b="0"/>
+        </a:lnRef>
+        <a:fillRef idx="1">
+          <a:scrgbClr r="0" g="0" b="0"/>
+        </a:fillRef>
+        <a:effectRef idx="0">
+          <a:scrgbClr r="0" g="0" b="0"/>
+        </a:effectRef>
+        <a:fontRef idx="minor"/>
+      </dsp:style>
+    </dsp:sp>
+    <dsp:sp modelId="{DE1FC09D-A4C5-4137-9B10-197D5E13C763}">
+      <dsp:nvSpPr>
+        <dsp:cNvPr id="0" name=""/>
+        <dsp:cNvSpPr/>
+      </dsp:nvSpPr>
+      <dsp:spPr>
+        <a:xfrm>
+          <a:off x="5976159" y="2470415"/>
+          <a:ext cx="790299" cy="790299"/>
+        </a:xfrm>
+        <a:prstGeom prst="rect">
+          <a:avLst/>
+        </a:prstGeom>
+        <a:blipFill>
+          <a:blip xmlns:r="http://schemas.openxmlformats.org/officeDocument/2006/relationships" r:embed="rId7">
+            <a:extLst>
+              <a:ext uri="{28A0092B-C50C-407E-A947-70E740481C1C}">
+                <a14:useLocalDpi xmlns:a14="http://schemas.microsoft.com/office/drawing/2010/main" val="0"/>
+              </a:ext>
+              <a:ext uri="{96DAC541-7B7A-43D3-8B79-37D633B846F1}">
+                <asvg:svgBlip xmlns:asvg="http://schemas.microsoft.com/office/drawing/2016/SVG/main" r:embed="rId8"/>
+              </a:ext>
+            </a:extLst>
+          </a:blip>
+          <a:stretch>
+            <a:fillRect/>
+          </a:stretch>
+        </a:blipFill>
         <a:ln w="19050" cap="flat" cmpd="sng" algn="ctr">
           <a:solidFill>
             <a:schemeClr val="lt1">
@@ -6900,49 +7169,30 @@
         </a:fontRef>
       </dsp:style>
     </dsp:sp>
-    <dsp:sp modelId="{C4B74E00-7CC6-0443-A7BB-AE64E38E6C4D}">
+    <dsp:sp modelId="{134B9F62-A766-450D-9E0B-6C0DD6475187}">
       <dsp:nvSpPr>
         <dsp:cNvPr id="0" name=""/>
         <dsp:cNvSpPr/>
       </dsp:nvSpPr>
       <dsp:spPr>
         <a:xfrm>
-          <a:off x="8553822" y="1267725"/>
-          <a:ext cx="2263407" cy="1437264"/>
+          <a:off x="7344584" y="2184272"/>
+          <a:ext cx="3211807" cy="1362585"/>
         </a:xfrm>
-        <a:prstGeom prst="roundRect">
-          <a:avLst>
-            <a:gd name="adj" fmla="val 10000"/>
-          </a:avLst>
+        <a:prstGeom prst="rect">
+          <a:avLst/>
         </a:prstGeom>
-        <a:solidFill>
-          <a:schemeClr val="lt1">
-            <a:alpha val="90000"/>
-            <a:hueOff val="0"/>
-            <a:satOff val="0"/>
-            <a:lumOff val="0"/>
-            <a:alphaOff val="0"/>
-          </a:schemeClr>
-        </a:solidFill>
-        <a:ln w="19050" cap="flat" cmpd="sng" algn="ctr">
-          <a:solidFill>
-            <a:schemeClr val="accent1">
-              <a:hueOff val="0"/>
-              <a:satOff val="0"/>
-              <a:lumOff val="0"/>
-              <a:alphaOff val="0"/>
-            </a:schemeClr>
-          </a:solidFill>
-          <a:prstDash val="solid"/>
-          <a:miter lim="800000"/>
+        <a:noFill/>
+        <a:ln>
+          <a:noFill/>
         </a:ln>
         <a:effectLst/>
       </dsp:spPr>
       <dsp:style>
-        <a:lnRef idx="2">
+        <a:lnRef idx="0">
           <a:scrgbClr r="0" g="0" b="0"/>
         </a:lnRef>
-        <a:fillRef idx="1">
+        <a:fillRef idx="0">
           <a:scrgbClr r="0" g="0" b="0"/>
         </a:fillRef>
         <a:effectRef idx="0">
@@ -6951,14 +7201,14 @@
         <a:fontRef idx="minor"/>
       </dsp:style>
       <dsp:txBody>
-        <a:bodyPr spcFirstLastPara="0" vert="horz" wrap="square" lIns="91440" tIns="91440" rIns="91440" bIns="91440" numCol="1" spcCol="1270" anchor="ctr" anchorCtr="0">
+        <a:bodyPr spcFirstLastPara="0" vert="horz" wrap="square" lIns="0" tIns="0" rIns="0" bIns="0" numCol="1" spcCol="1270" anchor="ctr" anchorCtr="0">
           <a:noAutofit/>
         </a:bodyPr>
         <a:lstStyle/>
         <a:p>
-          <a:pPr marL="0" lvl="0" indent="0" algn="ctr" defTabSz="1066800">
+          <a:pPr marL="0" lvl="0" indent="0" algn="l" defTabSz="1066800">
             <a:lnSpc>
-              <a:spcPct val="90000"/>
+              <a:spcPct val="100000"/>
             </a:lnSpc>
             <a:spcBef>
               <a:spcPct val="0"/>
@@ -6975,8 +7225,8 @@
         </a:p>
       </dsp:txBody>
       <dsp:txXfrm>
-        <a:off x="8595918" y="1309821"/>
-        <a:ext cx="2179215" cy="1353072"/>
+        <a:off x="7344584" y="2184272"/>
+        <a:ext cx="3211807" cy="1362585"/>
       </dsp:txXfrm>
     </dsp:sp>
   </dsp:spTree>
@@ -7169,12 +7419,8 @@
             <a:buNone/>
           </a:pPr>
           <a:r>
-            <a:rPr lang="en-US" sz="1700" kern="1200"/>
-            <a:t>51 funded </a:t>
-          </a:r>
-          <a:r>
             <a:rPr lang="en-US" sz="1700" kern="1200" dirty="0"/>
-            <a:t>by NIH (15 F31, 5 F32,2 K01, 8 K08, 12 K23, and 5 K99)</a:t>
+            <a:t>51 funded by NIH (15 F31, 5 F32,2 K01, 8 K08, 12 K23, and 5 K99)</a:t>
           </a:r>
         </a:p>
       </dsp:txBody>
@@ -8041,565 +8287,214 @@
 </file>
 
 <file path=ppt/diagrams/layout3.xml><?xml version="1.0" encoding="utf-8"?>
-<dgm:layoutDef xmlns:dgm="http://schemas.openxmlformats.org/drawingml/2006/diagram" xmlns:a="http://schemas.openxmlformats.org/drawingml/2006/main" uniqueId="urn:microsoft.com/office/officeart/2005/8/layout/hierarchy1">
-  <dgm:title val=""/>
-  <dgm:desc val=""/>
+<dgm:layoutDef xmlns:dgm="http://schemas.openxmlformats.org/drawingml/2006/diagram" xmlns:a="http://schemas.openxmlformats.org/drawingml/2006/main" uniqueId="urn:microsoft.com/office/officeart/2018/2/layout/IconCircleList">
+  <dgm:title val="Icon Circle List"/>
+  <dgm:desc val="Use to show non-sequential or grouped chunks of information accompanied by related visuals. Circular shapes can hold an icon or small picture and corresponding text box shows Level 1 text. Works best for icons or small pictures with medium-length descriptions."/>
   <dgm:catLst>
-    <dgm:cat type="hierarchy" pri="2000"/>
+    <dgm:cat type="icon" pri="500"/>
   </dgm:catLst>
-  <dgm:sampData>
+  <dgm:sampData useDef="1">
     <dgm:dataModel>
-      <dgm:ptLst>
-        <dgm:pt modelId="0" type="doc"/>
-        <dgm:pt modelId="1">
-          <dgm:prSet phldr="1"/>
-        </dgm:pt>
-        <dgm:pt modelId="2">
-          <dgm:prSet phldr="1"/>
-        </dgm:pt>
-        <dgm:pt modelId="21">
-          <dgm:prSet phldr="1"/>
-        </dgm:pt>
-        <dgm:pt modelId="22">
-          <dgm:prSet phldr="1"/>
-        </dgm:pt>
-        <dgm:pt modelId="3">
-          <dgm:prSet phldr="1"/>
-        </dgm:pt>
-        <dgm:pt modelId="31">
-          <dgm:prSet phldr="1"/>
-        </dgm:pt>
-      </dgm:ptLst>
-      <dgm:cxnLst>
-        <dgm:cxn modelId="4" srcId="0" destId="1" srcOrd="0" destOrd="0"/>
-        <dgm:cxn modelId="5" srcId="1" destId="2" srcOrd="0" destOrd="0"/>
-        <dgm:cxn modelId="6" srcId="1" destId="3" srcOrd="1" destOrd="0"/>
-        <dgm:cxn modelId="23" srcId="2" destId="21" srcOrd="0" destOrd="0"/>
-        <dgm:cxn modelId="24" srcId="2" destId="22" srcOrd="1" destOrd="0"/>
-        <dgm:cxn modelId="33" srcId="3" destId="31" srcOrd="0" destOrd="0"/>
-      </dgm:cxnLst>
+      <dgm:ptLst/>
       <dgm:bg/>
       <dgm:whole/>
     </dgm:dataModel>
   </dgm:sampData>
-  <dgm:styleData>
+  <dgm:styleData useDef="1">
     <dgm:dataModel>
-      <dgm:ptLst>
-        <dgm:pt modelId="0" type="doc"/>
-        <dgm:pt modelId="1"/>
-        <dgm:pt modelId="11"/>
-        <dgm:pt modelId="12"/>
-      </dgm:ptLst>
-      <dgm:cxnLst>
-        <dgm:cxn modelId="2" srcId="0" destId="1" srcOrd="0" destOrd="0"/>
-        <dgm:cxn modelId="13" srcId="1" destId="11" srcOrd="0" destOrd="0"/>
-        <dgm:cxn modelId="14" srcId="1" destId="12" srcOrd="1" destOrd="0"/>
-      </dgm:cxnLst>
+      <dgm:ptLst/>
       <dgm:bg/>
       <dgm:whole/>
     </dgm:dataModel>
   </dgm:styleData>
-  <dgm:clrData>
+  <dgm:clrData useDef="1">
     <dgm:dataModel>
-      <dgm:ptLst>
-        <dgm:pt modelId="0" type="doc"/>
-        <dgm:pt modelId="1"/>
-        <dgm:pt modelId="2"/>
-        <dgm:pt modelId="21"/>
-        <dgm:pt modelId="211"/>
-        <dgm:pt modelId="3"/>
-        <dgm:pt modelId="31"/>
-        <dgm:pt modelId="311"/>
-      </dgm:ptLst>
-      <dgm:cxnLst>
-        <dgm:cxn modelId="4" srcId="0" destId="1" srcOrd="0" destOrd="0"/>
-        <dgm:cxn modelId="5" srcId="1" destId="2" srcOrd="0" destOrd="0"/>
-        <dgm:cxn modelId="6" srcId="1" destId="3" srcOrd="1" destOrd="0"/>
-        <dgm:cxn modelId="23" srcId="2" destId="21" srcOrd="0" destOrd="0"/>
-        <dgm:cxn modelId="24" srcId="21" destId="211" srcOrd="0" destOrd="0"/>
-        <dgm:cxn modelId="33" srcId="3" destId="31" srcOrd="0" destOrd="0"/>
-        <dgm:cxn modelId="34" srcId="31" destId="311" srcOrd="0" destOrd="0"/>
-      </dgm:cxnLst>
+      <dgm:ptLst/>
       <dgm:bg/>
       <dgm:whole/>
     </dgm:dataModel>
   </dgm:clrData>
-  <dgm:layoutNode name="hierChild1">
+  <dgm:layoutNode name="root">
     <dgm:varLst>
-      <dgm:chPref val="1"/>
       <dgm:dir/>
-      <dgm:animOne val="branch"/>
-      <dgm:animLvl val="lvl"/>
-      <dgm:resizeHandles/>
+      <dgm:resizeHandles val="exact"/>
     </dgm:varLst>
-    <dgm:choose name="Name0">
-      <dgm:if name="Name1" func="var" arg="dir" op="equ" val="norm">
-        <dgm:alg type="hierChild">
-          <dgm:param type="linDir" val="fromL"/>
-        </dgm:alg>
-      </dgm:if>
-      <dgm:else name="Name2">
-        <dgm:alg type="hierChild">
-          <dgm:param type="linDir" val="fromR"/>
-        </dgm:alg>
-      </dgm:else>
-    </dgm:choose>
+    <dgm:alg type="sp"/>
     <dgm:shape xmlns:r="http://schemas.openxmlformats.org/officeDocument/2006/relationships" r:blip="">
       <dgm:adjLst/>
     </dgm:shape>
     <dgm:presOf/>
-    <dgm:constrLst>
-      <dgm:constr type="primFontSz" for="des" ptType="node" op="equ" val="65"/>
-      <dgm:constr type="w" for="des" forName="composite" refType="w"/>
-      <dgm:constr type="h" for="des" forName="composite" refType="w" refFor="des" refForName="composite" fact="0.667"/>
-      <dgm:constr type="w" for="des" forName="composite2" refType="w" refFor="des" refForName="composite"/>
-      <dgm:constr type="h" for="des" forName="composite2" refType="h" refFor="des" refForName="composite"/>
-      <dgm:constr type="w" for="des" forName="composite3" refType="w" refFor="des" refForName="composite"/>
-      <dgm:constr type="h" for="des" forName="composite3" refType="h" refFor="des" refForName="composite"/>
-      <dgm:constr type="w" for="des" forName="composite4" refType="w" refFor="des" refForName="composite"/>
-      <dgm:constr type="h" for="des" forName="composite4" refType="h" refFor="des" refForName="composite"/>
-      <dgm:constr type="w" for="des" forName="composite5" refType="w" refFor="des" refForName="composite"/>
-      <dgm:constr type="h" for="des" forName="composite5" refType="h" refFor="des" refForName="composite"/>
-      <dgm:constr type="sibSp" refType="w" refFor="des" refForName="composite" fact="0.1"/>
-      <dgm:constr type="sibSp" for="des" forName="hierChild2" refType="sibSp"/>
-      <dgm:constr type="sibSp" for="des" forName="hierChild3" refType="sibSp"/>
-      <dgm:constr type="sibSp" for="des" forName="hierChild4" refType="sibSp"/>
-      <dgm:constr type="sibSp" for="des" forName="hierChild5" refType="sibSp"/>
-      <dgm:constr type="sibSp" for="des" forName="hierChild6" refType="sibSp"/>
-      <dgm:constr type="sp" for="des" forName="hierRoot1" refType="h" refFor="des" refForName="composite" fact="0.25"/>
-      <dgm:constr type="sp" for="des" forName="hierRoot2" refType="sp" refFor="des" refForName="hierRoot1"/>
-      <dgm:constr type="sp" for="des" forName="hierRoot3" refType="sp" refFor="des" refForName="hierRoot1"/>
-      <dgm:constr type="sp" for="des" forName="hierRoot4" refType="sp" refFor="des" refForName="hierRoot1"/>
-      <dgm:constr type="sp" for="des" forName="hierRoot5" refType="sp" refFor="des" refForName="hierRoot1"/>
-    </dgm:constrLst>
-    <dgm:ruleLst/>
-    <dgm:forEach name="Name3" axis="ch">
-      <dgm:forEach name="Name4" axis="self" ptType="node">
-        <dgm:layoutNode name="hierRoot1">
-          <dgm:alg type="hierRoot"/>
+    <dgm:choose name="Name0">
+      <dgm:if name="Name1" axis="ch" ptType="node" func="cnt" op="lte" val="3">
+        <dgm:constrLst>
+          <dgm:constr type="w" for="ch" forName="container" refType="w"/>
+          <dgm:constr type="h" for="ch" forName="container" refType="h" fact="0.4"/>
+        </dgm:constrLst>
+      </dgm:if>
+      <dgm:else name="Name2">
+        <dgm:constrLst>
+          <dgm:constr type="w" for="ch" forName="container" refType="w"/>
+          <dgm:constr type="h" for="ch" forName="container" refType="h"/>
+        </dgm:constrLst>
+      </dgm:else>
+    </dgm:choose>
+    <dgm:ruleLst>
+      <dgm:rule type="h" for="ch" forName="container" val="INF" fact="NaN" max="NaN"/>
+    </dgm:ruleLst>
+    <dgm:layoutNode name="container">
+      <dgm:varLst>
+        <dgm:dir/>
+        <dgm:resizeHandles val="exact"/>
+      </dgm:varLst>
+      <dgm:choose name="Name3">
+        <dgm:if name="Name4" axis="self" func="var" arg="dir" op="equ" val="norm">
+          <dgm:alg type="snake">
+            <dgm:param type="grDir" val="tL"/>
+            <dgm:param type="flowDir" val="row"/>
+            <dgm:param type="contDir" val="sameDir"/>
+          </dgm:alg>
+        </dgm:if>
+        <dgm:else name="Name5">
+          <dgm:alg type="snake">
+            <dgm:param type="grDir" val="tR"/>
+            <dgm:param type="flowDir" val="row"/>
+            <dgm:param type="contDir" val="sameDir"/>
+          </dgm:alg>
+        </dgm:else>
+      </dgm:choose>
+      <dgm:shape xmlns:r="http://schemas.openxmlformats.org/officeDocument/2006/relationships" r:blip="">
+        <dgm:adjLst/>
+      </dgm:shape>
+      <dgm:presOf/>
+      <dgm:constrLst>
+        <dgm:constr type="w" for="ch" forName="compNode" refType="w"/>
+        <dgm:constr type="h" for="ch" forName="compNode" refType="w" fact="0.28"/>
+        <dgm:constr type="w" for="ch" forName="sibTrans" refType="w" refFor="ch" refForName="compNode" fact="0.115"/>
+        <dgm:constr type="sp" refType="h" op="equ" fact="0.17"/>
+        <dgm:constr type="primFontSz" for="des" ptType="node" op="equ" val="24"/>
+        <dgm:constr type="h" for="des" forName="compNode" op="equ"/>
+        <dgm:constr type="h" for="des" forName="iconBgRect" op="equ"/>
+      </dgm:constrLst>
+      <dgm:ruleLst>
+        <dgm:rule type="w" for="ch" forName="compNode" val="60" fact="NaN" max="NaN"/>
+      </dgm:ruleLst>
+      <dgm:forEach name="Name6" axis="ch" ptType="node">
+        <dgm:layoutNode name="compNode">
+          <dgm:alg type="composite"/>
           <dgm:shape xmlns:r="http://schemas.openxmlformats.org/officeDocument/2006/relationships" r:blip="">
             <dgm:adjLst/>
           </dgm:shape>
-          <dgm:presOf/>
+          <dgm:presOf axis="self"/>
           <dgm:constrLst>
-            <dgm:constr type="bendDist" for="des" ptType="parTrans" refType="sp" fact="0.5"/>
+            <dgm:constr type="w" for="ch" forName="iconBgRect" refType="w" fact="0.28"/>
+            <dgm:constr type="h" for="ch" forName="iconBgRect" refType="w" refFor="ch" refForName="iconBgRect"/>
+            <dgm:constr type="t" for="ch" forName="iconBgRect"/>
+            <dgm:constr type="l" for="ch" forName="iconBgRect"/>
+            <dgm:constr type="w" for="ch" forName="iconRect" refType="w" refFor="ch" refForName="iconBgRect" fact="0.58"/>
+            <dgm:constr type="h" for="ch" forName="iconRect" refType="w" refFor="ch" refForName="iconRect"/>
+            <dgm:constr type="ctrX" for="ch" forName="iconRect" refType="ctrX" refFor="ch" refForName="iconBgRect"/>
+            <dgm:constr type="ctrY" for="ch" forName="iconRect" refType="ctrY" refFor="ch" refForName="iconBgRect"/>
+            <dgm:constr type="w" for="ch" forName="spaceRect" refType="w" fact="0.06"/>
+            <dgm:constr type="h" for="ch" forName="spaceRect" refType="h" refFor="ch" refForName="iconBgRect"/>
+            <dgm:constr type="t" for="ch" forName="spaceRect" refType="t" refFor="ch" refForName="iconBgRect"/>
+            <dgm:constr type="l" for="ch" forName="spaceRect" refType="r" refFor="ch" refForName="iconBgRect"/>
+            <dgm:constr type="h" for="ch" forName="textRect" refType="h" refFor="ch" refForName="iconBgRect"/>
+            <dgm:constr type="t" for="ch" forName="textRect" refType="t" refFor="ch" refForName="iconBgRect"/>
+            <dgm:constr type="l" for="ch" forName="textRect" refType="r" refFor="ch" refForName="spaceRect"/>
           </dgm:constrLst>
           <dgm:ruleLst/>
-          <dgm:layoutNode name="composite">
-            <dgm:alg type="composite"/>
-            <dgm:shape xmlns:r="http://schemas.openxmlformats.org/officeDocument/2006/relationships" r:blip="">
+          <dgm:layoutNode name="iconBgRect" styleLbl="bgShp">
+            <dgm:alg type="sp"/>
+            <dgm:shape xmlns:r="http://schemas.openxmlformats.org/officeDocument/2006/relationships" type="ellipse" r:blip="">
               <dgm:adjLst/>
             </dgm:shape>
             <dgm:presOf/>
-            <dgm:constrLst>
-              <dgm:constr type="w" for="ch" forName="background" refType="w" fact="0.9"/>
-              <dgm:constr type="h" for="ch" forName="background" refType="w" refFor="ch" refForName="background" fact="0.635"/>
-              <dgm:constr type="t" for="ch" forName="background"/>
-              <dgm:constr type="l" for="ch" forName="background"/>
-              <dgm:constr type="w" for="ch" forName="text" refType="w" fact="0.9"/>
-              <dgm:constr type="h" for="ch" forName="text" refType="w" refFor="ch" refForName="text" fact="0.635"/>
-              <dgm:constr type="t" for="ch" forName="text" refType="w" fact="0.095"/>
-              <dgm:constr type="l" for="ch" forName="text" refType="w" fact="0.1"/>
-            </dgm:constrLst>
+            <dgm:constrLst/>
             <dgm:ruleLst/>
-            <dgm:layoutNode name="background" styleLbl="node0" moveWith="text">
-              <dgm:alg type="sp"/>
-              <dgm:shape xmlns:r="http://schemas.openxmlformats.org/officeDocument/2006/relationships" type="roundRect" r:blip="">
-                <dgm:adjLst>
-                  <dgm:adj idx="1" val="0.1"/>
-                </dgm:adjLst>
-              </dgm:shape>
-              <dgm:presOf/>
-              <dgm:constrLst/>
-              <dgm:ruleLst/>
-            </dgm:layoutNode>
-            <dgm:layoutNode name="text" styleLbl="fgAcc0">
-              <dgm:varLst>
-                <dgm:chPref val="3"/>
-              </dgm:varLst>
-              <dgm:alg type="tx"/>
-              <dgm:shape xmlns:r="http://schemas.openxmlformats.org/officeDocument/2006/relationships" type="roundRect" r:blip="">
-                <dgm:adjLst>
-                  <dgm:adj idx="1" val="0.1"/>
-                </dgm:adjLst>
-              </dgm:shape>
-              <dgm:presOf axis="self"/>
-              <dgm:constrLst>
-                <dgm:constr type="tMarg" refType="primFontSz" fact="0.3"/>
-                <dgm:constr type="bMarg" refType="primFontSz" fact="0.3"/>
-                <dgm:constr type="lMarg" refType="primFontSz" fact="0.3"/>
-                <dgm:constr type="rMarg" refType="primFontSz" fact="0.3"/>
-              </dgm:constrLst>
-              <dgm:ruleLst>
-                <dgm:rule type="primFontSz" val="5" fact="NaN" max="NaN"/>
-              </dgm:ruleLst>
-            </dgm:layoutNode>
           </dgm:layoutNode>
-          <dgm:layoutNode name="hierChild2">
-            <dgm:choose name="Name5">
-              <dgm:if name="Name6" func="var" arg="dir" op="equ" val="norm">
-                <dgm:alg type="hierChild">
-                  <dgm:param type="linDir" val="fromL"/>
-                </dgm:alg>
-              </dgm:if>
-              <dgm:else name="Name7">
-                <dgm:alg type="hierChild">
-                  <dgm:param type="linDir" val="fromR"/>
-                </dgm:alg>
-              </dgm:else>
-            </dgm:choose>
+          <dgm:layoutNode name="iconRect" styleLbl="node1">
+            <dgm:alg type="sp"/>
+            <dgm:shape xmlns:r="http://schemas.openxmlformats.org/officeDocument/2006/relationships" type="rect" r:blip="" blipPhldr="1">
+              <dgm:adjLst/>
+            </dgm:shape>
+            <dgm:presOf/>
+            <dgm:constrLst/>
+            <dgm:ruleLst/>
+          </dgm:layoutNode>
+          <dgm:layoutNode name="spaceRect">
+            <dgm:alg type="sp"/>
             <dgm:shape xmlns:r="http://schemas.openxmlformats.org/officeDocument/2006/relationships" r:blip="">
               <dgm:adjLst/>
             </dgm:shape>
             <dgm:presOf/>
             <dgm:constrLst/>
             <dgm:ruleLst/>
-            <dgm:forEach name="Name8" axis="ch">
-              <dgm:forEach name="Name9" axis="self" ptType="parTrans" cnt="1">
-                <dgm:layoutNode name="Name10">
-                  <dgm:alg type="conn">
-                    <dgm:param type="dim" val="1D"/>
-                    <dgm:param type="endSty" val="noArr"/>
-                    <dgm:param type="connRout" val="bend"/>
-                    <dgm:param type="bendPt" val="end"/>
-                    <dgm:param type="begPts" val="bCtr"/>
-                    <dgm:param type="endPts" val="tCtr"/>
-                    <dgm:param type="srcNode" val="background"/>
-                    <dgm:param type="dstNode" val="background2"/>
-                  </dgm:alg>
-                  <dgm:shape xmlns:r="http://schemas.openxmlformats.org/officeDocument/2006/relationships" type="conn" r:blip="" zOrderOff="-999">
-                    <dgm:adjLst/>
-                  </dgm:shape>
-                  <dgm:presOf axis="self"/>
-                  <dgm:constrLst>
-                    <dgm:constr type="begPad"/>
-                    <dgm:constr type="endPad"/>
-                  </dgm:constrLst>
-                  <dgm:ruleLst/>
-                </dgm:layoutNode>
-              </dgm:forEach>
-              <dgm:forEach name="Name11" axis="self" ptType="node">
-                <dgm:layoutNode name="hierRoot2">
-                  <dgm:alg type="hierRoot"/>
-                  <dgm:shape xmlns:r="http://schemas.openxmlformats.org/officeDocument/2006/relationships" r:blip="">
-                    <dgm:adjLst/>
-                  </dgm:shape>
-                  <dgm:presOf/>
-                  <dgm:constrLst>
-                    <dgm:constr type="bendDist" for="des" ptType="parTrans" refType="sp" fact="0.5"/>
-                  </dgm:constrLst>
-                  <dgm:ruleLst/>
-                  <dgm:layoutNode name="composite2">
-                    <dgm:alg type="composite"/>
-                    <dgm:shape xmlns:r="http://schemas.openxmlformats.org/officeDocument/2006/relationships" r:blip="">
-                      <dgm:adjLst/>
-                    </dgm:shape>
-                    <dgm:presOf/>
-                    <dgm:constrLst>
-                      <dgm:constr type="w" for="ch" forName="background2" refType="w" fact="0.9"/>
-                      <dgm:constr type="h" for="ch" forName="background2" refType="w" refFor="ch" refForName="background2" fact="0.635"/>
-                      <dgm:constr type="t" for="ch" forName="background2"/>
-                      <dgm:constr type="l" for="ch" forName="background2"/>
-                      <dgm:constr type="w" for="ch" forName="text2" refType="w" fact="0.9"/>
-                      <dgm:constr type="h" for="ch" forName="text2" refType="w" refFor="ch" refForName="text2" fact="0.635"/>
-                      <dgm:constr type="t" for="ch" forName="text2" refType="w" fact="0.095"/>
-                      <dgm:constr type="l" for="ch" forName="text2" refType="w" fact="0.1"/>
-                    </dgm:constrLst>
-                    <dgm:ruleLst/>
-                    <dgm:layoutNode name="background2" moveWith="text2">
-                      <dgm:alg type="sp"/>
-                      <dgm:shape xmlns:r="http://schemas.openxmlformats.org/officeDocument/2006/relationships" type="roundRect" r:blip="">
-                        <dgm:adjLst>
-                          <dgm:adj idx="1" val="0.1"/>
-                        </dgm:adjLst>
-                      </dgm:shape>
-                      <dgm:presOf/>
-                      <dgm:constrLst/>
-                      <dgm:ruleLst/>
-                    </dgm:layoutNode>
-                    <dgm:layoutNode name="text2" styleLbl="fgAcc2">
-                      <dgm:varLst>
-                        <dgm:chPref val="3"/>
-                      </dgm:varLst>
-                      <dgm:alg type="tx"/>
-                      <dgm:shape xmlns:r="http://schemas.openxmlformats.org/officeDocument/2006/relationships" type="roundRect" r:blip="">
-                        <dgm:adjLst>
-                          <dgm:adj idx="1" val="0.1"/>
-                        </dgm:adjLst>
-                      </dgm:shape>
-                      <dgm:presOf axis="self"/>
-                      <dgm:constrLst>
-                        <dgm:constr type="tMarg" refType="primFontSz" fact="0.3"/>
-                        <dgm:constr type="bMarg" refType="primFontSz" fact="0.3"/>
-                        <dgm:constr type="lMarg" refType="primFontSz" fact="0.3"/>
-                        <dgm:constr type="rMarg" refType="primFontSz" fact="0.3"/>
-                      </dgm:constrLst>
-                      <dgm:ruleLst>
-                        <dgm:rule type="primFontSz" val="5" fact="NaN" max="NaN"/>
-                      </dgm:ruleLst>
-                    </dgm:layoutNode>
-                  </dgm:layoutNode>
-                  <dgm:layoutNode name="hierChild3">
-                    <dgm:choose name="Name12">
-                      <dgm:if name="Name13" func="var" arg="dir" op="equ" val="norm">
-                        <dgm:alg type="hierChild">
-                          <dgm:param type="linDir" val="fromL"/>
-                        </dgm:alg>
-                      </dgm:if>
-                      <dgm:else name="Name14">
-                        <dgm:alg type="hierChild">
-                          <dgm:param type="linDir" val="fromR"/>
-                        </dgm:alg>
-                      </dgm:else>
-                    </dgm:choose>
-                    <dgm:shape xmlns:r="http://schemas.openxmlformats.org/officeDocument/2006/relationships" r:blip="">
-                      <dgm:adjLst/>
-                    </dgm:shape>
-                    <dgm:presOf/>
-                    <dgm:constrLst/>
-                    <dgm:ruleLst/>
-                    <dgm:forEach name="Name15" axis="ch">
-                      <dgm:forEach name="Name16" axis="self" ptType="parTrans" cnt="1">
-                        <dgm:layoutNode name="Name17">
-                          <dgm:alg type="conn">
-                            <dgm:param type="dim" val="1D"/>
-                            <dgm:param type="endSty" val="noArr"/>
-                            <dgm:param type="connRout" val="bend"/>
-                            <dgm:param type="bendPt" val="end"/>
-                            <dgm:param type="begPts" val="bCtr"/>
-                            <dgm:param type="endPts" val="tCtr"/>
-                            <dgm:param type="srcNode" val="background2"/>
-                            <dgm:param type="dstNode" val="background3"/>
-                          </dgm:alg>
-                          <dgm:shape xmlns:r="http://schemas.openxmlformats.org/officeDocument/2006/relationships" type="conn" r:blip="" zOrderOff="-999">
-                            <dgm:adjLst/>
-                          </dgm:shape>
-                          <dgm:presOf axis="self"/>
-                          <dgm:constrLst>
-                            <dgm:constr type="begPad"/>
-                            <dgm:constr type="endPad"/>
-                          </dgm:constrLst>
-                          <dgm:ruleLst/>
-                        </dgm:layoutNode>
-                      </dgm:forEach>
-                      <dgm:forEach name="Name18" axis="self" ptType="node">
-                        <dgm:layoutNode name="hierRoot3">
-                          <dgm:alg type="hierRoot"/>
-                          <dgm:shape xmlns:r="http://schemas.openxmlformats.org/officeDocument/2006/relationships" r:blip="">
-                            <dgm:adjLst/>
-                          </dgm:shape>
-                          <dgm:presOf/>
-                          <dgm:constrLst>
-                            <dgm:constr type="bendDist" for="des" ptType="parTrans" refType="sp" fact="0.5"/>
-                          </dgm:constrLst>
-                          <dgm:ruleLst/>
-                          <dgm:layoutNode name="composite3">
-                            <dgm:alg type="composite"/>
-                            <dgm:shape xmlns:r="http://schemas.openxmlformats.org/officeDocument/2006/relationships" r:blip="">
-                              <dgm:adjLst/>
-                            </dgm:shape>
-                            <dgm:presOf/>
-                            <dgm:constrLst>
-                              <dgm:constr type="w" for="ch" forName="background3" refType="w" fact="0.9"/>
-                              <dgm:constr type="h" for="ch" forName="background3" refType="w" refFor="ch" refForName="background3" fact="0.635"/>
-                              <dgm:constr type="t" for="ch" forName="background3"/>
-                              <dgm:constr type="l" for="ch" forName="background3"/>
-                              <dgm:constr type="w" for="ch" forName="text3" refType="w" fact="0.9"/>
-                              <dgm:constr type="h" for="ch" forName="text3" refType="w" refFor="ch" refForName="text3" fact="0.635"/>
-                              <dgm:constr type="t" for="ch" forName="text3" refType="w" fact="0.095"/>
-                              <dgm:constr type="l" for="ch" forName="text3" refType="w" fact="0.1"/>
-                            </dgm:constrLst>
-                            <dgm:ruleLst/>
-                            <dgm:layoutNode name="background3" moveWith="text3">
-                              <dgm:alg type="sp"/>
-                              <dgm:shape xmlns:r="http://schemas.openxmlformats.org/officeDocument/2006/relationships" type="roundRect" r:blip="">
-                                <dgm:adjLst>
-                                  <dgm:adj idx="1" val="0.1"/>
-                                </dgm:adjLst>
-                              </dgm:shape>
-                              <dgm:presOf/>
-                              <dgm:constrLst/>
-                              <dgm:ruleLst/>
-                            </dgm:layoutNode>
-                            <dgm:layoutNode name="text3" styleLbl="fgAcc3">
-                              <dgm:varLst>
-                                <dgm:chPref val="3"/>
-                              </dgm:varLst>
-                              <dgm:alg type="tx"/>
-                              <dgm:shape xmlns:r="http://schemas.openxmlformats.org/officeDocument/2006/relationships" type="roundRect" r:blip="">
-                                <dgm:adjLst>
-                                  <dgm:adj idx="1" val="0.1"/>
-                                </dgm:adjLst>
-                              </dgm:shape>
-                              <dgm:presOf axis="self"/>
-                              <dgm:constrLst>
-                                <dgm:constr type="tMarg" refType="primFontSz" fact="0.3"/>
-                                <dgm:constr type="bMarg" refType="primFontSz" fact="0.3"/>
-                                <dgm:constr type="lMarg" refType="primFontSz" fact="0.3"/>
-                                <dgm:constr type="rMarg" refType="primFontSz" fact="0.3"/>
-                              </dgm:constrLst>
-                              <dgm:ruleLst>
-                                <dgm:rule type="primFontSz" val="5" fact="NaN" max="NaN"/>
-                              </dgm:ruleLst>
-                            </dgm:layoutNode>
-                          </dgm:layoutNode>
-                          <dgm:layoutNode name="hierChild4">
-                            <dgm:choose name="Name19">
-                              <dgm:if name="Name20" func="var" arg="dir" op="equ" val="norm">
-                                <dgm:alg type="hierChild">
-                                  <dgm:param type="linDir" val="fromL"/>
-                                </dgm:alg>
-                              </dgm:if>
-                              <dgm:else name="Name21">
-                                <dgm:alg type="hierChild">
-                                  <dgm:param type="linDir" val="fromR"/>
-                                </dgm:alg>
-                              </dgm:else>
-                            </dgm:choose>
-                            <dgm:shape xmlns:r="http://schemas.openxmlformats.org/officeDocument/2006/relationships" r:blip="">
-                              <dgm:adjLst/>
-                            </dgm:shape>
-                            <dgm:presOf/>
-                            <dgm:constrLst/>
-                            <dgm:ruleLst/>
-                            <dgm:forEach name="repeat" axis="ch">
-                              <dgm:forEach name="Name22" axis="self" ptType="parTrans" cnt="1">
-                                <dgm:layoutNode name="Name23">
-                                  <dgm:choose name="Name24">
-                                    <dgm:if name="Name25" axis="self" func="depth" op="lte" val="4">
-                                      <dgm:alg type="conn">
-                                        <dgm:param type="dim" val="1D"/>
-                                        <dgm:param type="endSty" val="noArr"/>
-                                        <dgm:param type="connRout" val="bend"/>
-                                        <dgm:param type="bendPt" val="end"/>
-                                        <dgm:param type="begPts" val="bCtr"/>
-                                        <dgm:param type="endPts" val="tCtr"/>
-                                        <dgm:param type="srcNode" val="background3"/>
-                                        <dgm:param type="dstNode" val="background4"/>
-                                      </dgm:alg>
-                                    </dgm:if>
-                                    <dgm:else name="Name26">
-                                      <dgm:alg type="conn">
-                                        <dgm:param type="dim" val="1D"/>
-                                        <dgm:param type="endSty" val="noArr"/>
-                                        <dgm:param type="connRout" val="bend"/>
-                                        <dgm:param type="bendPt" val="end"/>
-                                        <dgm:param type="begPts" val="bCtr"/>
-                                        <dgm:param type="endPts" val="tCtr"/>
-                                        <dgm:param type="srcNode" val="background4"/>
-                                        <dgm:param type="dstNode" val="background4"/>
-                                      </dgm:alg>
-                                    </dgm:else>
-                                  </dgm:choose>
-                                  <dgm:shape xmlns:r="http://schemas.openxmlformats.org/officeDocument/2006/relationships" type="conn" r:blip="" zOrderOff="-999">
-                                    <dgm:adjLst/>
-                                  </dgm:shape>
-                                  <dgm:presOf axis="self"/>
-                                  <dgm:constrLst>
-                                    <dgm:constr type="begPad"/>
-                                    <dgm:constr type="endPad"/>
-                                  </dgm:constrLst>
-                                  <dgm:ruleLst/>
-                                </dgm:layoutNode>
-                              </dgm:forEach>
-                              <dgm:forEach name="Name27" axis="self" ptType="node">
-                                <dgm:layoutNode name="hierRoot4">
-                                  <dgm:alg type="hierRoot"/>
-                                  <dgm:shape xmlns:r="http://schemas.openxmlformats.org/officeDocument/2006/relationships" r:blip="">
-                                    <dgm:adjLst/>
-                                  </dgm:shape>
-                                  <dgm:presOf/>
-                                  <dgm:constrLst>
-                                    <dgm:constr type="bendDist" for="des" ptType="parTrans" refType="sp" fact="0.5"/>
-                                  </dgm:constrLst>
-                                  <dgm:ruleLst/>
-                                  <dgm:layoutNode name="composite4">
-                                    <dgm:alg type="composite"/>
-                                    <dgm:shape xmlns:r="http://schemas.openxmlformats.org/officeDocument/2006/relationships" r:blip="">
-                                      <dgm:adjLst/>
-                                    </dgm:shape>
-                                    <dgm:presOf/>
-                                    <dgm:constrLst>
-                                      <dgm:constr type="w" for="ch" forName="background4" refType="w" fact="0.9"/>
-                                      <dgm:constr type="h" for="ch" forName="background4" refType="w" refFor="ch" refForName="background4" fact="0.635"/>
-                                      <dgm:constr type="t" for="ch" forName="background4"/>
-                                      <dgm:constr type="l" for="ch" forName="background4"/>
-                                      <dgm:constr type="w" for="ch" forName="text4" refType="w" fact="0.9"/>
-                                      <dgm:constr type="h" for="ch" forName="text4" refType="w" refFor="ch" refForName="text4" fact="0.635"/>
-                                      <dgm:constr type="t" for="ch" forName="text4" refType="w" fact="0.095"/>
-                                      <dgm:constr type="l" for="ch" forName="text4" refType="w" fact="0.1"/>
-                                    </dgm:constrLst>
-                                    <dgm:ruleLst/>
-                                    <dgm:layoutNode name="background4" moveWith="text4">
-                                      <dgm:alg type="sp"/>
-                                      <dgm:shape xmlns:r="http://schemas.openxmlformats.org/officeDocument/2006/relationships" type="roundRect" r:blip="">
-                                        <dgm:adjLst>
-                                          <dgm:adj idx="1" val="0.1"/>
-                                        </dgm:adjLst>
-                                      </dgm:shape>
-                                      <dgm:presOf/>
-                                      <dgm:constrLst/>
-                                      <dgm:ruleLst/>
-                                    </dgm:layoutNode>
-                                    <dgm:layoutNode name="text4" styleLbl="fgAcc4">
-                                      <dgm:varLst>
-                                        <dgm:chPref val="3"/>
-                                      </dgm:varLst>
-                                      <dgm:alg type="tx"/>
-                                      <dgm:shape xmlns:r="http://schemas.openxmlformats.org/officeDocument/2006/relationships" type="roundRect" r:blip="">
-                                        <dgm:adjLst>
-                                          <dgm:adj idx="1" val="0.1"/>
-                                        </dgm:adjLst>
-                                      </dgm:shape>
-                                      <dgm:presOf axis="self"/>
-                                      <dgm:constrLst>
-                                        <dgm:constr type="tMarg" refType="primFontSz" fact="0.3"/>
-                                        <dgm:constr type="bMarg" refType="primFontSz" fact="0.3"/>
-                                        <dgm:constr type="lMarg" refType="primFontSz" fact="0.3"/>
-                                        <dgm:constr type="rMarg" refType="primFontSz" fact="0.3"/>
-                                      </dgm:constrLst>
-                                      <dgm:ruleLst>
-                                        <dgm:rule type="primFontSz" val="5" fact="NaN" max="NaN"/>
-                                      </dgm:ruleLst>
-                                    </dgm:layoutNode>
-                                  </dgm:layoutNode>
-                                  <dgm:layoutNode name="hierChild5">
-                                    <dgm:choose name="Name28">
-                                      <dgm:if name="Name29" func="var" arg="dir" op="equ" val="norm">
-                                        <dgm:alg type="hierChild">
-                                          <dgm:param type="linDir" val="fromL"/>
-                                        </dgm:alg>
-                                      </dgm:if>
-                                      <dgm:else name="Name30">
-                                        <dgm:alg type="hierChild">
-                                          <dgm:param type="linDir" val="fromR"/>
-                                        </dgm:alg>
-                                      </dgm:else>
-                                    </dgm:choose>
-                                    <dgm:shape xmlns:r="http://schemas.openxmlformats.org/officeDocument/2006/relationships" r:blip="">
-                                      <dgm:adjLst/>
-                                    </dgm:shape>
-                                    <dgm:presOf/>
-                                    <dgm:constrLst/>
-                                    <dgm:ruleLst/>
-                                    <dgm:forEach name="Name31" ref="repeat"/>
-                                  </dgm:layoutNode>
-                                </dgm:layoutNode>
-                              </dgm:forEach>
-                            </dgm:forEach>
-                          </dgm:layoutNode>
-                        </dgm:layoutNode>
-                      </dgm:forEach>
-                    </dgm:forEach>
-                  </dgm:layoutNode>
-                </dgm:layoutNode>
-              </dgm:forEach>
-            </dgm:forEach>
+          </dgm:layoutNode>
+          <dgm:layoutNode name="textRect" styleLbl="revTx">
+            <dgm:varLst>
+              <dgm:chMax val="1"/>
+              <dgm:chPref val="1"/>
+            </dgm:varLst>
+            <dgm:choose name="Name7">
+              <dgm:if name="Name8" func="var" arg="dir" op="equ" val="norm">
+                <dgm:alg type="tx">
+                  <dgm:param type="txAnchorVert" val="mid"/>
+                  <dgm:param type="parTxLTRAlign" val="l"/>
+                  <dgm:param type="shpTxLTRAlignCh" val="l"/>
+                  <dgm:param type="parTxRTLAlign" val="l"/>
+                  <dgm:param type="shpTxRTLAlignCh" val="l"/>
+                </dgm:alg>
+              </dgm:if>
+              <dgm:else name="Name9">
+                <dgm:alg type="tx">
+                  <dgm:param type="txAnchorVert" val="mid"/>
+                  <dgm:param type="parTxLTRAlign" val="r"/>
+                  <dgm:param type="shpTxLTRAlignCh" val="r"/>
+                  <dgm:param type="parTxRTLAlign" val="r"/>
+                  <dgm:param type="shpTxRTLAlignCh" val="r"/>
+                </dgm:alg>
+              </dgm:else>
+            </dgm:choose>
+            <dgm:shape xmlns:r="http://schemas.openxmlformats.org/officeDocument/2006/relationships" type="rect" r:blip="">
+              <dgm:adjLst/>
+            </dgm:shape>
+            <dgm:presOf axis="self" ptType="node"/>
+            <dgm:constrLst>
+              <dgm:constr type="lMarg"/>
+              <dgm:constr type="rMarg"/>
+              <dgm:constr type="tMarg"/>
+              <dgm:constr type="bMarg"/>
+            </dgm:constrLst>
+            <dgm:ruleLst>
+              <dgm:rule type="primFontSz" val="11" fact="NaN" max="NaN"/>
+            </dgm:ruleLst>
           </dgm:layoutNode>
         </dgm:layoutNode>
+        <dgm:forEach name="Name10" axis="followSib" ptType="sibTrans" cnt="1">
+          <dgm:layoutNode name="sibTrans">
+            <dgm:alg type="sp"/>
+            <dgm:shape xmlns:r="http://schemas.openxmlformats.org/officeDocument/2006/relationships" type="rect" r:blip="" hideGeom="1">
+              <dgm:adjLst/>
+            </dgm:shape>
+            <dgm:presOf axis="self"/>
+            <dgm:constrLst/>
+            <dgm:ruleLst/>
+          </dgm:layoutNode>
+        </dgm:forEach>
       </dgm:forEach>
-    </dgm:forEach>
+    </dgm:layoutNode>
   </dgm:layoutNode>
+  <dgm:extLst>
+    <a:ext uri="{68A01E43-0DF5-4B5B-8FA6-DAF915123BFB}">
+      <dgm1612:lstStyle xmlns:dgm1612="http://schemas.microsoft.com/office/drawing/2016/12/diagram">
+        <a:lvl1pPr>
+          <a:lnSpc>
+            <a:spcPct val="100000"/>
+          </a:lnSpc>
+        </a:lvl1pPr>
+      </dgm1612:lstStyle>
+    </a:ext>
+  </dgm:extLst>
 </dgm:layoutDef>
 </file>
 
@@ -13468,6 +13363,90 @@
     <p:extLst>
       <p:ext uri="{BB962C8B-B14F-4D97-AF65-F5344CB8AC3E}">
         <p14:creationId xmlns:p14="http://schemas.microsoft.com/office/powerpoint/2010/main" val="1707237143"/>
+      </p:ext>
+    </p:extLst>
+  </p:cSld>
+  <p:clrMapOvr>
+    <a:masterClrMapping/>
+  </p:clrMapOvr>
+</p:notes>
+</file>
+
+<file path=ppt/notesSlides/notesSlide2.xml><?xml version="1.0" encoding="utf-8"?>
+<p:notes xmlns:a="http://schemas.openxmlformats.org/drawingml/2006/main" xmlns:r="http://schemas.openxmlformats.org/officeDocument/2006/relationships" xmlns:p="http://schemas.openxmlformats.org/presentationml/2006/main">
+  <p:cSld>
+    <p:spTree>
+      <p:nvGrpSpPr>
+        <p:cNvPr id="1" name=""/>
+        <p:cNvGrpSpPr/>
+        <p:nvPr/>
+      </p:nvGrpSpPr>
+      <p:grpSpPr>
+        <a:xfrm>
+          <a:off x="0" y="0"/>
+          <a:ext cx="0" cy="0"/>
+          <a:chOff x="0" y="0"/>
+          <a:chExt cx="0" cy="0"/>
+        </a:xfrm>
+      </p:grpSpPr>
+      <p:sp>
+        <p:nvSpPr>
+          <p:cNvPr id="2" name="Slide Image Placeholder 1"/>
+          <p:cNvSpPr>
+            <a:spLocks noGrp="1" noRot="1" noChangeAspect="1"/>
+          </p:cNvSpPr>
+          <p:nvPr>
+            <p:ph type="sldImg"/>
+          </p:nvPr>
+        </p:nvSpPr>
+        <p:spPr/>
+      </p:sp>
+      <p:sp>
+        <p:nvSpPr>
+          <p:cNvPr id="3" name="Notes Placeholder 2"/>
+          <p:cNvSpPr>
+            <a:spLocks noGrp="1"/>
+          </p:cNvSpPr>
+          <p:nvPr>
+            <p:ph type="body" idx="1"/>
+          </p:nvPr>
+        </p:nvSpPr>
+        <p:spPr/>
+        <p:txBody>
+          <a:bodyPr/>
+          <a:lstStyle/>
+          <a:p>
+            <a:endParaRPr lang="en-US" dirty="0"/>
+          </a:p>
+        </p:txBody>
+      </p:sp>
+      <p:sp>
+        <p:nvSpPr>
+          <p:cNvPr id="4" name="Slide Number Placeholder 3"/>
+          <p:cNvSpPr>
+            <a:spLocks noGrp="1"/>
+          </p:cNvSpPr>
+          <p:nvPr>
+            <p:ph type="sldNum" sz="quarter" idx="5"/>
+          </p:nvPr>
+        </p:nvSpPr>
+        <p:spPr/>
+        <p:txBody>
+          <a:bodyPr/>
+          <a:lstStyle/>
+          <a:p>
+            <a:fld id="{6FD8728D-24A8-F447-9207-448C97DDB644}" type="slidenum">
+              <a:rPr lang="en-US" smtClean="0"/>
+              <a:t>8</a:t>
+            </a:fld>
+            <a:endParaRPr lang="en-US"/>
+          </a:p>
+        </p:txBody>
+      </p:sp>
+    </p:spTree>
+    <p:extLst>
+      <p:ext uri="{BB962C8B-B14F-4D97-AF65-F5344CB8AC3E}">
+        <p14:creationId xmlns:p14="http://schemas.microsoft.com/office/powerpoint/2010/main" val="1801711798"/>
       </p:ext>
     </p:extLst>
   </p:cSld>
@@ -16780,6 +16759,751 @@
 </p:sld>
 </file>
 
+<file path=ppt/slides/slide10.xml><?xml version="1.0" encoding="utf-8"?>
+<p:sld xmlns:a="http://schemas.openxmlformats.org/drawingml/2006/main" xmlns:r="http://schemas.openxmlformats.org/officeDocument/2006/relationships" xmlns:p="http://schemas.openxmlformats.org/presentationml/2006/main">
+  <p:cSld>
+    <p:bg>
+      <p:bgPr>
+        <a:solidFill>
+          <a:schemeClr val="bg1"/>
+        </a:solidFill>
+        <a:effectLst/>
+      </p:bgPr>
+    </p:bg>
+    <p:spTree>
+      <p:nvGrpSpPr>
+        <p:cNvPr id="1" name=""/>
+        <p:cNvGrpSpPr/>
+        <p:nvPr/>
+      </p:nvGrpSpPr>
+      <p:grpSpPr>
+        <a:xfrm>
+          <a:off x="0" y="0"/>
+          <a:ext cx="0" cy="0"/>
+          <a:chOff x="0" y="0"/>
+          <a:chExt cx="0" cy="0"/>
+        </a:xfrm>
+      </p:grpSpPr>
+      <p:sp useBgFill="1">
+        <p:nvSpPr>
+          <p:cNvPr id="12" name="Rectangle 11">
+            <a:extLst>
+              <a:ext uri="{FF2B5EF4-FFF2-40B4-BE49-F238E27FC236}">
+                <a16:creationId xmlns:a16="http://schemas.microsoft.com/office/drawing/2014/main" id="{2151139A-886F-4B97-8815-729AD3831BBD}"/>
+              </a:ext>
+              <a:ext uri="{C183D7F6-B498-43B3-948B-1728B52AA6E4}">
+                <adec:decorative xmlns:adec="http://schemas.microsoft.com/office/drawing/2017/decorative" val="1"/>
+              </a:ext>
+            </a:extLst>
+          </p:cNvPr>
+          <p:cNvSpPr>
+            <a:spLocks noGrp="1" noRot="1" noChangeAspect="1" noMove="1" noResize="1" noEditPoints="1" noAdjustHandles="1" noChangeArrowheads="1" noChangeShapeType="1" noTextEdit="1"/>
+          </p:cNvSpPr>
+          <p:nvPr>
+            <p:extLst>
+              <p:ext uri="{386F3935-93C4-4BCD-93E2-E3B085C9AB24}">
+                <p16:designElem xmlns:p16="http://schemas.microsoft.com/office/powerpoint/2015/main" val="1"/>
+              </p:ext>
+            </p:extLst>
+          </p:nvPr>
+        </p:nvSpPr>
+        <p:spPr>
+          <a:xfrm>
+            <a:off x="0" y="0"/>
+            <a:ext cx="12192000" cy="6858000"/>
+          </a:xfrm>
+          <a:prstGeom prst="rect">
+            <a:avLst/>
+          </a:prstGeom>
+          <a:ln w="12700" cap="flat" cmpd="sng" algn="ctr">
+            <a:noFill/>
+            <a:prstDash val="solid"/>
+            <a:miter lim="800000"/>
+          </a:ln>
+          <a:effectLst/>
+          <a:extLst>
+            <a:ext uri="{91240B29-F687-4F45-9708-019B960494DF}">
+              <a14:hiddenLine xmlns:a14="http://schemas.microsoft.com/office/drawing/2010/main" w="12700" cap="flat" cmpd="sng" algn="ctr">
+                <a:solidFill>
+                  <a:schemeClr val="accent1">
+                    <a:shade val="50000"/>
+                  </a:schemeClr>
+                </a:solidFill>
+                <a:prstDash val="solid"/>
+                <a:miter lim="800000"/>
+              </a14:hiddenLine>
+            </a:ext>
+          </a:extLst>
+        </p:spPr>
+        <p:style>
+          <a:lnRef idx="2">
+            <a:schemeClr val="accent1">
+              <a:shade val="50000"/>
+            </a:schemeClr>
+          </a:lnRef>
+          <a:fillRef idx="1">
+            <a:schemeClr val="accent1"/>
+          </a:fillRef>
+          <a:effectRef idx="0">
+            <a:schemeClr val="accent1"/>
+          </a:effectRef>
+          <a:fontRef idx="minor">
+            <a:schemeClr val="lt1"/>
+          </a:fontRef>
+        </p:style>
+        <p:txBody>
+          <a:bodyPr rtlCol="0" anchor="ctr"/>
+          <a:lstStyle/>
+          <a:p>
+            <a:pPr algn="ctr"/>
+            <a:endParaRPr lang="en-US" sz="2000"/>
+          </a:p>
+        </p:txBody>
+      </p:sp>
+      <p:sp>
+        <p:nvSpPr>
+          <p:cNvPr id="14" name="Rectangle 13">
+            <a:extLst>
+              <a:ext uri="{FF2B5EF4-FFF2-40B4-BE49-F238E27FC236}">
+                <a16:creationId xmlns:a16="http://schemas.microsoft.com/office/drawing/2014/main" id="{AB5E08C4-8CDD-4623-A5B8-E998C6DEE3B7}"/>
+              </a:ext>
+              <a:ext uri="{C183D7F6-B498-43B3-948B-1728B52AA6E4}">
+                <adec:decorative xmlns:adec="http://schemas.microsoft.com/office/drawing/2017/decorative" val="1"/>
+              </a:ext>
+            </a:extLst>
+          </p:cNvPr>
+          <p:cNvSpPr>
+            <a:spLocks noGrp="1" noRot="1" noChangeAspect="1" noMove="1" noResize="1" noEditPoints="1" noAdjustHandles="1" noChangeArrowheads="1" noChangeShapeType="1" noTextEdit="1"/>
+          </p:cNvSpPr>
+          <p:nvPr>
+            <p:extLst>
+              <p:ext uri="{386F3935-93C4-4BCD-93E2-E3B085C9AB24}">
+                <p16:designElem xmlns:p16="http://schemas.microsoft.com/office/powerpoint/2015/main" val="1"/>
+              </p:ext>
+            </p:extLst>
+          </p:nvPr>
+        </p:nvSpPr>
+        <p:spPr>
+          <a:xfrm flipH="1">
+            <a:off x="2" y="492"/>
+            <a:ext cx="12191998" cy="1575955"/>
+          </a:xfrm>
+          <a:prstGeom prst="rect">
+            <a:avLst/>
+          </a:prstGeom>
+          <a:gradFill>
+            <a:gsLst>
+              <a:gs pos="0">
+                <a:schemeClr val="accent1">
+                  <a:lumMod val="50000"/>
+                </a:schemeClr>
+              </a:gs>
+              <a:gs pos="100000">
+                <a:schemeClr val="accent1">
+                  <a:lumMod val="75000"/>
+                </a:schemeClr>
+              </a:gs>
+            </a:gsLst>
+            <a:lin ang="8400000" scaled="0"/>
+          </a:gradFill>
+          <a:ln>
+            <a:noFill/>
+          </a:ln>
+        </p:spPr>
+        <p:style>
+          <a:lnRef idx="2">
+            <a:schemeClr val="accent1">
+              <a:shade val="50000"/>
+            </a:schemeClr>
+          </a:lnRef>
+          <a:fillRef idx="1">
+            <a:schemeClr val="accent1"/>
+          </a:fillRef>
+          <a:effectRef idx="0">
+            <a:schemeClr val="accent1"/>
+          </a:effectRef>
+          <a:fontRef idx="minor">
+            <a:schemeClr val="lt1"/>
+          </a:fontRef>
+        </p:style>
+        <p:txBody>
+          <a:bodyPr rtlCol="0" anchor="ctr"/>
+          <a:lstStyle/>
+          <a:p>
+            <a:pPr algn="ctr"/>
+            <a:endParaRPr lang="en-US"/>
+          </a:p>
+        </p:txBody>
+      </p:sp>
+      <p:sp>
+        <p:nvSpPr>
+          <p:cNvPr id="16" name="Rectangle 15">
+            <a:extLst>
+              <a:ext uri="{FF2B5EF4-FFF2-40B4-BE49-F238E27FC236}">
+                <a16:creationId xmlns:a16="http://schemas.microsoft.com/office/drawing/2014/main" id="{15F33878-D502-4FFA-8ACE-F2AECDB2A23F}"/>
+              </a:ext>
+              <a:ext uri="{C183D7F6-B498-43B3-948B-1728B52AA6E4}">
+                <adec:decorative xmlns:adec="http://schemas.microsoft.com/office/drawing/2017/decorative" val="1"/>
+              </a:ext>
+            </a:extLst>
+          </p:cNvPr>
+          <p:cNvSpPr>
+            <a:spLocks noGrp="1" noRot="1" noChangeAspect="1" noMove="1" noResize="1" noEditPoints="1" noAdjustHandles="1" noChangeArrowheads="1" noChangeShapeType="1" noTextEdit="1"/>
+          </p:cNvSpPr>
+          <p:nvPr>
+            <p:extLst>
+              <p:ext uri="{386F3935-93C4-4BCD-93E2-E3B085C9AB24}">
+                <p16:designElem xmlns:p16="http://schemas.microsoft.com/office/powerpoint/2015/main" val="1"/>
+              </p:ext>
+            </p:extLst>
+          </p:nvPr>
+        </p:nvSpPr>
+        <p:spPr>
+          <a:xfrm rot="10800000" flipH="1">
+            <a:off x="8128857" y="35"/>
+            <a:ext cx="4063143" cy="1576412"/>
+          </a:xfrm>
+          <a:prstGeom prst="rect">
+            <a:avLst/>
+          </a:prstGeom>
+          <a:gradFill>
+            <a:gsLst>
+              <a:gs pos="19000">
+                <a:schemeClr val="accent1">
+                  <a:lumMod val="50000"/>
+                  <a:alpha val="68000"/>
+                </a:schemeClr>
+              </a:gs>
+              <a:gs pos="100000">
+                <a:schemeClr val="accent1">
+                  <a:alpha val="79000"/>
+                </a:schemeClr>
+              </a:gs>
+            </a:gsLst>
+            <a:lin ang="19200000" scaled="0"/>
+          </a:gradFill>
+          <a:ln>
+            <a:noFill/>
+          </a:ln>
+        </p:spPr>
+        <p:style>
+          <a:lnRef idx="2">
+            <a:schemeClr val="accent1">
+              <a:shade val="50000"/>
+            </a:schemeClr>
+          </a:lnRef>
+          <a:fillRef idx="1">
+            <a:schemeClr val="accent1"/>
+          </a:fillRef>
+          <a:effectRef idx="0">
+            <a:schemeClr val="accent1"/>
+          </a:effectRef>
+          <a:fontRef idx="minor">
+            <a:schemeClr val="lt1"/>
+          </a:fontRef>
+        </p:style>
+        <p:txBody>
+          <a:bodyPr rtlCol="0" anchor="ctr"/>
+          <a:lstStyle/>
+          <a:p>
+            <a:pPr algn="ctr"/>
+            <a:endParaRPr lang="en-US"/>
+          </a:p>
+        </p:txBody>
+      </p:sp>
+      <p:sp>
+        <p:nvSpPr>
+          <p:cNvPr id="18" name="Rectangle 17">
+            <a:extLst>
+              <a:ext uri="{FF2B5EF4-FFF2-40B4-BE49-F238E27FC236}">
+                <a16:creationId xmlns:a16="http://schemas.microsoft.com/office/drawing/2014/main" id="{D3539FEE-81D3-4406-802E-60B20B16F4F6}"/>
+              </a:ext>
+              <a:ext uri="{C183D7F6-B498-43B3-948B-1728B52AA6E4}">
+                <adec:decorative xmlns:adec="http://schemas.microsoft.com/office/drawing/2017/decorative" val="1"/>
+              </a:ext>
+            </a:extLst>
+          </p:cNvPr>
+          <p:cNvSpPr>
+            <a:spLocks noGrp="1" noRot="1" noChangeAspect="1" noMove="1" noResize="1" noEditPoints="1" noAdjustHandles="1" noChangeArrowheads="1" noChangeShapeType="1" noTextEdit="1"/>
+          </p:cNvSpPr>
+          <p:nvPr>
+            <p:extLst>
+              <p:ext uri="{386F3935-93C4-4BCD-93E2-E3B085C9AB24}">
+                <p16:designElem xmlns:p16="http://schemas.microsoft.com/office/powerpoint/2015/main" val="1"/>
+              </p:ext>
+            </p:extLst>
+          </p:nvPr>
+        </p:nvSpPr>
+        <p:spPr>
+          <a:xfrm rot="5400000">
+            <a:off x="5307778" y="-5307777"/>
+            <a:ext cx="1576446" cy="12192001"/>
+          </a:xfrm>
+          <a:prstGeom prst="rect">
+            <a:avLst/>
+          </a:prstGeom>
+          <a:gradFill>
+            <a:gsLst>
+              <a:gs pos="16000">
+                <a:srgbClr val="000000">
+                  <a:alpha val="0"/>
+                </a:srgbClr>
+              </a:gs>
+              <a:gs pos="99000">
+                <a:srgbClr val="000000">
+                  <a:alpha val="87000"/>
+                </a:srgbClr>
+              </a:gs>
+            </a:gsLst>
+            <a:lin ang="11400000" scaled="0"/>
+          </a:gradFill>
+          <a:ln>
+            <a:noFill/>
+          </a:ln>
+        </p:spPr>
+        <p:style>
+          <a:lnRef idx="2">
+            <a:schemeClr val="accent1">
+              <a:shade val="50000"/>
+            </a:schemeClr>
+          </a:lnRef>
+          <a:fillRef idx="1">
+            <a:schemeClr val="accent1"/>
+          </a:fillRef>
+          <a:effectRef idx="0">
+            <a:schemeClr val="accent1"/>
+          </a:effectRef>
+          <a:fontRef idx="minor">
+            <a:schemeClr val="lt1"/>
+          </a:fontRef>
+        </p:style>
+        <p:txBody>
+          <a:bodyPr rtlCol="0" anchor="ctr"/>
+          <a:lstStyle/>
+          <a:p>
+            <a:pPr algn="ctr"/>
+            <a:endParaRPr lang="en-US" dirty="0"/>
+          </a:p>
+        </p:txBody>
+      </p:sp>
+      <p:sp>
+        <p:nvSpPr>
+          <p:cNvPr id="20" name="Rectangle 19">
+            <a:extLst>
+              <a:ext uri="{FF2B5EF4-FFF2-40B4-BE49-F238E27FC236}">
+                <a16:creationId xmlns:a16="http://schemas.microsoft.com/office/drawing/2014/main" id="{DC701763-729E-462F-A5A8-E0DEFEB1E2E4}"/>
+              </a:ext>
+              <a:ext uri="{C183D7F6-B498-43B3-948B-1728B52AA6E4}">
+                <adec:decorative xmlns:adec="http://schemas.microsoft.com/office/drawing/2017/decorative" val="1"/>
+              </a:ext>
+            </a:extLst>
+          </p:cNvPr>
+          <p:cNvSpPr>
+            <a:spLocks noGrp="1" noRot="1" noChangeAspect="1" noMove="1" noResize="1" noEditPoints="1" noAdjustHandles="1" noChangeArrowheads="1" noChangeShapeType="1" noTextEdit="1"/>
+          </p:cNvSpPr>
+          <p:nvPr>
+            <p:extLst>
+              <p:ext uri="{386F3935-93C4-4BCD-93E2-E3B085C9AB24}">
+                <p16:designElem xmlns:p16="http://schemas.microsoft.com/office/powerpoint/2015/main" val="1"/>
+              </p:ext>
+            </p:extLst>
+          </p:nvPr>
+        </p:nvSpPr>
+        <p:spPr>
+          <a:xfrm>
+            <a:off x="3825434" y="986"/>
+            <a:ext cx="4303422" cy="1575461"/>
+          </a:xfrm>
+          <a:prstGeom prst="rect">
+            <a:avLst/>
+          </a:prstGeom>
+          <a:gradFill>
+            <a:gsLst>
+              <a:gs pos="0">
+                <a:schemeClr val="accent1">
+                  <a:alpha val="17000"/>
+                </a:schemeClr>
+              </a:gs>
+              <a:gs pos="74000">
+                <a:schemeClr val="accent1">
+                  <a:lumMod val="50000"/>
+                  <a:alpha val="0"/>
+                </a:schemeClr>
+              </a:gs>
+            </a:gsLst>
+            <a:lin ang="14400000" scaled="0"/>
+          </a:gradFill>
+          <a:ln>
+            <a:noFill/>
+          </a:ln>
+        </p:spPr>
+        <p:style>
+          <a:lnRef idx="2">
+            <a:schemeClr val="accent1">
+              <a:shade val="50000"/>
+            </a:schemeClr>
+          </a:lnRef>
+          <a:fillRef idx="1">
+            <a:schemeClr val="accent1"/>
+          </a:fillRef>
+          <a:effectRef idx="0">
+            <a:schemeClr val="accent1"/>
+          </a:effectRef>
+          <a:fontRef idx="minor">
+            <a:schemeClr val="lt1"/>
+          </a:fontRef>
+        </p:style>
+        <p:txBody>
+          <a:bodyPr rtlCol="0" anchor="ctr"/>
+          <a:lstStyle/>
+          <a:p>
+            <a:pPr algn="ctr"/>
+            <a:endParaRPr lang="en-US"/>
+          </a:p>
+        </p:txBody>
+      </p:sp>
+      <p:sp>
+        <p:nvSpPr>
+          <p:cNvPr id="2" name="Title 1">
+            <a:extLst>
+              <a:ext uri="{FF2B5EF4-FFF2-40B4-BE49-F238E27FC236}">
+                <a16:creationId xmlns:a16="http://schemas.microsoft.com/office/drawing/2014/main" id="{2B68841D-F924-8968-D227-54B9BBD2DB9E}"/>
+              </a:ext>
+            </a:extLst>
+          </p:cNvPr>
+          <p:cNvSpPr>
+            <a:spLocks noGrp="1"/>
+          </p:cNvSpPr>
+          <p:nvPr>
+            <p:ph type="title"/>
+          </p:nvPr>
+        </p:nvSpPr>
+        <p:spPr>
+          <a:xfrm>
+            <a:off x="699714" y="353160"/>
+            <a:ext cx="7091300" cy="898581"/>
+          </a:xfrm>
+        </p:spPr>
+        <p:txBody>
+          <a:bodyPr vert="horz" lIns="91440" tIns="45720" rIns="91440" bIns="45720" rtlCol="0" anchor="ctr">
+            <a:normAutofit/>
+          </a:bodyPr>
+          <a:lstStyle/>
+          <a:p>
+            <a:r>
+              <a:rPr lang="en-US" sz="4000">
+                <a:solidFill>
+                  <a:srgbClr val="FFFFFF"/>
+                </a:solidFill>
+              </a:rPr>
+              <a:t>F31/F32 Writing Workshop</a:t>
+            </a:r>
+          </a:p>
+        </p:txBody>
+      </p:sp>
+      <p:sp>
+        <p:nvSpPr>
+          <p:cNvPr id="3" name="Content Placeholder 2">
+            <a:extLst>
+              <a:ext uri="{FF2B5EF4-FFF2-40B4-BE49-F238E27FC236}">
+                <a16:creationId xmlns:a16="http://schemas.microsoft.com/office/drawing/2014/main" id="{0BDD0C88-9ED7-6D9A-AFE7-6F037BEB92B4}"/>
+              </a:ext>
+            </a:extLst>
+          </p:cNvPr>
+          <p:cNvSpPr>
+            <a:spLocks noGrp="1"/>
+          </p:cNvSpPr>
+          <p:nvPr>
+            <p:ph idx="1"/>
+          </p:nvPr>
+        </p:nvSpPr>
+        <p:spPr>
+          <a:xfrm>
+            <a:off x="8571507" y="387224"/>
+            <a:ext cx="3291839" cy="830453"/>
+          </a:xfrm>
+        </p:spPr>
+        <p:txBody>
+          <a:bodyPr vert="horz" lIns="91440" tIns="45720" rIns="91440" bIns="45720" rtlCol="0" anchor="ctr">
+            <a:normAutofit/>
+          </a:bodyPr>
+          <a:lstStyle/>
+          <a:p>
+            <a:pPr marL="0" indent="0">
+              <a:buNone/>
+            </a:pPr>
+            <a:r>
+              <a:rPr lang="en-US" sz="2000">
+                <a:solidFill>
+                  <a:srgbClr val="FFFFFF"/>
+                </a:solidFill>
+              </a:rPr>
+              <a:t>Bi-weekly workshop</a:t>
+            </a:r>
+          </a:p>
+        </p:txBody>
+      </p:sp>
+      <p:pic>
+        <p:nvPicPr>
+          <p:cNvPr id="5" name="Picture 4">
+            <a:extLst>
+              <a:ext uri="{FF2B5EF4-FFF2-40B4-BE49-F238E27FC236}">
+                <a16:creationId xmlns:a16="http://schemas.microsoft.com/office/drawing/2014/main" id="{29230FAF-87EE-848C-4971-40EEF23D4F77}"/>
+              </a:ext>
+            </a:extLst>
+          </p:cNvPr>
+          <p:cNvPicPr>
+            <a:picLocks noChangeAspect="1"/>
+          </p:cNvPicPr>
+          <p:nvPr/>
+        </p:nvPicPr>
+        <p:blipFill>
+          <a:blip r:embed="rId2"/>
+          <a:stretch>
+            <a:fillRect/>
+          </a:stretch>
+        </p:blipFill>
+        <p:spPr>
+          <a:xfrm>
+            <a:off x="715748" y="2990665"/>
+            <a:ext cx="3120426" cy="1446864"/>
+          </a:xfrm>
+          <a:prstGeom prst="rect">
+            <a:avLst/>
+          </a:prstGeom>
+        </p:spPr>
+      </p:pic>
+      <p:pic>
+        <p:nvPicPr>
+          <p:cNvPr id="7" name="Picture 6">
+            <a:extLst>
+              <a:ext uri="{FF2B5EF4-FFF2-40B4-BE49-F238E27FC236}">
+                <a16:creationId xmlns:a16="http://schemas.microsoft.com/office/drawing/2014/main" id="{9517D19C-31FC-2621-8B67-05C0BA977C76}"/>
+              </a:ext>
+            </a:extLst>
+          </p:cNvPr>
+          <p:cNvPicPr>
+            <a:picLocks noChangeAspect="1"/>
+          </p:cNvPicPr>
+          <p:nvPr/>
+        </p:nvPicPr>
+        <p:blipFill>
+          <a:blip r:embed="rId3"/>
+          <a:stretch>
+            <a:fillRect/>
+          </a:stretch>
+        </p:blipFill>
+        <p:spPr>
+          <a:xfrm>
+            <a:off x="4235825" y="1576447"/>
+            <a:ext cx="7956174" cy="5354680"/>
+          </a:xfrm>
+          <a:prstGeom prst="rect">
+            <a:avLst/>
+          </a:prstGeom>
+        </p:spPr>
+      </p:pic>
+    </p:spTree>
+    <p:extLst>
+      <p:ext uri="{BB962C8B-B14F-4D97-AF65-F5344CB8AC3E}">
+        <p14:creationId xmlns:p14="http://schemas.microsoft.com/office/powerpoint/2010/main" val="2763981623"/>
+      </p:ext>
+    </p:extLst>
+  </p:cSld>
+  <p:clrMapOvr>
+    <a:masterClrMapping/>
+  </p:clrMapOvr>
+</p:sld>
+</file>
+
+<file path=ppt/slides/slide11.xml><?xml version="1.0" encoding="utf-8"?>
+<p:sld xmlns:a="http://schemas.openxmlformats.org/drawingml/2006/main" xmlns:r="http://schemas.openxmlformats.org/officeDocument/2006/relationships" xmlns:p="http://schemas.openxmlformats.org/presentationml/2006/main">
+  <p:cSld>
+    <p:spTree>
+      <p:nvGrpSpPr>
+        <p:cNvPr id="1" name=""/>
+        <p:cNvGrpSpPr/>
+        <p:nvPr/>
+      </p:nvGrpSpPr>
+      <p:grpSpPr>
+        <a:xfrm>
+          <a:off x="0" y="0"/>
+          <a:ext cx="0" cy="0"/>
+          <a:chOff x="0" y="0"/>
+          <a:chExt cx="0" cy="0"/>
+        </a:xfrm>
+      </p:grpSpPr>
+      <p:sp>
+        <p:nvSpPr>
+          <p:cNvPr id="2" name="Title 1">
+            <a:extLst>
+              <a:ext uri="{FF2B5EF4-FFF2-40B4-BE49-F238E27FC236}">
+                <a16:creationId xmlns:a16="http://schemas.microsoft.com/office/drawing/2014/main" id="{7E9A68AB-DCDA-B0F6-0871-3F8EEF6C442A}"/>
+              </a:ext>
+            </a:extLst>
+          </p:cNvPr>
+          <p:cNvSpPr>
+            <a:spLocks noGrp="1"/>
+          </p:cNvSpPr>
+          <p:nvPr>
+            <p:ph type="title"/>
+          </p:nvPr>
+        </p:nvSpPr>
+        <p:spPr/>
+        <p:txBody>
+          <a:bodyPr/>
+          <a:lstStyle/>
+          <a:p>
+            <a:r>
+              <a:rPr lang="en-US" dirty="0"/>
+              <a:t>Next Steps</a:t>
+            </a:r>
+          </a:p>
+        </p:txBody>
+      </p:sp>
+      <p:sp>
+        <p:nvSpPr>
+          <p:cNvPr id="3" name="Content Placeholder 2">
+            <a:extLst>
+              <a:ext uri="{FF2B5EF4-FFF2-40B4-BE49-F238E27FC236}">
+                <a16:creationId xmlns:a16="http://schemas.microsoft.com/office/drawing/2014/main" id="{2216DB2F-1298-8465-8D2F-957D86590C16}"/>
+              </a:ext>
+            </a:extLst>
+          </p:cNvPr>
+          <p:cNvSpPr>
+            <a:spLocks noGrp="1"/>
+          </p:cNvSpPr>
+          <p:nvPr>
+            <p:ph idx="1"/>
+          </p:nvPr>
+        </p:nvSpPr>
+        <p:spPr>
+          <a:xfrm>
+            <a:off x="838200" y="1825625"/>
+            <a:ext cx="6100482" cy="4351338"/>
+          </a:xfrm>
+        </p:spPr>
+        <p:txBody>
+          <a:bodyPr>
+            <a:normAutofit fontScale="92500" lnSpcReduction="10000"/>
+          </a:bodyPr>
+          <a:lstStyle/>
+          <a:p>
+            <a:r>
+              <a:rPr lang="en-US" dirty="0"/>
+              <a:t>Clarifying trainee population</a:t>
+            </a:r>
+          </a:p>
+          <a:p>
+            <a:r>
+              <a:rPr lang="en-US" dirty="0"/>
+              <a:t>Website updates</a:t>
+            </a:r>
+          </a:p>
+          <a:p>
+            <a:pPr lvl="1"/>
+            <a:r>
+              <a:rPr lang="en-US" dirty="0"/>
+              <a:t>Clarifying entry points</a:t>
+            </a:r>
+          </a:p>
+          <a:p>
+            <a:pPr lvl="1"/>
+            <a:r>
+              <a:rPr lang="en-US" dirty="0"/>
+              <a:t>Sharing funding opportunities</a:t>
+            </a:r>
+          </a:p>
+          <a:p>
+            <a:r>
+              <a:rPr lang="en-US" dirty="0"/>
+              <a:t>Workshops</a:t>
+            </a:r>
+          </a:p>
+          <a:p>
+            <a:pPr lvl="1"/>
+            <a:r>
+              <a:rPr lang="en-US" dirty="0"/>
+              <a:t>Technical skills</a:t>
+            </a:r>
+          </a:p>
+          <a:p>
+            <a:pPr lvl="1"/>
+            <a:r>
+              <a:rPr lang="en-US" dirty="0"/>
+              <a:t>Jobs and alumni</a:t>
+            </a:r>
+          </a:p>
+          <a:p>
+            <a:pPr lvl="1"/>
+            <a:r>
+              <a:rPr lang="en-US" dirty="0"/>
+              <a:t>Feedback from trainees</a:t>
+            </a:r>
+          </a:p>
+          <a:p>
+            <a:r>
+              <a:rPr lang="en-US" dirty="0"/>
+              <a:t>Awarding excellence</a:t>
+            </a:r>
+          </a:p>
+          <a:p>
+            <a:r>
+              <a:rPr lang="en-US" dirty="0"/>
+              <a:t>Future of Metabolic Physiology Symposia</a:t>
+            </a:r>
+          </a:p>
+          <a:p>
+            <a:endParaRPr lang="en-US" dirty="0"/>
+          </a:p>
+          <a:p>
+            <a:endParaRPr lang="en-US" dirty="0"/>
+          </a:p>
+        </p:txBody>
+      </p:sp>
+      <p:pic>
+        <p:nvPicPr>
+          <p:cNvPr id="4" name="Picture 3" descr="A group of rectangular boxes with text&#10;&#10;AI-generated content may be incorrect.">
+            <a:extLst>
+              <a:ext uri="{FF2B5EF4-FFF2-40B4-BE49-F238E27FC236}">
+                <a16:creationId xmlns:a16="http://schemas.microsoft.com/office/drawing/2014/main" id="{7FE1D3A5-78A9-84A6-091C-27E33FFA141F}"/>
+              </a:ext>
+            </a:extLst>
+          </p:cNvPr>
+          <p:cNvPicPr>
+            <a:picLocks noChangeAspect="1"/>
+          </p:cNvPicPr>
+          <p:nvPr/>
+        </p:nvPicPr>
+        <p:blipFill>
+          <a:blip r:embed="rId2"/>
+          <a:stretch>
+            <a:fillRect/>
+          </a:stretch>
+        </p:blipFill>
+        <p:spPr>
+          <a:xfrm>
+            <a:off x="6284353" y="681037"/>
+            <a:ext cx="5756789" cy="5568739"/>
+          </a:xfrm>
+          <a:prstGeom prst="rect">
+            <a:avLst/>
+          </a:prstGeom>
+        </p:spPr>
+      </p:pic>
+    </p:spTree>
+    <p:extLst>
+      <p:ext uri="{BB962C8B-B14F-4D97-AF65-F5344CB8AC3E}">
+        <p14:creationId xmlns:p14="http://schemas.microsoft.com/office/powerpoint/2010/main" val="2655572718"/>
+      </p:ext>
+    </p:extLst>
+  </p:cSld>
+  <p:clrMapOvr>
+    <a:masterClrMapping/>
+  </p:clrMapOvr>
+</p:sld>
+</file>
+
 <file path=ppt/slides/slide2.xml><?xml version="1.0" encoding="utf-8"?>
 <p:sld xmlns:a="http://schemas.openxmlformats.org/drawingml/2006/main" xmlns:r="http://schemas.openxmlformats.org/officeDocument/2006/relationships" xmlns:p="http://schemas.openxmlformats.org/presentationml/2006/main">
   <p:cSld>
@@ -28077,7 +28801,7 @@
             <p:ph idx="1"/>
             <p:extLst>
               <p:ext uri="{D42A27DB-BD31-4B8C-83A1-F6EECF244321}">
-                <p14:modId xmlns:p14="http://schemas.microsoft.com/office/powerpoint/2010/main" val="1689111666"/>
+                <p14:modId xmlns:p14="http://schemas.microsoft.com/office/powerpoint/2010/main" val="2545810601"/>
               </p:ext>
             </p:extLst>
           </p:nvPr>
@@ -28719,6 +29443,263 @@
 </file>
 
 <file path=ppt/slides/slide6.xml><?xml version="1.0" encoding="utf-8"?>
+<p:sld xmlns:a="http://schemas.openxmlformats.org/drawingml/2006/main" xmlns:r="http://schemas.openxmlformats.org/officeDocument/2006/relationships" xmlns:p="http://schemas.openxmlformats.org/presentationml/2006/main">
+  <p:cSld>
+    <p:bg>
+      <p:bgPr>
+        <a:solidFill>
+          <a:schemeClr val="bg1"/>
+        </a:solidFill>
+        <a:effectLst/>
+      </p:bgPr>
+    </p:bg>
+    <p:spTree>
+      <p:nvGrpSpPr>
+        <p:cNvPr id="1" name=""/>
+        <p:cNvGrpSpPr/>
+        <p:nvPr/>
+      </p:nvGrpSpPr>
+      <p:grpSpPr>
+        <a:xfrm>
+          <a:off x="0" y="0"/>
+          <a:ext cx="0" cy="0"/>
+          <a:chOff x="0" y="0"/>
+          <a:chExt cx="0" cy="0"/>
+        </a:xfrm>
+      </p:grpSpPr>
+      <p:sp useBgFill="1">
+        <p:nvSpPr>
+          <p:cNvPr id="18" name="Rectangle 17">
+            <a:extLst>
+              <a:ext uri="{FF2B5EF4-FFF2-40B4-BE49-F238E27FC236}">
+                <a16:creationId xmlns:a16="http://schemas.microsoft.com/office/drawing/2014/main" id="{A254D376-7060-4491-9779-FC35E62F3F6F}"/>
+              </a:ext>
+              <a:ext uri="{C183D7F6-B498-43B3-948B-1728B52AA6E4}">
+                <adec:decorative xmlns:adec="http://schemas.microsoft.com/office/drawing/2017/decorative" val="1"/>
+              </a:ext>
+            </a:extLst>
+          </p:cNvPr>
+          <p:cNvSpPr>
+            <a:spLocks noGrp="1" noRot="1" noChangeAspect="1" noMove="1" noResize="1" noEditPoints="1" noAdjustHandles="1" noChangeArrowheads="1" noChangeShapeType="1" noTextEdit="1"/>
+          </p:cNvSpPr>
+          <p:nvPr>
+            <p:extLst>
+              <p:ext uri="{386F3935-93C4-4BCD-93E2-E3B085C9AB24}">
+                <p16:designElem xmlns:p16="http://schemas.microsoft.com/office/powerpoint/2015/main" val="1"/>
+              </p:ext>
+            </p:extLst>
+          </p:nvPr>
+        </p:nvSpPr>
+        <p:spPr>
+          <a:xfrm>
+            <a:off x="-1" y="0"/>
+            <a:ext cx="12188952" cy="6858000"/>
+          </a:xfrm>
+          <a:prstGeom prst="rect">
+            <a:avLst/>
+          </a:prstGeom>
+          <a:ln>
+            <a:noFill/>
+          </a:ln>
+        </p:spPr>
+        <p:style>
+          <a:lnRef idx="2">
+            <a:schemeClr val="accent1">
+              <a:shade val="50000"/>
+            </a:schemeClr>
+          </a:lnRef>
+          <a:fillRef idx="1">
+            <a:schemeClr val="accent1"/>
+          </a:fillRef>
+          <a:effectRef idx="0">
+            <a:schemeClr val="accent1"/>
+          </a:effectRef>
+          <a:fontRef idx="minor">
+            <a:schemeClr val="lt1"/>
+          </a:fontRef>
+        </p:style>
+        <p:txBody>
+          <a:bodyPr rtlCol="0" anchor="ctr"/>
+          <a:lstStyle/>
+          <a:p>
+            <a:pPr algn="ctr"/>
+            <a:endParaRPr lang="en-US" dirty="0"/>
+          </a:p>
+        </p:txBody>
+      </p:sp>
+      <p:sp>
+        <p:nvSpPr>
+          <p:cNvPr id="2" name="Title 1">
+            <a:extLst>
+              <a:ext uri="{FF2B5EF4-FFF2-40B4-BE49-F238E27FC236}">
+                <a16:creationId xmlns:a16="http://schemas.microsoft.com/office/drawing/2014/main" id="{D7E54925-1CB7-2822-5360-56926B35BBF4}"/>
+              </a:ext>
+            </a:extLst>
+          </p:cNvPr>
+          <p:cNvSpPr>
+            <a:spLocks noGrp="1"/>
+          </p:cNvSpPr>
+          <p:nvPr>
+            <p:ph type="title"/>
+          </p:nvPr>
+        </p:nvSpPr>
+        <p:spPr>
+          <a:xfrm>
+            <a:off x="838200" y="5186423"/>
+            <a:ext cx="10515600" cy="1114382"/>
+          </a:xfrm>
+        </p:spPr>
+        <p:txBody>
+          <a:bodyPr vert="horz" lIns="91440" tIns="45720" rIns="91440" bIns="45720" rtlCol="0" anchor="ctr">
+            <a:normAutofit/>
+          </a:bodyPr>
+          <a:lstStyle/>
+          <a:p>
+            <a:pPr algn="ctr"/>
+            <a:r>
+              <a:rPr lang="en-US" dirty="0"/>
+              <a:t>NIH Funded Fellowships from CDI Trainees</a:t>
+            </a:r>
+          </a:p>
+        </p:txBody>
+      </p:sp>
+      <p:pic>
+        <p:nvPicPr>
+          <p:cNvPr id="5" name="Picture 4" descr="A close-up of words&#10;&#10;AI-generated content may be incorrect.">
+            <a:extLst>
+              <a:ext uri="{FF2B5EF4-FFF2-40B4-BE49-F238E27FC236}">
+                <a16:creationId xmlns:a16="http://schemas.microsoft.com/office/drawing/2014/main" id="{0F4627EA-044F-BC49-1FC8-3574D34D8C60}"/>
+              </a:ext>
+            </a:extLst>
+          </p:cNvPr>
+          <p:cNvPicPr>
+            <a:picLocks noChangeAspect="1"/>
+          </p:cNvPicPr>
+          <p:nvPr/>
+        </p:nvPicPr>
+        <p:blipFill>
+          <a:blip r:embed="rId2"/>
+          <a:srcRect t="2610" b="16740"/>
+          <a:stretch>
+            <a:fillRect/>
+          </a:stretch>
+        </p:blipFill>
+        <p:spPr>
+          <a:xfrm>
+            <a:off x="20" y="10"/>
+            <a:ext cx="12191980" cy="5014697"/>
+          </a:xfrm>
+          <a:prstGeom prst="rect">
+            <a:avLst/>
+          </a:prstGeom>
+        </p:spPr>
+      </p:pic>
+    </p:spTree>
+    <p:extLst>
+      <p:ext uri="{BB962C8B-B14F-4D97-AF65-F5344CB8AC3E}">
+        <p14:creationId xmlns:p14="http://schemas.microsoft.com/office/powerpoint/2010/main" val="2186776230"/>
+      </p:ext>
+    </p:extLst>
+  </p:cSld>
+  <p:clrMapOvr>
+    <a:masterClrMapping/>
+  </p:clrMapOvr>
+  <p:timing>
+    <p:tnLst>
+      <p:par>
+        <p:cTn id="1" dur="indefinite" restart="never" nodeType="tmRoot">
+          <p:childTnLst>
+            <p:seq concurrent="1" nextAc="seek">
+              <p:cTn id="2" dur="indefinite" nodeType="mainSeq">
+                <p:childTnLst>
+                  <p:par>
+                    <p:cTn id="3" fill="hold">
+                      <p:stCondLst>
+                        <p:cond delay="indefinite"/>
+                        <p:cond evt="onBegin" delay="0">
+                          <p:tn val="2"/>
+                        </p:cond>
+                      </p:stCondLst>
+                      <p:childTnLst>
+                        <p:par>
+                          <p:cTn id="4" fill="hold">
+                            <p:stCondLst>
+                              <p:cond delay="0"/>
+                            </p:stCondLst>
+                            <p:childTnLst>
+                              <p:par>
+                                <p:cTn id="5" presetID="10" presetClass="entr" presetSubtype="0" fill="hold" grpId="0" nodeType="withEffect">
+                                  <p:stCondLst>
+                                    <p:cond delay="1000"/>
+                                  </p:stCondLst>
+                                  <p:iterate type="lt">
+                                    <p:tmPct val="10000"/>
+                                  </p:iterate>
+                                  <p:childTnLst>
+                                    <p:set>
+                                      <p:cBhvr>
+                                        <p:cTn id="6" dur="1" fill="hold">
+                                          <p:stCondLst>
+                                            <p:cond delay="0"/>
+                                          </p:stCondLst>
+                                        </p:cTn>
+                                        <p:tgtEl>
+                                          <p:spTgt spid="2"/>
+                                        </p:tgtEl>
+                                        <p:attrNameLst>
+                                          <p:attrName>style.visibility</p:attrName>
+                                        </p:attrNameLst>
+                                      </p:cBhvr>
+                                      <p:to>
+                                        <p:strVal val="visible"/>
+                                      </p:to>
+                                    </p:set>
+                                    <p:animEffect transition="in" filter="fade">
+                                      <p:cBhvr>
+                                        <p:cTn id="7" dur="400"/>
+                                        <p:tgtEl>
+                                          <p:spTgt spid="2"/>
+                                        </p:tgtEl>
+                                      </p:cBhvr>
+                                    </p:animEffect>
+                                  </p:childTnLst>
+                                </p:cTn>
+                              </p:par>
+                            </p:childTnLst>
+                          </p:cTn>
+                        </p:par>
+                      </p:childTnLst>
+                    </p:cTn>
+                  </p:par>
+                </p:childTnLst>
+              </p:cTn>
+              <p:prevCondLst>
+                <p:cond evt="onPrev" delay="0">
+                  <p:tgtEl>
+                    <p:sldTgt/>
+                  </p:tgtEl>
+                </p:cond>
+              </p:prevCondLst>
+              <p:nextCondLst>
+                <p:cond evt="onNext" delay="0">
+                  <p:tgtEl>
+                    <p:sldTgt/>
+                  </p:tgtEl>
+                </p:cond>
+              </p:nextCondLst>
+            </p:seq>
+          </p:childTnLst>
+        </p:cTn>
+      </p:par>
+    </p:tnLst>
+    <p:bldLst>
+      <p:bldP spid="2" grpId="0"/>
+    </p:bldLst>
+  </p:timing>
+</p:sld>
+</file>
+
+<file path=ppt/slides/slide7.xml><?xml version="1.0" encoding="utf-8"?>
 <p:sld xmlns:a="http://schemas.openxmlformats.org/drawingml/2006/main" xmlns:r="http://schemas.openxmlformats.org/officeDocument/2006/relationships" xmlns:p="http://schemas.openxmlformats.org/presentationml/2006/main">
   <p:cSld>
     <p:bg>
@@ -29119,396 +30100,6 @@
           </a:prstGeom>
         </p:spPr>
       </p:pic>
-      <p:cxnSp>
-        <p:nvCxnSpPr>
-          <p:cNvPr id="8" name="Straight Arrow Connector 7">
-            <a:extLst>
-              <a:ext uri="{FF2B5EF4-FFF2-40B4-BE49-F238E27FC236}">
-                <a16:creationId xmlns:a16="http://schemas.microsoft.com/office/drawing/2014/main" id="{8A8223FD-AF02-4CCB-E132-6719580807E7}"/>
-              </a:ext>
-            </a:extLst>
-          </p:cNvPr>
-          <p:cNvCxnSpPr/>
-          <p:nvPr/>
-        </p:nvCxnSpPr>
-        <p:spPr>
-          <a:xfrm flipH="1">
-            <a:off x="7148129" y="2701054"/>
-            <a:ext cx="1082597" cy="0"/>
-          </a:xfrm>
-          <a:prstGeom prst="straightConnector1">
-            <a:avLst/>
-          </a:prstGeom>
-          <a:ln w="47625">
-            <a:tailEnd type="triangle"/>
-          </a:ln>
-        </p:spPr>
-        <p:style>
-          <a:lnRef idx="2">
-            <a:schemeClr val="accent1"/>
-          </a:lnRef>
-          <a:fillRef idx="0">
-            <a:schemeClr val="accent1"/>
-          </a:fillRef>
-          <a:effectRef idx="1">
-            <a:schemeClr val="accent1"/>
-          </a:effectRef>
-          <a:fontRef idx="minor">
-            <a:schemeClr val="tx1"/>
-          </a:fontRef>
-        </p:style>
-      </p:cxnSp>
-      <p:cxnSp>
-        <p:nvCxnSpPr>
-          <p:cNvPr id="9" name="Straight Arrow Connector 8">
-            <a:extLst>
-              <a:ext uri="{FF2B5EF4-FFF2-40B4-BE49-F238E27FC236}">
-                <a16:creationId xmlns:a16="http://schemas.microsoft.com/office/drawing/2014/main" id="{CE9031CC-B20E-F2F7-3466-C86973818B52}"/>
-              </a:ext>
-            </a:extLst>
-          </p:cNvPr>
-          <p:cNvCxnSpPr/>
-          <p:nvPr/>
-        </p:nvCxnSpPr>
-        <p:spPr>
-          <a:xfrm flipH="1">
-            <a:off x="7556045" y="3092940"/>
-            <a:ext cx="1082597" cy="0"/>
-          </a:xfrm>
-          <a:prstGeom prst="straightConnector1">
-            <a:avLst/>
-          </a:prstGeom>
-          <a:ln w="47625">
-            <a:tailEnd type="triangle"/>
-          </a:ln>
-        </p:spPr>
-        <p:style>
-          <a:lnRef idx="2">
-            <a:schemeClr val="accent1"/>
-          </a:lnRef>
-          <a:fillRef idx="0">
-            <a:schemeClr val="accent1"/>
-          </a:fillRef>
-          <a:effectRef idx="1">
-            <a:schemeClr val="accent1"/>
-          </a:effectRef>
-          <a:fontRef idx="minor">
-            <a:schemeClr val="tx1"/>
-          </a:fontRef>
-        </p:style>
-      </p:cxnSp>
-      <p:cxnSp>
-        <p:nvCxnSpPr>
-          <p:cNvPr id="11" name="Straight Arrow Connector 10">
-            <a:extLst>
-              <a:ext uri="{FF2B5EF4-FFF2-40B4-BE49-F238E27FC236}">
-                <a16:creationId xmlns:a16="http://schemas.microsoft.com/office/drawing/2014/main" id="{1BC67074-7BF5-96D9-394B-12A89A68FF57}"/>
-              </a:ext>
-            </a:extLst>
-          </p:cNvPr>
-          <p:cNvCxnSpPr/>
-          <p:nvPr/>
-        </p:nvCxnSpPr>
-        <p:spPr>
-          <a:xfrm flipH="1">
-            <a:off x="6236758" y="3294821"/>
-            <a:ext cx="1082597" cy="0"/>
-          </a:xfrm>
-          <a:prstGeom prst="straightConnector1">
-            <a:avLst/>
-          </a:prstGeom>
-          <a:ln w="47625">
-            <a:tailEnd type="triangle"/>
-          </a:ln>
-        </p:spPr>
-        <p:style>
-          <a:lnRef idx="2">
-            <a:schemeClr val="accent1"/>
-          </a:lnRef>
-          <a:fillRef idx="0">
-            <a:schemeClr val="accent1"/>
-          </a:fillRef>
-          <a:effectRef idx="1">
-            <a:schemeClr val="accent1"/>
-          </a:effectRef>
-          <a:fontRef idx="minor">
-            <a:schemeClr val="tx1"/>
-          </a:fontRef>
-        </p:style>
-      </p:cxnSp>
-      <p:cxnSp>
-        <p:nvCxnSpPr>
-          <p:cNvPr id="15" name="Straight Arrow Connector 14">
-            <a:extLst>
-              <a:ext uri="{FF2B5EF4-FFF2-40B4-BE49-F238E27FC236}">
-                <a16:creationId xmlns:a16="http://schemas.microsoft.com/office/drawing/2014/main" id="{D2B5B10E-893E-DABD-EE8E-AFDE9560D2F3}"/>
-              </a:ext>
-            </a:extLst>
-          </p:cNvPr>
-          <p:cNvCxnSpPr/>
-          <p:nvPr/>
-        </p:nvCxnSpPr>
-        <p:spPr>
-          <a:xfrm flipH="1">
-            <a:off x="7148129" y="3770420"/>
-            <a:ext cx="1082597" cy="0"/>
-          </a:xfrm>
-          <a:prstGeom prst="straightConnector1">
-            <a:avLst/>
-          </a:prstGeom>
-          <a:ln w="47625">
-            <a:tailEnd type="triangle"/>
-          </a:ln>
-        </p:spPr>
-        <p:style>
-          <a:lnRef idx="2">
-            <a:schemeClr val="accent1"/>
-          </a:lnRef>
-          <a:fillRef idx="0">
-            <a:schemeClr val="accent1"/>
-          </a:fillRef>
-          <a:effectRef idx="1">
-            <a:schemeClr val="accent1"/>
-          </a:effectRef>
-          <a:fontRef idx="minor">
-            <a:schemeClr val="tx1"/>
-          </a:fontRef>
-        </p:style>
-      </p:cxnSp>
-      <p:cxnSp>
-        <p:nvCxnSpPr>
-          <p:cNvPr id="18" name="Straight Arrow Connector 17">
-            <a:extLst>
-              <a:ext uri="{FF2B5EF4-FFF2-40B4-BE49-F238E27FC236}">
-                <a16:creationId xmlns:a16="http://schemas.microsoft.com/office/drawing/2014/main" id="{2A500F3E-8DF6-480A-A201-AEEF80698A01}"/>
-              </a:ext>
-            </a:extLst>
-          </p:cNvPr>
-          <p:cNvCxnSpPr/>
-          <p:nvPr/>
-        </p:nvCxnSpPr>
-        <p:spPr>
-          <a:xfrm flipH="1">
-            <a:off x="7319355" y="4388523"/>
-            <a:ext cx="1082597" cy="0"/>
-          </a:xfrm>
-          <a:prstGeom prst="straightConnector1">
-            <a:avLst/>
-          </a:prstGeom>
-          <a:ln w="47625">
-            <a:tailEnd type="triangle"/>
-          </a:ln>
-        </p:spPr>
-        <p:style>
-          <a:lnRef idx="2">
-            <a:schemeClr val="accent1"/>
-          </a:lnRef>
-          <a:fillRef idx="0">
-            <a:schemeClr val="accent1"/>
-          </a:fillRef>
-          <a:effectRef idx="1">
-            <a:schemeClr val="accent1"/>
-          </a:effectRef>
-          <a:fontRef idx="minor">
-            <a:schemeClr val="tx1"/>
-          </a:fontRef>
-        </p:style>
-      </p:cxnSp>
-      <p:cxnSp>
-        <p:nvCxnSpPr>
-          <p:cNvPr id="22" name="Straight Arrow Connector 21">
-            <a:extLst>
-              <a:ext uri="{FF2B5EF4-FFF2-40B4-BE49-F238E27FC236}">
-                <a16:creationId xmlns:a16="http://schemas.microsoft.com/office/drawing/2014/main" id="{403D1852-0C24-E27B-C82B-B33353E33F21}"/>
-              </a:ext>
-            </a:extLst>
-          </p:cNvPr>
-          <p:cNvCxnSpPr/>
-          <p:nvPr/>
-        </p:nvCxnSpPr>
-        <p:spPr>
-          <a:xfrm flipH="1">
-            <a:off x="6281914" y="5862822"/>
-            <a:ext cx="1082597" cy="0"/>
-          </a:xfrm>
-          <a:prstGeom prst="straightConnector1">
-            <a:avLst/>
-          </a:prstGeom>
-          <a:ln w="47625">
-            <a:tailEnd type="triangle"/>
-          </a:ln>
-        </p:spPr>
-        <p:style>
-          <a:lnRef idx="2">
-            <a:schemeClr val="accent1"/>
-          </a:lnRef>
-          <a:fillRef idx="0">
-            <a:schemeClr val="accent1"/>
-          </a:fillRef>
-          <a:effectRef idx="1">
-            <a:schemeClr val="accent1"/>
-          </a:effectRef>
-          <a:fontRef idx="minor">
-            <a:schemeClr val="tx1"/>
-          </a:fontRef>
-        </p:style>
-      </p:cxnSp>
-      <p:cxnSp>
-        <p:nvCxnSpPr>
-          <p:cNvPr id="23" name="Straight Arrow Connector 22">
-            <a:extLst>
-              <a:ext uri="{FF2B5EF4-FFF2-40B4-BE49-F238E27FC236}">
-                <a16:creationId xmlns:a16="http://schemas.microsoft.com/office/drawing/2014/main" id="{49823336-180B-4A37-4E02-7CB974B9C999}"/>
-              </a:ext>
-            </a:extLst>
-          </p:cNvPr>
-          <p:cNvCxnSpPr/>
-          <p:nvPr/>
-        </p:nvCxnSpPr>
-        <p:spPr>
-          <a:xfrm flipH="1">
-            <a:off x="6110688" y="6266583"/>
-            <a:ext cx="1082597" cy="0"/>
-          </a:xfrm>
-          <a:prstGeom prst="straightConnector1">
-            <a:avLst/>
-          </a:prstGeom>
-          <a:ln w="47625">
-            <a:tailEnd type="triangle"/>
-          </a:ln>
-        </p:spPr>
-        <p:style>
-          <a:lnRef idx="2">
-            <a:schemeClr val="accent1"/>
-          </a:lnRef>
-          <a:fillRef idx="0">
-            <a:schemeClr val="accent1"/>
-          </a:fillRef>
-          <a:effectRef idx="1">
-            <a:schemeClr val="accent1"/>
-          </a:effectRef>
-          <a:fontRef idx="minor">
-            <a:schemeClr val="tx1"/>
-          </a:fontRef>
-        </p:style>
-      </p:cxnSp>
-      <p:cxnSp>
-        <p:nvCxnSpPr>
-          <p:cNvPr id="25" name="Straight Arrow Connector 24">
-            <a:extLst>
-              <a:ext uri="{FF2B5EF4-FFF2-40B4-BE49-F238E27FC236}">
-                <a16:creationId xmlns:a16="http://schemas.microsoft.com/office/drawing/2014/main" id="{C97307B9-DCC1-FAB0-2B7E-CFDA45F47FD3}"/>
-              </a:ext>
-            </a:extLst>
-          </p:cNvPr>
-          <p:cNvCxnSpPr/>
-          <p:nvPr/>
-        </p:nvCxnSpPr>
-        <p:spPr>
-          <a:xfrm flipH="1">
-            <a:off x="6554130" y="3503803"/>
-            <a:ext cx="1082597" cy="0"/>
-          </a:xfrm>
-          <a:prstGeom prst="straightConnector1">
-            <a:avLst/>
-          </a:prstGeom>
-          <a:ln w="47625">
-            <a:tailEnd type="triangle"/>
-          </a:ln>
-        </p:spPr>
-        <p:style>
-          <a:lnRef idx="2">
-            <a:schemeClr val="accent1"/>
-          </a:lnRef>
-          <a:fillRef idx="0">
-            <a:schemeClr val="accent1"/>
-          </a:fillRef>
-          <a:effectRef idx="1">
-            <a:schemeClr val="accent1"/>
-          </a:effectRef>
-          <a:fontRef idx="minor">
-            <a:schemeClr val="tx1"/>
-          </a:fontRef>
-        </p:style>
-      </p:cxnSp>
-      <p:cxnSp>
-        <p:nvCxnSpPr>
-          <p:cNvPr id="26" name="Straight Arrow Connector 25">
-            <a:extLst>
-              <a:ext uri="{FF2B5EF4-FFF2-40B4-BE49-F238E27FC236}">
-                <a16:creationId xmlns:a16="http://schemas.microsoft.com/office/drawing/2014/main" id="{92F5003F-FDE6-438C-2A79-C8C6D8505FCA}"/>
-              </a:ext>
-            </a:extLst>
-          </p:cNvPr>
-          <p:cNvCxnSpPr/>
-          <p:nvPr/>
-        </p:nvCxnSpPr>
-        <p:spPr>
-          <a:xfrm flipH="1">
-            <a:off x="7689427" y="5063662"/>
-            <a:ext cx="1082597" cy="0"/>
-          </a:xfrm>
-          <a:prstGeom prst="straightConnector1">
-            <a:avLst/>
-          </a:prstGeom>
-          <a:ln w="47625">
-            <a:tailEnd type="triangle"/>
-          </a:ln>
-        </p:spPr>
-        <p:style>
-          <a:lnRef idx="2">
-            <a:schemeClr val="accent1"/>
-          </a:lnRef>
-          <a:fillRef idx="0">
-            <a:schemeClr val="accent1"/>
-          </a:fillRef>
-          <a:effectRef idx="1">
-            <a:schemeClr val="accent1"/>
-          </a:effectRef>
-          <a:fontRef idx="minor">
-            <a:schemeClr val="tx1"/>
-          </a:fontRef>
-        </p:style>
-      </p:cxnSp>
-      <p:cxnSp>
-        <p:nvCxnSpPr>
-          <p:cNvPr id="27" name="Straight Arrow Connector 26">
-            <a:extLst>
-              <a:ext uri="{FF2B5EF4-FFF2-40B4-BE49-F238E27FC236}">
-                <a16:creationId xmlns:a16="http://schemas.microsoft.com/office/drawing/2014/main" id="{9C6C967D-FAF0-63E1-F697-76EC032A2628}"/>
-              </a:ext>
-            </a:extLst>
-          </p:cNvPr>
-          <p:cNvCxnSpPr/>
-          <p:nvPr/>
-        </p:nvCxnSpPr>
-        <p:spPr>
-          <a:xfrm flipH="1">
-            <a:off x="6410292" y="6082982"/>
-            <a:ext cx="1082597" cy="0"/>
-          </a:xfrm>
-          <a:prstGeom prst="straightConnector1">
-            <a:avLst/>
-          </a:prstGeom>
-          <a:ln w="47625">
-            <a:tailEnd type="triangle"/>
-          </a:ln>
-        </p:spPr>
-        <p:style>
-          <a:lnRef idx="2">
-            <a:schemeClr val="accent1"/>
-          </a:lnRef>
-          <a:fillRef idx="0">
-            <a:schemeClr val="accent1"/>
-          </a:fillRef>
-          <a:effectRef idx="1">
-            <a:schemeClr val="accent1"/>
-          </a:effectRef>
-          <a:fontRef idx="minor">
-            <a:schemeClr val="tx1"/>
-          </a:fontRef>
-        </p:style>
-      </p:cxnSp>
       <p:sp>
         <p:nvSpPr>
           <p:cNvPr id="3" name="TextBox 2">
@@ -29584,824 +30175,285 @@
   <p:clrMapOvr>
     <a:masterClrMapping/>
   </p:clrMapOvr>
-  <p:timing>
-    <p:tnLst>
-      <p:par>
-        <p:cTn id="1" dur="indefinite" restart="never" nodeType="tmRoot">
-          <p:childTnLst>
-            <p:seq concurrent="1" nextAc="seek">
-              <p:cTn id="2" dur="indefinite" nodeType="mainSeq">
-                <p:childTnLst>
-                  <p:par>
-                    <p:cTn id="3" fill="hold">
-                      <p:stCondLst>
-                        <p:cond delay="indefinite"/>
-                      </p:stCondLst>
-                      <p:childTnLst>
-                        <p:par>
-                          <p:cTn id="4" fill="hold">
-                            <p:stCondLst>
-                              <p:cond delay="0"/>
-                            </p:stCondLst>
-                            <p:childTnLst>
-                              <p:par>
-                                <p:cTn id="5" presetID="2" presetClass="entr" presetSubtype="2" fill="hold" nodeType="clickEffect">
-                                  <p:stCondLst>
-                                    <p:cond delay="0"/>
-                                  </p:stCondLst>
-                                  <p:childTnLst>
-                                    <p:set>
-                                      <p:cBhvr>
-                                        <p:cTn id="6" dur="1" fill="hold">
-                                          <p:stCondLst>
-                                            <p:cond delay="0"/>
-                                          </p:stCondLst>
-                                        </p:cTn>
-                                        <p:tgtEl>
-                                          <p:spTgt spid="11"/>
-                                        </p:tgtEl>
-                                        <p:attrNameLst>
-                                          <p:attrName>style.visibility</p:attrName>
-                                        </p:attrNameLst>
-                                      </p:cBhvr>
-                                      <p:to>
-                                        <p:strVal val="visible"/>
-                                      </p:to>
-                                    </p:set>
-                                    <p:anim calcmode="lin" valueType="num">
-                                      <p:cBhvr additive="base">
-                                        <p:cTn id="7" dur="500" fill="hold"/>
-                                        <p:tgtEl>
-                                          <p:spTgt spid="11"/>
-                                        </p:tgtEl>
-                                        <p:attrNameLst>
-                                          <p:attrName>ppt_x</p:attrName>
-                                        </p:attrNameLst>
-                                      </p:cBhvr>
-                                      <p:tavLst>
-                                        <p:tav tm="0">
-                                          <p:val>
-                                            <p:strVal val="1+#ppt_w/2"/>
-                                          </p:val>
-                                        </p:tav>
-                                        <p:tav tm="100000">
-                                          <p:val>
-                                            <p:strVal val="#ppt_x"/>
-                                          </p:val>
-                                        </p:tav>
-                                      </p:tavLst>
-                                    </p:anim>
-                                    <p:anim calcmode="lin" valueType="num">
-                                      <p:cBhvr additive="base">
-                                        <p:cTn id="8" dur="500" fill="hold"/>
-                                        <p:tgtEl>
-                                          <p:spTgt spid="11"/>
-                                        </p:tgtEl>
-                                        <p:attrNameLst>
-                                          <p:attrName>ppt_y</p:attrName>
-                                        </p:attrNameLst>
-                                      </p:cBhvr>
-                                      <p:tavLst>
-                                        <p:tav tm="0">
-                                          <p:val>
-                                            <p:strVal val="#ppt_y"/>
-                                          </p:val>
-                                        </p:tav>
-                                        <p:tav tm="100000">
-                                          <p:val>
-                                            <p:strVal val="#ppt_y"/>
-                                          </p:val>
-                                        </p:tav>
-                                      </p:tavLst>
-                                    </p:anim>
-                                  </p:childTnLst>
-                                </p:cTn>
-                              </p:par>
-                              <p:par>
-                                <p:cTn id="9" presetID="2" presetClass="entr" presetSubtype="2" fill="hold" nodeType="withEffect">
-                                  <p:stCondLst>
-                                    <p:cond delay="0"/>
-                                  </p:stCondLst>
-                                  <p:childTnLst>
-                                    <p:set>
-                                      <p:cBhvr>
-                                        <p:cTn id="10" dur="1" fill="hold">
-                                          <p:stCondLst>
-                                            <p:cond delay="0"/>
-                                          </p:stCondLst>
-                                        </p:cTn>
-                                        <p:tgtEl>
-                                          <p:spTgt spid="23"/>
-                                        </p:tgtEl>
-                                        <p:attrNameLst>
-                                          <p:attrName>style.visibility</p:attrName>
-                                        </p:attrNameLst>
-                                      </p:cBhvr>
-                                      <p:to>
-                                        <p:strVal val="visible"/>
-                                      </p:to>
-                                    </p:set>
-                                    <p:anim calcmode="lin" valueType="num">
-                                      <p:cBhvr additive="base">
-                                        <p:cTn id="11" dur="500" fill="hold"/>
-                                        <p:tgtEl>
-                                          <p:spTgt spid="23"/>
-                                        </p:tgtEl>
-                                        <p:attrNameLst>
-                                          <p:attrName>ppt_x</p:attrName>
-                                        </p:attrNameLst>
-                                      </p:cBhvr>
-                                      <p:tavLst>
-                                        <p:tav tm="0">
-                                          <p:val>
-                                            <p:strVal val="1+#ppt_w/2"/>
-                                          </p:val>
-                                        </p:tav>
-                                        <p:tav tm="100000">
-                                          <p:val>
-                                            <p:strVal val="#ppt_x"/>
-                                          </p:val>
-                                        </p:tav>
-                                      </p:tavLst>
-                                    </p:anim>
-                                    <p:anim calcmode="lin" valueType="num">
-                                      <p:cBhvr additive="base">
-                                        <p:cTn id="12" dur="500" fill="hold"/>
-                                        <p:tgtEl>
-                                          <p:spTgt spid="23"/>
-                                        </p:tgtEl>
-                                        <p:attrNameLst>
-                                          <p:attrName>ppt_y</p:attrName>
-                                        </p:attrNameLst>
-                                      </p:cBhvr>
-                                      <p:tavLst>
-                                        <p:tav tm="0">
-                                          <p:val>
-                                            <p:strVal val="#ppt_y"/>
-                                          </p:val>
-                                        </p:tav>
-                                        <p:tav tm="100000">
-                                          <p:val>
-                                            <p:strVal val="#ppt_y"/>
-                                          </p:val>
-                                        </p:tav>
-                                      </p:tavLst>
-                                    </p:anim>
-                                  </p:childTnLst>
-                                </p:cTn>
-                              </p:par>
-                            </p:childTnLst>
-                          </p:cTn>
-                        </p:par>
-                      </p:childTnLst>
-                    </p:cTn>
-                  </p:par>
-                  <p:par>
-                    <p:cTn id="13" fill="hold">
-                      <p:stCondLst>
-                        <p:cond delay="indefinite"/>
-                      </p:stCondLst>
-                      <p:childTnLst>
-                        <p:par>
-                          <p:cTn id="14" fill="hold">
-                            <p:stCondLst>
-                              <p:cond delay="0"/>
-                            </p:stCondLst>
-                            <p:childTnLst>
-                              <p:par>
-                                <p:cTn id="15" presetID="2" presetClass="entr" presetSubtype="2" fill="hold" nodeType="clickEffect">
-                                  <p:stCondLst>
-                                    <p:cond delay="0"/>
-                                  </p:stCondLst>
-                                  <p:childTnLst>
-                                    <p:set>
-                                      <p:cBhvr>
-                                        <p:cTn id="16" dur="1" fill="hold">
-                                          <p:stCondLst>
-                                            <p:cond delay="0"/>
-                                          </p:stCondLst>
-                                        </p:cTn>
-                                        <p:tgtEl>
-                                          <p:spTgt spid="22"/>
-                                        </p:tgtEl>
-                                        <p:attrNameLst>
-                                          <p:attrName>style.visibility</p:attrName>
-                                        </p:attrNameLst>
-                                      </p:cBhvr>
-                                      <p:to>
-                                        <p:strVal val="visible"/>
-                                      </p:to>
-                                    </p:set>
-                                    <p:anim calcmode="lin" valueType="num">
-                                      <p:cBhvr additive="base">
-                                        <p:cTn id="17" dur="500" fill="hold"/>
-                                        <p:tgtEl>
-                                          <p:spTgt spid="22"/>
-                                        </p:tgtEl>
-                                        <p:attrNameLst>
-                                          <p:attrName>ppt_x</p:attrName>
-                                        </p:attrNameLst>
-                                      </p:cBhvr>
-                                      <p:tavLst>
-                                        <p:tav tm="0">
-                                          <p:val>
-                                            <p:strVal val="1+#ppt_w/2"/>
-                                          </p:val>
-                                        </p:tav>
-                                        <p:tav tm="100000">
-                                          <p:val>
-                                            <p:strVal val="#ppt_x"/>
-                                          </p:val>
-                                        </p:tav>
-                                      </p:tavLst>
-                                    </p:anim>
-                                    <p:anim calcmode="lin" valueType="num">
-                                      <p:cBhvr additive="base">
-                                        <p:cTn id="18" dur="500" fill="hold"/>
-                                        <p:tgtEl>
-                                          <p:spTgt spid="22"/>
-                                        </p:tgtEl>
-                                        <p:attrNameLst>
-                                          <p:attrName>ppt_y</p:attrName>
-                                        </p:attrNameLst>
-                                      </p:cBhvr>
-                                      <p:tavLst>
-                                        <p:tav tm="0">
-                                          <p:val>
-                                            <p:strVal val="#ppt_y"/>
-                                          </p:val>
-                                        </p:tav>
-                                        <p:tav tm="100000">
-                                          <p:val>
-                                            <p:strVal val="#ppt_y"/>
-                                          </p:val>
-                                        </p:tav>
-                                      </p:tavLst>
-                                    </p:anim>
-                                  </p:childTnLst>
-                                </p:cTn>
-                              </p:par>
-                              <p:par>
-                                <p:cTn id="19" presetID="2" presetClass="entr" presetSubtype="2" fill="hold" nodeType="withEffect">
-                                  <p:stCondLst>
-                                    <p:cond delay="0"/>
-                                  </p:stCondLst>
-                                  <p:childTnLst>
-                                    <p:set>
-                                      <p:cBhvr>
-                                        <p:cTn id="20" dur="1" fill="hold">
-                                          <p:stCondLst>
-                                            <p:cond delay="0"/>
-                                          </p:stCondLst>
-                                        </p:cTn>
-                                        <p:tgtEl>
-                                          <p:spTgt spid="18"/>
-                                        </p:tgtEl>
-                                        <p:attrNameLst>
-                                          <p:attrName>style.visibility</p:attrName>
-                                        </p:attrNameLst>
-                                      </p:cBhvr>
-                                      <p:to>
-                                        <p:strVal val="visible"/>
-                                      </p:to>
-                                    </p:set>
-                                    <p:anim calcmode="lin" valueType="num">
-                                      <p:cBhvr additive="base">
-                                        <p:cTn id="21" dur="500" fill="hold"/>
-                                        <p:tgtEl>
-                                          <p:spTgt spid="18"/>
-                                        </p:tgtEl>
-                                        <p:attrNameLst>
-                                          <p:attrName>ppt_x</p:attrName>
-                                        </p:attrNameLst>
-                                      </p:cBhvr>
-                                      <p:tavLst>
-                                        <p:tav tm="0">
-                                          <p:val>
-                                            <p:strVal val="1+#ppt_w/2"/>
-                                          </p:val>
-                                        </p:tav>
-                                        <p:tav tm="100000">
-                                          <p:val>
-                                            <p:strVal val="#ppt_x"/>
-                                          </p:val>
-                                        </p:tav>
-                                      </p:tavLst>
-                                    </p:anim>
-                                    <p:anim calcmode="lin" valueType="num">
-                                      <p:cBhvr additive="base">
-                                        <p:cTn id="22" dur="500" fill="hold"/>
-                                        <p:tgtEl>
-                                          <p:spTgt spid="18"/>
-                                        </p:tgtEl>
-                                        <p:attrNameLst>
-                                          <p:attrName>ppt_y</p:attrName>
-                                        </p:attrNameLst>
-                                      </p:cBhvr>
-                                      <p:tavLst>
-                                        <p:tav tm="0">
-                                          <p:val>
-                                            <p:strVal val="#ppt_y"/>
-                                          </p:val>
-                                        </p:tav>
-                                        <p:tav tm="100000">
-                                          <p:val>
-                                            <p:strVal val="#ppt_y"/>
-                                          </p:val>
-                                        </p:tav>
-                                      </p:tavLst>
-                                    </p:anim>
-                                  </p:childTnLst>
-                                </p:cTn>
-                              </p:par>
-                              <p:par>
-                                <p:cTn id="23" presetID="2" presetClass="entr" presetSubtype="2" fill="hold" nodeType="withEffect">
-                                  <p:stCondLst>
-                                    <p:cond delay="0"/>
-                                  </p:stCondLst>
-                                  <p:childTnLst>
-                                    <p:set>
-                                      <p:cBhvr>
-                                        <p:cTn id="24" dur="1" fill="hold">
-                                          <p:stCondLst>
-                                            <p:cond delay="0"/>
-                                          </p:stCondLst>
-                                        </p:cTn>
-                                        <p:tgtEl>
-                                          <p:spTgt spid="9"/>
-                                        </p:tgtEl>
-                                        <p:attrNameLst>
-                                          <p:attrName>style.visibility</p:attrName>
-                                        </p:attrNameLst>
-                                      </p:cBhvr>
-                                      <p:to>
-                                        <p:strVal val="visible"/>
-                                      </p:to>
-                                    </p:set>
-                                    <p:anim calcmode="lin" valueType="num">
-                                      <p:cBhvr additive="base">
-                                        <p:cTn id="25" dur="500" fill="hold"/>
-                                        <p:tgtEl>
-                                          <p:spTgt spid="9"/>
-                                        </p:tgtEl>
-                                        <p:attrNameLst>
-                                          <p:attrName>ppt_x</p:attrName>
-                                        </p:attrNameLst>
-                                      </p:cBhvr>
-                                      <p:tavLst>
-                                        <p:tav tm="0">
-                                          <p:val>
-                                            <p:strVal val="1+#ppt_w/2"/>
-                                          </p:val>
-                                        </p:tav>
-                                        <p:tav tm="100000">
-                                          <p:val>
-                                            <p:strVal val="#ppt_x"/>
-                                          </p:val>
-                                        </p:tav>
-                                      </p:tavLst>
-                                    </p:anim>
-                                    <p:anim calcmode="lin" valueType="num">
-                                      <p:cBhvr additive="base">
-                                        <p:cTn id="26" dur="500" fill="hold"/>
-                                        <p:tgtEl>
-                                          <p:spTgt spid="9"/>
-                                        </p:tgtEl>
-                                        <p:attrNameLst>
-                                          <p:attrName>ppt_y</p:attrName>
-                                        </p:attrNameLst>
-                                      </p:cBhvr>
-                                      <p:tavLst>
-                                        <p:tav tm="0">
-                                          <p:val>
-                                            <p:strVal val="#ppt_y"/>
-                                          </p:val>
-                                        </p:tav>
-                                        <p:tav tm="100000">
-                                          <p:val>
-                                            <p:strVal val="#ppt_y"/>
-                                          </p:val>
-                                        </p:tav>
-                                      </p:tavLst>
-                                    </p:anim>
-                                  </p:childTnLst>
-                                </p:cTn>
-                              </p:par>
-                              <p:par>
-                                <p:cTn id="27" presetID="2" presetClass="entr" presetSubtype="2" fill="hold" nodeType="withEffect">
-                                  <p:stCondLst>
-                                    <p:cond delay="0"/>
-                                  </p:stCondLst>
-                                  <p:childTnLst>
-                                    <p:set>
-                                      <p:cBhvr>
-                                        <p:cTn id="28" dur="1" fill="hold">
-                                          <p:stCondLst>
-                                            <p:cond delay="0"/>
-                                          </p:stCondLst>
-                                        </p:cTn>
-                                        <p:tgtEl>
-                                          <p:spTgt spid="8"/>
-                                        </p:tgtEl>
-                                        <p:attrNameLst>
-                                          <p:attrName>style.visibility</p:attrName>
-                                        </p:attrNameLst>
-                                      </p:cBhvr>
-                                      <p:to>
-                                        <p:strVal val="visible"/>
-                                      </p:to>
-                                    </p:set>
-                                    <p:anim calcmode="lin" valueType="num">
-                                      <p:cBhvr additive="base">
-                                        <p:cTn id="29" dur="500" fill="hold"/>
-                                        <p:tgtEl>
-                                          <p:spTgt spid="8"/>
-                                        </p:tgtEl>
-                                        <p:attrNameLst>
-                                          <p:attrName>ppt_x</p:attrName>
-                                        </p:attrNameLst>
-                                      </p:cBhvr>
-                                      <p:tavLst>
-                                        <p:tav tm="0">
-                                          <p:val>
-                                            <p:strVal val="1+#ppt_w/2"/>
-                                          </p:val>
-                                        </p:tav>
-                                        <p:tav tm="100000">
-                                          <p:val>
-                                            <p:strVal val="#ppt_x"/>
-                                          </p:val>
-                                        </p:tav>
-                                      </p:tavLst>
-                                    </p:anim>
-                                    <p:anim calcmode="lin" valueType="num">
-                                      <p:cBhvr additive="base">
-                                        <p:cTn id="30" dur="500" fill="hold"/>
-                                        <p:tgtEl>
-                                          <p:spTgt spid="8"/>
-                                        </p:tgtEl>
-                                        <p:attrNameLst>
-                                          <p:attrName>ppt_y</p:attrName>
-                                        </p:attrNameLst>
-                                      </p:cBhvr>
-                                      <p:tavLst>
-                                        <p:tav tm="0">
-                                          <p:val>
-                                            <p:strVal val="#ppt_y"/>
-                                          </p:val>
-                                        </p:tav>
-                                        <p:tav tm="100000">
-                                          <p:val>
-                                            <p:strVal val="#ppt_y"/>
-                                          </p:val>
-                                        </p:tav>
-                                      </p:tavLst>
-                                    </p:anim>
-                                  </p:childTnLst>
-                                </p:cTn>
-                              </p:par>
-                            </p:childTnLst>
-                          </p:cTn>
-                        </p:par>
-                      </p:childTnLst>
-                    </p:cTn>
-                  </p:par>
-                  <p:par>
-                    <p:cTn id="31" fill="hold">
-                      <p:stCondLst>
-                        <p:cond delay="indefinite"/>
-                      </p:stCondLst>
-                      <p:childTnLst>
-                        <p:par>
-                          <p:cTn id="32" fill="hold">
-                            <p:stCondLst>
-                              <p:cond delay="0"/>
-                            </p:stCondLst>
-                            <p:childTnLst>
-                              <p:par>
-                                <p:cTn id="33" presetID="2" presetClass="entr" presetSubtype="2" fill="hold" nodeType="clickEffect">
-                                  <p:stCondLst>
-                                    <p:cond delay="0"/>
-                                  </p:stCondLst>
-                                  <p:childTnLst>
-                                    <p:set>
-                                      <p:cBhvr>
-                                        <p:cTn id="34" dur="1" fill="hold">
-                                          <p:stCondLst>
-                                            <p:cond delay="0"/>
-                                          </p:stCondLst>
-                                        </p:cTn>
-                                        <p:tgtEl>
-                                          <p:spTgt spid="27"/>
-                                        </p:tgtEl>
-                                        <p:attrNameLst>
-                                          <p:attrName>style.visibility</p:attrName>
-                                        </p:attrNameLst>
-                                      </p:cBhvr>
-                                      <p:to>
-                                        <p:strVal val="visible"/>
-                                      </p:to>
-                                    </p:set>
-                                    <p:anim calcmode="lin" valueType="num">
-                                      <p:cBhvr additive="base">
-                                        <p:cTn id="35" dur="500" fill="hold"/>
-                                        <p:tgtEl>
-                                          <p:spTgt spid="27"/>
-                                        </p:tgtEl>
-                                        <p:attrNameLst>
-                                          <p:attrName>ppt_x</p:attrName>
-                                        </p:attrNameLst>
-                                      </p:cBhvr>
-                                      <p:tavLst>
-                                        <p:tav tm="0">
-                                          <p:val>
-                                            <p:strVal val="1+#ppt_w/2"/>
-                                          </p:val>
-                                        </p:tav>
-                                        <p:tav tm="100000">
-                                          <p:val>
-                                            <p:strVal val="#ppt_x"/>
-                                          </p:val>
-                                        </p:tav>
-                                      </p:tavLst>
-                                    </p:anim>
-                                    <p:anim calcmode="lin" valueType="num">
-                                      <p:cBhvr additive="base">
-                                        <p:cTn id="36" dur="500" fill="hold"/>
-                                        <p:tgtEl>
-                                          <p:spTgt spid="27"/>
-                                        </p:tgtEl>
-                                        <p:attrNameLst>
-                                          <p:attrName>ppt_y</p:attrName>
-                                        </p:attrNameLst>
-                                      </p:cBhvr>
-                                      <p:tavLst>
-                                        <p:tav tm="0">
-                                          <p:val>
-                                            <p:strVal val="#ppt_y"/>
-                                          </p:val>
-                                        </p:tav>
-                                        <p:tav tm="100000">
-                                          <p:val>
-                                            <p:strVal val="#ppt_y"/>
-                                          </p:val>
-                                        </p:tav>
-                                      </p:tavLst>
-                                    </p:anim>
-                                  </p:childTnLst>
-                                </p:cTn>
-                              </p:par>
-                              <p:par>
-                                <p:cTn id="37" presetID="2" presetClass="entr" presetSubtype="2" fill="hold" nodeType="withEffect">
-                                  <p:stCondLst>
-                                    <p:cond delay="0"/>
-                                  </p:stCondLst>
-                                  <p:childTnLst>
-                                    <p:set>
-                                      <p:cBhvr>
-                                        <p:cTn id="38" dur="1" fill="hold">
-                                          <p:stCondLst>
-                                            <p:cond delay="0"/>
-                                          </p:stCondLst>
-                                        </p:cTn>
-                                        <p:tgtEl>
-                                          <p:spTgt spid="26"/>
-                                        </p:tgtEl>
-                                        <p:attrNameLst>
-                                          <p:attrName>style.visibility</p:attrName>
-                                        </p:attrNameLst>
-                                      </p:cBhvr>
-                                      <p:to>
-                                        <p:strVal val="visible"/>
-                                      </p:to>
-                                    </p:set>
-                                    <p:anim calcmode="lin" valueType="num">
-                                      <p:cBhvr additive="base">
-                                        <p:cTn id="39" dur="500" fill="hold"/>
-                                        <p:tgtEl>
-                                          <p:spTgt spid="26"/>
-                                        </p:tgtEl>
-                                        <p:attrNameLst>
-                                          <p:attrName>ppt_x</p:attrName>
-                                        </p:attrNameLst>
-                                      </p:cBhvr>
-                                      <p:tavLst>
-                                        <p:tav tm="0">
-                                          <p:val>
-                                            <p:strVal val="1+#ppt_w/2"/>
-                                          </p:val>
-                                        </p:tav>
-                                        <p:tav tm="100000">
-                                          <p:val>
-                                            <p:strVal val="#ppt_x"/>
-                                          </p:val>
-                                        </p:tav>
-                                      </p:tavLst>
-                                    </p:anim>
-                                    <p:anim calcmode="lin" valueType="num">
-                                      <p:cBhvr additive="base">
-                                        <p:cTn id="40" dur="500" fill="hold"/>
-                                        <p:tgtEl>
-                                          <p:spTgt spid="26"/>
-                                        </p:tgtEl>
-                                        <p:attrNameLst>
-                                          <p:attrName>ppt_y</p:attrName>
-                                        </p:attrNameLst>
-                                      </p:cBhvr>
-                                      <p:tavLst>
-                                        <p:tav tm="0">
-                                          <p:val>
-                                            <p:strVal val="#ppt_y"/>
-                                          </p:val>
-                                        </p:tav>
-                                        <p:tav tm="100000">
-                                          <p:val>
-                                            <p:strVal val="#ppt_y"/>
-                                          </p:val>
-                                        </p:tav>
-                                      </p:tavLst>
-                                    </p:anim>
-                                  </p:childTnLst>
-                                </p:cTn>
-                              </p:par>
-                              <p:par>
-                                <p:cTn id="41" presetID="2" presetClass="entr" presetSubtype="2" fill="hold" nodeType="withEffect">
-                                  <p:stCondLst>
-                                    <p:cond delay="0"/>
-                                  </p:stCondLst>
-                                  <p:childTnLst>
-                                    <p:set>
-                                      <p:cBhvr>
-                                        <p:cTn id="42" dur="1" fill="hold">
-                                          <p:stCondLst>
-                                            <p:cond delay="0"/>
-                                          </p:stCondLst>
-                                        </p:cTn>
-                                        <p:tgtEl>
-                                          <p:spTgt spid="15"/>
-                                        </p:tgtEl>
-                                        <p:attrNameLst>
-                                          <p:attrName>style.visibility</p:attrName>
-                                        </p:attrNameLst>
-                                      </p:cBhvr>
-                                      <p:to>
-                                        <p:strVal val="visible"/>
-                                      </p:to>
-                                    </p:set>
-                                    <p:anim calcmode="lin" valueType="num">
-                                      <p:cBhvr additive="base">
-                                        <p:cTn id="43" dur="500" fill="hold"/>
-                                        <p:tgtEl>
-                                          <p:spTgt spid="15"/>
-                                        </p:tgtEl>
-                                        <p:attrNameLst>
-                                          <p:attrName>ppt_x</p:attrName>
-                                        </p:attrNameLst>
-                                      </p:cBhvr>
-                                      <p:tavLst>
-                                        <p:tav tm="0">
-                                          <p:val>
-                                            <p:strVal val="1+#ppt_w/2"/>
-                                          </p:val>
-                                        </p:tav>
-                                        <p:tav tm="100000">
-                                          <p:val>
-                                            <p:strVal val="#ppt_x"/>
-                                          </p:val>
-                                        </p:tav>
-                                      </p:tavLst>
-                                    </p:anim>
-                                    <p:anim calcmode="lin" valueType="num">
-                                      <p:cBhvr additive="base">
-                                        <p:cTn id="44" dur="500" fill="hold"/>
-                                        <p:tgtEl>
-                                          <p:spTgt spid="15"/>
-                                        </p:tgtEl>
-                                        <p:attrNameLst>
-                                          <p:attrName>ppt_y</p:attrName>
-                                        </p:attrNameLst>
-                                      </p:cBhvr>
-                                      <p:tavLst>
-                                        <p:tav tm="0">
-                                          <p:val>
-                                            <p:strVal val="#ppt_y"/>
-                                          </p:val>
-                                        </p:tav>
-                                        <p:tav tm="100000">
-                                          <p:val>
-                                            <p:strVal val="#ppt_y"/>
-                                          </p:val>
-                                        </p:tav>
-                                      </p:tavLst>
-                                    </p:anim>
-                                  </p:childTnLst>
-                                </p:cTn>
-                              </p:par>
-                              <p:par>
-                                <p:cTn id="45" presetID="2" presetClass="entr" presetSubtype="2" fill="hold" nodeType="withEffect">
-                                  <p:stCondLst>
-                                    <p:cond delay="0"/>
-                                  </p:stCondLst>
-                                  <p:childTnLst>
-                                    <p:set>
-                                      <p:cBhvr>
-                                        <p:cTn id="46" dur="1" fill="hold">
-                                          <p:stCondLst>
-                                            <p:cond delay="0"/>
-                                          </p:stCondLst>
-                                        </p:cTn>
-                                        <p:tgtEl>
-                                          <p:spTgt spid="25"/>
-                                        </p:tgtEl>
-                                        <p:attrNameLst>
-                                          <p:attrName>style.visibility</p:attrName>
-                                        </p:attrNameLst>
-                                      </p:cBhvr>
-                                      <p:to>
-                                        <p:strVal val="visible"/>
-                                      </p:to>
-                                    </p:set>
-                                    <p:anim calcmode="lin" valueType="num">
-                                      <p:cBhvr additive="base">
-                                        <p:cTn id="47" dur="500" fill="hold"/>
-                                        <p:tgtEl>
-                                          <p:spTgt spid="25"/>
-                                        </p:tgtEl>
-                                        <p:attrNameLst>
-                                          <p:attrName>ppt_x</p:attrName>
-                                        </p:attrNameLst>
-                                      </p:cBhvr>
-                                      <p:tavLst>
-                                        <p:tav tm="0">
-                                          <p:val>
-                                            <p:strVal val="1+#ppt_w/2"/>
-                                          </p:val>
-                                        </p:tav>
-                                        <p:tav tm="100000">
-                                          <p:val>
-                                            <p:strVal val="#ppt_x"/>
-                                          </p:val>
-                                        </p:tav>
-                                      </p:tavLst>
-                                    </p:anim>
-                                    <p:anim calcmode="lin" valueType="num">
-                                      <p:cBhvr additive="base">
-                                        <p:cTn id="48" dur="500" fill="hold"/>
-                                        <p:tgtEl>
-                                          <p:spTgt spid="25"/>
-                                        </p:tgtEl>
-                                        <p:attrNameLst>
-                                          <p:attrName>ppt_y</p:attrName>
-                                        </p:attrNameLst>
-                                      </p:cBhvr>
-                                      <p:tavLst>
-                                        <p:tav tm="0">
-                                          <p:val>
-                                            <p:strVal val="#ppt_y"/>
-                                          </p:val>
-                                        </p:tav>
-                                        <p:tav tm="100000">
-                                          <p:val>
-                                            <p:strVal val="#ppt_y"/>
-                                          </p:val>
-                                        </p:tav>
-                                      </p:tavLst>
-                                    </p:anim>
-                                  </p:childTnLst>
-                                </p:cTn>
-                              </p:par>
-                            </p:childTnLst>
-                          </p:cTn>
-                        </p:par>
-                      </p:childTnLst>
-                    </p:cTn>
-                  </p:par>
-                </p:childTnLst>
-              </p:cTn>
-              <p:prevCondLst>
-                <p:cond evt="onPrev" delay="0">
-                  <p:tgtEl>
-                    <p:sldTgt/>
-                  </p:tgtEl>
-                </p:cond>
-              </p:prevCondLst>
-              <p:nextCondLst>
-                <p:cond evt="onNext" delay="0">
-                  <p:tgtEl>
-                    <p:sldTgt/>
-                  </p:tgtEl>
-                </p:cond>
-              </p:nextCondLst>
-            </p:seq>
-          </p:childTnLst>
-        </p:cTn>
-      </p:par>
-    </p:tnLst>
-  </p:timing>
 </p:sld>
 </file>
 
-<file path=ppt/slides/slide7.xml><?xml version="1.0" encoding="utf-8"?>
+<file path=ppt/slides/slide8.xml><?xml version="1.0" encoding="utf-8"?>
+<p:sld xmlns:a="http://schemas.openxmlformats.org/drawingml/2006/main" xmlns:r="http://schemas.openxmlformats.org/officeDocument/2006/relationships" xmlns:p="http://schemas.openxmlformats.org/presentationml/2006/main">
+  <p:cSld>
+    <p:spTree>
+      <p:nvGrpSpPr>
+        <p:cNvPr id="1" name=""/>
+        <p:cNvGrpSpPr/>
+        <p:nvPr/>
+      </p:nvGrpSpPr>
+      <p:grpSpPr>
+        <a:xfrm>
+          <a:off x="0" y="0"/>
+          <a:ext cx="0" cy="0"/>
+          <a:chOff x="0" y="0"/>
+          <a:chExt cx="0" cy="0"/>
+        </a:xfrm>
+      </p:grpSpPr>
+      <p:sp>
+        <p:nvSpPr>
+          <p:cNvPr id="2" name="Title 1">
+            <a:extLst>
+              <a:ext uri="{FF2B5EF4-FFF2-40B4-BE49-F238E27FC236}">
+                <a16:creationId xmlns:a16="http://schemas.microsoft.com/office/drawing/2014/main" id="{1179535C-8D72-7D3A-3F23-AC8CE25AD96F}"/>
+              </a:ext>
+            </a:extLst>
+          </p:cNvPr>
+          <p:cNvSpPr>
+            <a:spLocks noGrp="1"/>
+          </p:cNvSpPr>
+          <p:nvPr>
+            <p:ph type="title"/>
+          </p:nvPr>
+        </p:nvSpPr>
+        <p:spPr/>
+        <p:txBody>
+          <a:bodyPr/>
+          <a:lstStyle/>
+          <a:p>
+            <a:r>
+              <a:rPr lang="en-US" dirty="0"/>
+              <a:t>Current Progress</a:t>
+            </a:r>
+          </a:p>
+        </p:txBody>
+      </p:sp>
+      <p:graphicFrame>
+        <p:nvGraphicFramePr>
+          <p:cNvPr id="4" name="Content Placeholder 3">
+            <a:extLst>
+              <a:ext uri="{FF2B5EF4-FFF2-40B4-BE49-F238E27FC236}">
+                <a16:creationId xmlns:a16="http://schemas.microsoft.com/office/drawing/2014/main" id="{86A4A0B7-7348-3175-C780-84F6436F95C3}"/>
+              </a:ext>
+            </a:extLst>
+          </p:cNvPr>
+          <p:cNvGraphicFramePr>
+            <a:graphicFrameLocks noGrp="1"/>
+          </p:cNvGraphicFramePr>
+          <p:nvPr>
+            <p:ph idx="1"/>
+            <p:extLst>
+              <p:ext uri="{D42A27DB-BD31-4B8C-83A1-F6EECF244321}">
+                <p14:modId xmlns:p14="http://schemas.microsoft.com/office/powerpoint/2010/main" val="520486745"/>
+              </p:ext>
+            </p:extLst>
+          </p:nvPr>
+        </p:nvGraphicFramePr>
+        <p:xfrm>
+          <a:off x="838200" y="1825625"/>
+          <a:ext cx="10515600" cy="4114800"/>
+        </p:xfrm>
+        <a:graphic>
+          <a:graphicData uri="http://schemas.openxmlformats.org/drawingml/2006/table">
+            <a:tbl>
+              <a:tblPr firstRow="1" bandRow="1">
+                <a:tableStyleId>{D7AC3CCA-C797-4891-BE02-D94E43425B78}</a:tableStyleId>
+              </a:tblPr>
+              <a:tblGrid>
+                <a:gridCol w="5257800">
+                  <a:extLst>
+                    <a:ext uri="{9D8B030D-6E8A-4147-A177-3AD203B41FA5}">
+                      <a16:colId xmlns:a16="http://schemas.microsoft.com/office/drawing/2014/main" val="1673907589"/>
+                    </a:ext>
+                  </a:extLst>
+                </a:gridCol>
+                <a:gridCol w="5257800">
+                  <a:extLst>
+                    <a:ext uri="{9D8B030D-6E8A-4147-A177-3AD203B41FA5}">
+                      <a16:colId xmlns:a16="http://schemas.microsoft.com/office/drawing/2014/main" val="3229166628"/>
+                    </a:ext>
+                  </a:extLst>
+                </a:gridCol>
+              </a:tblGrid>
+              <a:tr h="370840">
+                <a:tc>
+                  <a:txBody>
+                    <a:bodyPr/>
+                    <a:lstStyle/>
+                    <a:p>
+                      <a:r>
+                        <a:rPr lang="en-US" b="0"/>
+                        <a:t>Existed already</a:t>
+                      </a:r>
+                      <a:endParaRPr lang="en-US" b="0" dirty="0"/>
+                    </a:p>
+                  </a:txBody>
+                  <a:tcPr/>
+                </a:tc>
+                <a:tc>
+                  <a:txBody>
+                    <a:bodyPr/>
+                    <a:lstStyle/>
+                    <a:p>
+                      <a:r>
+                        <a:rPr lang="en-US" b="0" dirty="0"/>
+                        <a:t>CDI Symposia</a:t>
+                      </a:r>
+                    </a:p>
+                    <a:p>
+                      <a:r>
+                        <a:rPr lang="en-US" b="0" dirty="0"/>
+                        <a:t>Research Clubs</a:t>
+                      </a:r>
+                    </a:p>
+                  </a:txBody>
+                  <a:tcPr/>
+                </a:tc>
+                <a:extLst>
+                  <a:ext uri="{0D108BD9-81ED-4DB2-BD59-A6C34878D82A}">
+                    <a16:rowId xmlns:a16="http://schemas.microsoft.com/office/drawing/2014/main" val="9571216"/>
+                  </a:ext>
+                </a:extLst>
+              </a:tr>
+              <a:tr h="370840">
+                <a:tc>
+                  <a:txBody>
+                    <a:bodyPr/>
+                    <a:lstStyle/>
+                    <a:p>
+                      <a:r>
+                        <a:rPr lang="en-US" dirty="0"/>
+                        <a:t>Built this year</a:t>
+                      </a:r>
+                    </a:p>
+                  </a:txBody>
+                  <a:tcPr/>
+                </a:tc>
+                <a:tc>
+                  <a:txBody>
+                    <a:bodyPr/>
+                    <a:lstStyle/>
+                    <a:p>
+                      <a:r>
+                        <a:rPr lang="en-US" dirty="0"/>
+                        <a:t>Process for Identifying Trainees</a:t>
+                      </a:r>
+                    </a:p>
+                    <a:p>
+                      <a:r>
+                        <a:rPr lang="en-US" dirty="0"/>
+                        <a:t>Landing Page</a:t>
+                      </a:r>
+                    </a:p>
+                    <a:p>
+                      <a:r>
+                        <a:rPr lang="en-US" dirty="0"/>
+                        <a:t>Career Development Series</a:t>
+                      </a:r>
+                    </a:p>
+                    <a:p>
+                      <a:r>
+                        <a:rPr lang="en-US" dirty="0"/>
+                        <a:t>Fellowship Workshop</a:t>
+                      </a:r>
+                    </a:p>
+                    <a:p>
+                      <a:r>
+                        <a:rPr lang="en-US" dirty="0"/>
+                        <a:t>Meetings with External Speakers</a:t>
+                      </a:r>
+                    </a:p>
+                    <a:p>
+                      <a:r>
+                        <a:rPr lang="en-US" dirty="0"/>
+                        <a:t>Social Events</a:t>
+                      </a:r>
+                    </a:p>
+                  </a:txBody>
+                  <a:tcPr/>
+                </a:tc>
+                <a:extLst>
+                  <a:ext uri="{0D108BD9-81ED-4DB2-BD59-A6C34878D82A}">
+                    <a16:rowId xmlns:a16="http://schemas.microsoft.com/office/drawing/2014/main" val="3983150944"/>
+                  </a:ext>
+                </a:extLst>
+              </a:tr>
+              <a:tr h="370840">
+                <a:tc>
+                  <a:txBody>
+                    <a:bodyPr/>
+                    <a:lstStyle/>
+                    <a:p>
+                      <a:r>
+                        <a:rPr lang="en-US" dirty="0"/>
+                        <a:t>Future Plans</a:t>
+                      </a:r>
+                    </a:p>
+                  </a:txBody>
+                  <a:tcPr/>
+                </a:tc>
+                <a:tc>
+                  <a:txBody>
+                    <a:bodyPr/>
+                    <a:lstStyle/>
+                    <a:p>
+                      <a:r>
+                        <a:rPr lang="en-US" dirty="0"/>
+                        <a:t>Research Workshops</a:t>
+                      </a:r>
+                    </a:p>
+                    <a:p>
+                      <a:r>
+                        <a:rPr lang="en-US" dirty="0"/>
+                        <a:t>Writing Groups</a:t>
+                      </a:r>
+                    </a:p>
+                    <a:p>
+                      <a:r>
+                        <a:rPr lang="en-US" dirty="0"/>
+                        <a:t>Awards</a:t>
+                      </a:r>
+                    </a:p>
+                    <a:p>
+                      <a:r>
+                        <a:rPr lang="en-US" dirty="0"/>
+                        <a:t>Newsletter</a:t>
+                      </a:r>
+                    </a:p>
+                    <a:p>
+                      <a:r>
+                        <a:rPr lang="en-US" dirty="0"/>
+                        <a:t>Near-Peer Mentoring</a:t>
+                      </a:r>
+                    </a:p>
+                    <a:p>
+                      <a:r>
+                        <a:rPr lang="en-US" dirty="0"/>
+                        <a:t>Alumni Events</a:t>
+                      </a:r>
+                    </a:p>
+                  </a:txBody>
+                  <a:tcPr/>
+                </a:tc>
+                <a:extLst>
+                  <a:ext uri="{0D108BD9-81ED-4DB2-BD59-A6C34878D82A}">
+                    <a16:rowId xmlns:a16="http://schemas.microsoft.com/office/drawing/2014/main" val="549140989"/>
+                  </a:ext>
+                </a:extLst>
+              </a:tr>
+            </a:tbl>
+          </a:graphicData>
+        </a:graphic>
+      </p:graphicFrame>
+    </p:spTree>
+    <p:extLst>
+      <p:ext uri="{BB962C8B-B14F-4D97-AF65-F5344CB8AC3E}">
+        <p14:creationId xmlns:p14="http://schemas.microsoft.com/office/powerpoint/2010/main" val="2149003384"/>
+      </p:ext>
+    </p:extLst>
+  </p:cSld>
+  <p:clrMapOvr>
+    <a:masterClrMapping/>
+  </p:clrMapOvr>
+</p:sld>
+</file>
+
+<file path=ppt/slides/slide9.xml><?xml version="1.0" encoding="utf-8"?>
 <p:sld xmlns:a="http://schemas.openxmlformats.org/drawingml/2006/main" xmlns:r="http://schemas.openxmlformats.org/officeDocument/2006/relationships" xmlns:p="http://schemas.openxmlformats.org/presentationml/2006/main">
   <p:cSld>
     <p:bg>
@@ -33640,751 +33692,6 @@
 </p:sld>
 </file>
 
-<file path=ppt/slides/slide8.xml><?xml version="1.0" encoding="utf-8"?>
-<p:sld xmlns:a="http://schemas.openxmlformats.org/drawingml/2006/main" xmlns:r="http://schemas.openxmlformats.org/officeDocument/2006/relationships" xmlns:p="http://schemas.openxmlformats.org/presentationml/2006/main">
-  <p:cSld>
-    <p:bg>
-      <p:bgPr>
-        <a:solidFill>
-          <a:schemeClr val="bg1"/>
-        </a:solidFill>
-        <a:effectLst/>
-      </p:bgPr>
-    </p:bg>
-    <p:spTree>
-      <p:nvGrpSpPr>
-        <p:cNvPr id="1" name=""/>
-        <p:cNvGrpSpPr/>
-        <p:nvPr/>
-      </p:nvGrpSpPr>
-      <p:grpSpPr>
-        <a:xfrm>
-          <a:off x="0" y="0"/>
-          <a:ext cx="0" cy="0"/>
-          <a:chOff x="0" y="0"/>
-          <a:chExt cx="0" cy="0"/>
-        </a:xfrm>
-      </p:grpSpPr>
-      <p:sp useBgFill="1">
-        <p:nvSpPr>
-          <p:cNvPr id="12" name="Rectangle 11">
-            <a:extLst>
-              <a:ext uri="{FF2B5EF4-FFF2-40B4-BE49-F238E27FC236}">
-                <a16:creationId xmlns:a16="http://schemas.microsoft.com/office/drawing/2014/main" id="{2151139A-886F-4B97-8815-729AD3831BBD}"/>
-              </a:ext>
-              <a:ext uri="{C183D7F6-B498-43B3-948B-1728B52AA6E4}">
-                <adec:decorative xmlns:adec="http://schemas.microsoft.com/office/drawing/2017/decorative" val="1"/>
-              </a:ext>
-            </a:extLst>
-          </p:cNvPr>
-          <p:cNvSpPr>
-            <a:spLocks noGrp="1" noRot="1" noChangeAspect="1" noMove="1" noResize="1" noEditPoints="1" noAdjustHandles="1" noChangeArrowheads="1" noChangeShapeType="1" noTextEdit="1"/>
-          </p:cNvSpPr>
-          <p:nvPr>
-            <p:extLst>
-              <p:ext uri="{386F3935-93C4-4BCD-93E2-E3B085C9AB24}">
-                <p16:designElem xmlns:p16="http://schemas.microsoft.com/office/powerpoint/2015/main" val="1"/>
-              </p:ext>
-            </p:extLst>
-          </p:nvPr>
-        </p:nvSpPr>
-        <p:spPr>
-          <a:xfrm>
-            <a:off x="0" y="0"/>
-            <a:ext cx="12192000" cy="6858000"/>
-          </a:xfrm>
-          <a:prstGeom prst="rect">
-            <a:avLst/>
-          </a:prstGeom>
-          <a:ln w="12700" cap="flat" cmpd="sng" algn="ctr">
-            <a:noFill/>
-            <a:prstDash val="solid"/>
-            <a:miter lim="800000"/>
-          </a:ln>
-          <a:effectLst/>
-          <a:extLst>
-            <a:ext uri="{91240B29-F687-4F45-9708-019B960494DF}">
-              <a14:hiddenLine xmlns:a14="http://schemas.microsoft.com/office/drawing/2010/main" w="12700" cap="flat" cmpd="sng" algn="ctr">
-                <a:solidFill>
-                  <a:schemeClr val="accent1">
-                    <a:shade val="50000"/>
-                  </a:schemeClr>
-                </a:solidFill>
-                <a:prstDash val="solid"/>
-                <a:miter lim="800000"/>
-              </a14:hiddenLine>
-            </a:ext>
-          </a:extLst>
-        </p:spPr>
-        <p:style>
-          <a:lnRef idx="2">
-            <a:schemeClr val="accent1">
-              <a:shade val="50000"/>
-            </a:schemeClr>
-          </a:lnRef>
-          <a:fillRef idx="1">
-            <a:schemeClr val="accent1"/>
-          </a:fillRef>
-          <a:effectRef idx="0">
-            <a:schemeClr val="accent1"/>
-          </a:effectRef>
-          <a:fontRef idx="minor">
-            <a:schemeClr val="lt1"/>
-          </a:fontRef>
-        </p:style>
-        <p:txBody>
-          <a:bodyPr rtlCol="0" anchor="ctr"/>
-          <a:lstStyle/>
-          <a:p>
-            <a:pPr algn="ctr"/>
-            <a:endParaRPr lang="en-US" sz="2000"/>
-          </a:p>
-        </p:txBody>
-      </p:sp>
-      <p:sp>
-        <p:nvSpPr>
-          <p:cNvPr id="14" name="Rectangle 13">
-            <a:extLst>
-              <a:ext uri="{FF2B5EF4-FFF2-40B4-BE49-F238E27FC236}">
-                <a16:creationId xmlns:a16="http://schemas.microsoft.com/office/drawing/2014/main" id="{AB5E08C4-8CDD-4623-A5B8-E998C6DEE3B7}"/>
-              </a:ext>
-              <a:ext uri="{C183D7F6-B498-43B3-948B-1728B52AA6E4}">
-                <adec:decorative xmlns:adec="http://schemas.microsoft.com/office/drawing/2017/decorative" val="1"/>
-              </a:ext>
-            </a:extLst>
-          </p:cNvPr>
-          <p:cNvSpPr>
-            <a:spLocks noGrp="1" noRot="1" noChangeAspect="1" noMove="1" noResize="1" noEditPoints="1" noAdjustHandles="1" noChangeArrowheads="1" noChangeShapeType="1" noTextEdit="1"/>
-          </p:cNvSpPr>
-          <p:nvPr>
-            <p:extLst>
-              <p:ext uri="{386F3935-93C4-4BCD-93E2-E3B085C9AB24}">
-                <p16:designElem xmlns:p16="http://schemas.microsoft.com/office/powerpoint/2015/main" val="1"/>
-              </p:ext>
-            </p:extLst>
-          </p:nvPr>
-        </p:nvSpPr>
-        <p:spPr>
-          <a:xfrm flipH="1">
-            <a:off x="2" y="492"/>
-            <a:ext cx="12191998" cy="1575955"/>
-          </a:xfrm>
-          <a:prstGeom prst="rect">
-            <a:avLst/>
-          </a:prstGeom>
-          <a:gradFill>
-            <a:gsLst>
-              <a:gs pos="0">
-                <a:schemeClr val="accent1">
-                  <a:lumMod val="50000"/>
-                </a:schemeClr>
-              </a:gs>
-              <a:gs pos="100000">
-                <a:schemeClr val="accent1">
-                  <a:lumMod val="75000"/>
-                </a:schemeClr>
-              </a:gs>
-            </a:gsLst>
-            <a:lin ang="8400000" scaled="0"/>
-          </a:gradFill>
-          <a:ln>
-            <a:noFill/>
-          </a:ln>
-        </p:spPr>
-        <p:style>
-          <a:lnRef idx="2">
-            <a:schemeClr val="accent1">
-              <a:shade val="50000"/>
-            </a:schemeClr>
-          </a:lnRef>
-          <a:fillRef idx="1">
-            <a:schemeClr val="accent1"/>
-          </a:fillRef>
-          <a:effectRef idx="0">
-            <a:schemeClr val="accent1"/>
-          </a:effectRef>
-          <a:fontRef idx="minor">
-            <a:schemeClr val="lt1"/>
-          </a:fontRef>
-        </p:style>
-        <p:txBody>
-          <a:bodyPr rtlCol="0" anchor="ctr"/>
-          <a:lstStyle/>
-          <a:p>
-            <a:pPr algn="ctr"/>
-            <a:endParaRPr lang="en-US"/>
-          </a:p>
-        </p:txBody>
-      </p:sp>
-      <p:sp>
-        <p:nvSpPr>
-          <p:cNvPr id="16" name="Rectangle 15">
-            <a:extLst>
-              <a:ext uri="{FF2B5EF4-FFF2-40B4-BE49-F238E27FC236}">
-                <a16:creationId xmlns:a16="http://schemas.microsoft.com/office/drawing/2014/main" id="{15F33878-D502-4FFA-8ACE-F2AECDB2A23F}"/>
-              </a:ext>
-              <a:ext uri="{C183D7F6-B498-43B3-948B-1728B52AA6E4}">
-                <adec:decorative xmlns:adec="http://schemas.microsoft.com/office/drawing/2017/decorative" val="1"/>
-              </a:ext>
-            </a:extLst>
-          </p:cNvPr>
-          <p:cNvSpPr>
-            <a:spLocks noGrp="1" noRot="1" noChangeAspect="1" noMove="1" noResize="1" noEditPoints="1" noAdjustHandles="1" noChangeArrowheads="1" noChangeShapeType="1" noTextEdit="1"/>
-          </p:cNvSpPr>
-          <p:nvPr>
-            <p:extLst>
-              <p:ext uri="{386F3935-93C4-4BCD-93E2-E3B085C9AB24}">
-                <p16:designElem xmlns:p16="http://schemas.microsoft.com/office/powerpoint/2015/main" val="1"/>
-              </p:ext>
-            </p:extLst>
-          </p:nvPr>
-        </p:nvSpPr>
-        <p:spPr>
-          <a:xfrm rot="10800000" flipH="1">
-            <a:off x="8128857" y="35"/>
-            <a:ext cx="4063143" cy="1576412"/>
-          </a:xfrm>
-          <a:prstGeom prst="rect">
-            <a:avLst/>
-          </a:prstGeom>
-          <a:gradFill>
-            <a:gsLst>
-              <a:gs pos="19000">
-                <a:schemeClr val="accent1">
-                  <a:lumMod val="50000"/>
-                  <a:alpha val="68000"/>
-                </a:schemeClr>
-              </a:gs>
-              <a:gs pos="100000">
-                <a:schemeClr val="accent1">
-                  <a:alpha val="79000"/>
-                </a:schemeClr>
-              </a:gs>
-            </a:gsLst>
-            <a:lin ang="19200000" scaled="0"/>
-          </a:gradFill>
-          <a:ln>
-            <a:noFill/>
-          </a:ln>
-        </p:spPr>
-        <p:style>
-          <a:lnRef idx="2">
-            <a:schemeClr val="accent1">
-              <a:shade val="50000"/>
-            </a:schemeClr>
-          </a:lnRef>
-          <a:fillRef idx="1">
-            <a:schemeClr val="accent1"/>
-          </a:fillRef>
-          <a:effectRef idx="0">
-            <a:schemeClr val="accent1"/>
-          </a:effectRef>
-          <a:fontRef idx="minor">
-            <a:schemeClr val="lt1"/>
-          </a:fontRef>
-        </p:style>
-        <p:txBody>
-          <a:bodyPr rtlCol="0" anchor="ctr"/>
-          <a:lstStyle/>
-          <a:p>
-            <a:pPr algn="ctr"/>
-            <a:endParaRPr lang="en-US"/>
-          </a:p>
-        </p:txBody>
-      </p:sp>
-      <p:sp>
-        <p:nvSpPr>
-          <p:cNvPr id="18" name="Rectangle 17">
-            <a:extLst>
-              <a:ext uri="{FF2B5EF4-FFF2-40B4-BE49-F238E27FC236}">
-                <a16:creationId xmlns:a16="http://schemas.microsoft.com/office/drawing/2014/main" id="{D3539FEE-81D3-4406-802E-60B20B16F4F6}"/>
-              </a:ext>
-              <a:ext uri="{C183D7F6-B498-43B3-948B-1728B52AA6E4}">
-                <adec:decorative xmlns:adec="http://schemas.microsoft.com/office/drawing/2017/decorative" val="1"/>
-              </a:ext>
-            </a:extLst>
-          </p:cNvPr>
-          <p:cNvSpPr>
-            <a:spLocks noGrp="1" noRot="1" noChangeAspect="1" noMove="1" noResize="1" noEditPoints="1" noAdjustHandles="1" noChangeArrowheads="1" noChangeShapeType="1" noTextEdit="1"/>
-          </p:cNvSpPr>
-          <p:nvPr>
-            <p:extLst>
-              <p:ext uri="{386F3935-93C4-4BCD-93E2-E3B085C9AB24}">
-                <p16:designElem xmlns:p16="http://schemas.microsoft.com/office/powerpoint/2015/main" val="1"/>
-              </p:ext>
-            </p:extLst>
-          </p:nvPr>
-        </p:nvSpPr>
-        <p:spPr>
-          <a:xfrm rot="5400000">
-            <a:off x="5307778" y="-5307777"/>
-            <a:ext cx="1576446" cy="12192001"/>
-          </a:xfrm>
-          <a:prstGeom prst="rect">
-            <a:avLst/>
-          </a:prstGeom>
-          <a:gradFill>
-            <a:gsLst>
-              <a:gs pos="16000">
-                <a:srgbClr val="000000">
-                  <a:alpha val="0"/>
-                </a:srgbClr>
-              </a:gs>
-              <a:gs pos="99000">
-                <a:srgbClr val="000000">
-                  <a:alpha val="87000"/>
-                </a:srgbClr>
-              </a:gs>
-            </a:gsLst>
-            <a:lin ang="11400000" scaled="0"/>
-          </a:gradFill>
-          <a:ln>
-            <a:noFill/>
-          </a:ln>
-        </p:spPr>
-        <p:style>
-          <a:lnRef idx="2">
-            <a:schemeClr val="accent1">
-              <a:shade val="50000"/>
-            </a:schemeClr>
-          </a:lnRef>
-          <a:fillRef idx="1">
-            <a:schemeClr val="accent1"/>
-          </a:fillRef>
-          <a:effectRef idx="0">
-            <a:schemeClr val="accent1"/>
-          </a:effectRef>
-          <a:fontRef idx="minor">
-            <a:schemeClr val="lt1"/>
-          </a:fontRef>
-        </p:style>
-        <p:txBody>
-          <a:bodyPr rtlCol="0" anchor="ctr"/>
-          <a:lstStyle/>
-          <a:p>
-            <a:pPr algn="ctr"/>
-            <a:endParaRPr lang="en-US" dirty="0"/>
-          </a:p>
-        </p:txBody>
-      </p:sp>
-      <p:sp>
-        <p:nvSpPr>
-          <p:cNvPr id="20" name="Rectangle 19">
-            <a:extLst>
-              <a:ext uri="{FF2B5EF4-FFF2-40B4-BE49-F238E27FC236}">
-                <a16:creationId xmlns:a16="http://schemas.microsoft.com/office/drawing/2014/main" id="{DC701763-729E-462F-A5A8-E0DEFEB1E2E4}"/>
-              </a:ext>
-              <a:ext uri="{C183D7F6-B498-43B3-948B-1728B52AA6E4}">
-                <adec:decorative xmlns:adec="http://schemas.microsoft.com/office/drawing/2017/decorative" val="1"/>
-              </a:ext>
-            </a:extLst>
-          </p:cNvPr>
-          <p:cNvSpPr>
-            <a:spLocks noGrp="1" noRot="1" noChangeAspect="1" noMove="1" noResize="1" noEditPoints="1" noAdjustHandles="1" noChangeArrowheads="1" noChangeShapeType="1" noTextEdit="1"/>
-          </p:cNvSpPr>
-          <p:nvPr>
-            <p:extLst>
-              <p:ext uri="{386F3935-93C4-4BCD-93E2-E3B085C9AB24}">
-                <p16:designElem xmlns:p16="http://schemas.microsoft.com/office/powerpoint/2015/main" val="1"/>
-              </p:ext>
-            </p:extLst>
-          </p:nvPr>
-        </p:nvSpPr>
-        <p:spPr>
-          <a:xfrm>
-            <a:off x="3825434" y="986"/>
-            <a:ext cx="4303422" cy="1575461"/>
-          </a:xfrm>
-          <a:prstGeom prst="rect">
-            <a:avLst/>
-          </a:prstGeom>
-          <a:gradFill>
-            <a:gsLst>
-              <a:gs pos="0">
-                <a:schemeClr val="accent1">
-                  <a:alpha val="17000"/>
-                </a:schemeClr>
-              </a:gs>
-              <a:gs pos="74000">
-                <a:schemeClr val="accent1">
-                  <a:lumMod val="50000"/>
-                  <a:alpha val="0"/>
-                </a:schemeClr>
-              </a:gs>
-            </a:gsLst>
-            <a:lin ang="14400000" scaled="0"/>
-          </a:gradFill>
-          <a:ln>
-            <a:noFill/>
-          </a:ln>
-        </p:spPr>
-        <p:style>
-          <a:lnRef idx="2">
-            <a:schemeClr val="accent1">
-              <a:shade val="50000"/>
-            </a:schemeClr>
-          </a:lnRef>
-          <a:fillRef idx="1">
-            <a:schemeClr val="accent1"/>
-          </a:fillRef>
-          <a:effectRef idx="0">
-            <a:schemeClr val="accent1"/>
-          </a:effectRef>
-          <a:fontRef idx="minor">
-            <a:schemeClr val="lt1"/>
-          </a:fontRef>
-        </p:style>
-        <p:txBody>
-          <a:bodyPr rtlCol="0" anchor="ctr"/>
-          <a:lstStyle/>
-          <a:p>
-            <a:pPr algn="ctr"/>
-            <a:endParaRPr lang="en-US"/>
-          </a:p>
-        </p:txBody>
-      </p:sp>
-      <p:sp>
-        <p:nvSpPr>
-          <p:cNvPr id="2" name="Title 1">
-            <a:extLst>
-              <a:ext uri="{FF2B5EF4-FFF2-40B4-BE49-F238E27FC236}">
-                <a16:creationId xmlns:a16="http://schemas.microsoft.com/office/drawing/2014/main" id="{2B68841D-F924-8968-D227-54B9BBD2DB9E}"/>
-              </a:ext>
-            </a:extLst>
-          </p:cNvPr>
-          <p:cNvSpPr>
-            <a:spLocks noGrp="1"/>
-          </p:cNvSpPr>
-          <p:nvPr>
-            <p:ph type="title"/>
-          </p:nvPr>
-        </p:nvSpPr>
-        <p:spPr>
-          <a:xfrm>
-            <a:off x="699714" y="353160"/>
-            <a:ext cx="7091300" cy="898581"/>
-          </a:xfrm>
-        </p:spPr>
-        <p:txBody>
-          <a:bodyPr vert="horz" lIns="91440" tIns="45720" rIns="91440" bIns="45720" rtlCol="0" anchor="ctr">
-            <a:normAutofit/>
-          </a:bodyPr>
-          <a:lstStyle/>
-          <a:p>
-            <a:r>
-              <a:rPr lang="en-US" sz="4000">
-                <a:solidFill>
-                  <a:srgbClr val="FFFFFF"/>
-                </a:solidFill>
-              </a:rPr>
-              <a:t>F31/F32 Writing Workshop</a:t>
-            </a:r>
-          </a:p>
-        </p:txBody>
-      </p:sp>
-      <p:sp>
-        <p:nvSpPr>
-          <p:cNvPr id="3" name="Content Placeholder 2">
-            <a:extLst>
-              <a:ext uri="{FF2B5EF4-FFF2-40B4-BE49-F238E27FC236}">
-                <a16:creationId xmlns:a16="http://schemas.microsoft.com/office/drawing/2014/main" id="{0BDD0C88-9ED7-6D9A-AFE7-6F037BEB92B4}"/>
-              </a:ext>
-            </a:extLst>
-          </p:cNvPr>
-          <p:cNvSpPr>
-            <a:spLocks noGrp="1"/>
-          </p:cNvSpPr>
-          <p:nvPr>
-            <p:ph idx="1"/>
-          </p:nvPr>
-        </p:nvSpPr>
-        <p:spPr>
-          <a:xfrm>
-            <a:off x="8571507" y="387224"/>
-            <a:ext cx="3291839" cy="830453"/>
-          </a:xfrm>
-        </p:spPr>
-        <p:txBody>
-          <a:bodyPr vert="horz" lIns="91440" tIns="45720" rIns="91440" bIns="45720" rtlCol="0" anchor="ctr">
-            <a:normAutofit/>
-          </a:bodyPr>
-          <a:lstStyle/>
-          <a:p>
-            <a:pPr marL="0" indent="0">
-              <a:buNone/>
-            </a:pPr>
-            <a:r>
-              <a:rPr lang="en-US" sz="2000">
-                <a:solidFill>
-                  <a:srgbClr val="FFFFFF"/>
-                </a:solidFill>
-              </a:rPr>
-              <a:t>Bi-weekly workshop</a:t>
-            </a:r>
-          </a:p>
-        </p:txBody>
-      </p:sp>
-      <p:pic>
-        <p:nvPicPr>
-          <p:cNvPr id="5" name="Picture 4">
-            <a:extLst>
-              <a:ext uri="{FF2B5EF4-FFF2-40B4-BE49-F238E27FC236}">
-                <a16:creationId xmlns:a16="http://schemas.microsoft.com/office/drawing/2014/main" id="{29230FAF-87EE-848C-4971-40EEF23D4F77}"/>
-              </a:ext>
-            </a:extLst>
-          </p:cNvPr>
-          <p:cNvPicPr>
-            <a:picLocks noChangeAspect="1"/>
-          </p:cNvPicPr>
-          <p:nvPr/>
-        </p:nvPicPr>
-        <p:blipFill>
-          <a:blip r:embed="rId2"/>
-          <a:stretch>
-            <a:fillRect/>
-          </a:stretch>
-        </p:blipFill>
-        <p:spPr>
-          <a:xfrm>
-            <a:off x="715748" y="2990665"/>
-            <a:ext cx="3120426" cy="1446864"/>
-          </a:xfrm>
-          <a:prstGeom prst="rect">
-            <a:avLst/>
-          </a:prstGeom>
-        </p:spPr>
-      </p:pic>
-      <p:pic>
-        <p:nvPicPr>
-          <p:cNvPr id="7" name="Picture 6">
-            <a:extLst>
-              <a:ext uri="{FF2B5EF4-FFF2-40B4-BE49-F238E27FC236}">
-                <a16:creationId xmlns:a16="http://schemas.microsoft.com/office/drawing/2014/main" id="{9517D19C-31FC-2621-8B67-05C0BA977C76}"/>
-              </a:ext>
-            </a:extLst>
-          </p:cNvPr>
-          <p:cNvPicPr>
-            <a:picLocks noChangeAspect="1"/>
-          </p:cNvPicPr>
-          <p:nvPr/>
-        </p:nvPicPr>
-        <p:blipFill>
-          <a:blip r:embed="rId3"/>
-          <a:stretch>
-            <a:fillRect/>
-          </a:stretch>
-        </p:blipFill>
-        <p:spPr>
-          <a:xfrm>
-            <a:off x="4235825" y="1576447"/>
-            <a:ext cx="7956174" cy="5354680"/>
-          </a:xfrm>
-          <a:prstGeom prst="rect">
-            <a:avLst/>
-          </a:prstGeom>
-        </p:spPr>
-      </p:pic>
-    </p:spTree>
-    <p:extLst>
-      <p:ext uri="{BB962C8B-B14F-4D97-AF65-F5344CB8AC3E}">
-        <p14:creationId xmlns:p14="http://schemas.microsoft.com/office/powerpoint/2010/main" val="2763981623"/>
-      </p:ext>
-    </p:extLst>
-  </p:cSld>
-  <p:clrMapOvr>
-    <a:masterClrMapping/>
-  </p:clrMapOvr>
-</p:sld>
-</file>
-
-<file path=ppt/slides/slide9.xml><?xml version="1.0" encoding="utf-8"?>
-<p:sld xmlns:a="http://schemas.openxmlformats.org/drawingml/2006/main" xmlns:r="http://schemas.openxmlformats.org/officeDocument/2006/relationships" xmlns:p="http://schemas.openxmlformats.org/presentationml/2006/main">
-  <p:cSld>
-    <p:spTree>
-      <p:nvGrpSpPr>
-        <p:cNvPr id="1" name=""/>
-        <p:cNvGrpSpPr/>
-        <p:nvPr/>
-      </p:nvGrpSpPr>
-      <p:grpSpPr>
-        <a:xfrm>
-          <a:off x="0" y="0"/>
-          <a:ext cx="0" cy="0"/>
-          <a:chOff x="0" y="0"/>
-          <a:chExt cx="0" cy="0"/>
-        </a:xfrm>
-      </p:grpSpPr>
-      <p:sp>
-        <p:nvSpPr>
-          <p:cNvPr id="2" name="Title 1">
-            <a:extLst>
-              <a:ext uri="{FF2B5EF4-FFF2-40B4-BE49-F238E27FC236}">
-                <a16:creationId xmlns:a16="http://schemas.microsoft.com/office/drawing/2014/main" id="{7E9A68AB-DCDA-B0F6-0871-3F8EEF6C442A}"/>
-              </a:ext>
-            </a:extLst>
-          </p:cNvPr>
-          <p:cNvSpPr>
-            <a:spLocks noGrp="1"/>
-          </p:cNvSpPr>
-          <p:nvPr>
-            <p:ph type="title"/>
-          </p:nvPr>
-        </p:nvSpPr>
-        <p:spPr/>
-        <p:txBody>
-          <a:bodyPr/>
-          <a:lstStyle/>
-          <a:p>
-            <a:r>
-              <a:rPr lang="en-US" dirty="0"/>
-              <a:t>Next Steps</a:t>
-            </a:r>
-          </a:p>
-        </p:txBody>
-      </p:sp>
-      <p:sp>
-        <p:nvSpPr>
-          <p:cNvPr id="3" name="Content Placeholder 2">
-            <a:extLst>
-              <a:ext uri="{FF2B5EF4-FFF2-40B4-BE49-F238E27FC236}">
-                <a16:creationId xmlns:a16="http://schemas.microsoft.com/office/drawing/2014/main" id="{2216DB2F-1298-8465-8D2F-957D86590C16}"/>
-              </a:ext>
-            </a:extLst>
-          </p:cNvPr>
-          <p:cNvSpPr>
-            <a:spLocks noGrp="1"/>
-          </p:cNvSpPr>
-          <p:nvPr>
-            <p:ph idx="1"/>
-          </p:nvPr>
-        </p:nvSpPr>
-        <p:spPr>
-          <a:xfrm>
-            <a:off x="838200" y="1825625"/>
-            <a:ext cx="6100482" cy="4351338"/>
-          </a:xfrm>
-        </p:spPr>
-        <p:txBody>
-          <a:bodyPr>
-            <a:normAutofit fontScale="92500" lnSpcReduction="10000"/>
-          </a:bodyPr>
-          <a:lstStyle/>
-          <a:p>
-            <a:r>
-              <a:rPr lang="en-US" dirty="0"/>
-              <a:t>Clarifying trainee population</a:t>
-            </a:r>
-          </a:p>
-          <a:p>
-            <a:r>
-              <a:rPr lang="en-US" dirty="0"/>
-              <a:t>Website updates</a:t>
-            </a:r>
-          </a:p>
-          <a:p>
-            <a:pPr lvl="1"/>
-            <a:r>
-              <a:rPr lang="en-US" dirty="0"/>
-              <a:t>Clarifying entry points</a:t>
-            </a:r>
-          </a:p>
-          <a:p>
-            <a:pPr lvl="1"/>
-            <a:r>
-              <a:rPr lang="en-US" dirty="0"/>
-              <a:t>Sharing funding opportunities</a:t>
-            </a:r>
-          </a:p>
-          <a:p>
-            <a:r>
-              <a:rPr lang="en-US" dirty="0"/>
-              <a:t>Workshops</a:t>
-            </a:r>
-          </a:p>
-          <a:p>
-            <a:pPr lvl="1"/>
-            <a:r>
-              <a:rPr lang="en-US" dirty="0"/>
-              <a:t>Technical skills</a:t>
-            </a:r>
-          </a:p>
-          <a:p>
-            <a:pPr lvl="1"/>
-            <a:r>
-              <a:rPr lang="en-US" dirty="0"/>
-              <a:t>Jobs and alumni</a:t>
-            </a:r>
-          </a:p>
-          <a:p>
-            <a:pPr lvl="1"/>
-            <a:r>
-              <a:rPr lang="en-US" dirty="0"/>
-              <a:t>Feedback from trainees</a:t>
-            </a:r>
-          </a:p>
-          <a:p>
-            <a:r>
-              <a:rPr lang="en-US" dirty="0"/>
-              <a:t>Awarding excellence</a:t>
-            </a:r>
-          </a:p>
-          <a:p>
-            <a:r>
-              <a:rPr lang="en-US" dirty="0"/>
-              <a:t>Future of Metabolic Physiology Symposia</a:t>
-            </a:r>
-          </a:p>
-          <a:p>
-            <a:endParaRPr lang="en-US" dirty="0"/>
-          </a:p>
-          <a:p>
-            <a:endParaRPr lang="en-US" dirty="0"/>
-          </a:p>
-        </p:txBody>
-      </p:sp>
-      <p:pic>
-        <p:nvPicPr>
-          <p:cNvPr id="4" name="Picture 3" descr="A group of rectangular boxes with text&#10;&#10;AI-generated content may be incorrect.">
-            <a:extLst>
-              <a:ext uri="{FF2B5EF4-FFF2-40B4-BE49-F238E27FC236}">
-                <a16:creationId xmlns:a16="http://schemas.microsoft.com/office/drawing/2014/main" id="{7FE1D3A5-78A9-84A6-091C-27E33FFA141F}"/>
-              </a:ext>
-            </a:extLst>
-          </p:cNvPr>
-          <p:cNvPicPr>
-            <a:picLocks noChangeAspect="1"/>
-          </p:cNvPicPr>
-          <p:nvPr/>
-        </p:nvPicPr>
-        <p:blipFill>
-          <a:blip r:embed="rId2"/>
-          <a:stretch>
-            <a:fillRect/>
-          </a:stretch>
-        </p:blipFill>
-        <p:spPr>
-          <a:xfrm>
-            <a:off x="6284353" y="681037"/>
-            <a:ext cx="5756789" cy="5568739"/>
-          </a:xfrm>
-          <a:prstGeom prst="rect">
-            <a:avLst/>
-          </a:prstGeom>
-        </p:spPr>
-      </p:pic>
-    </p:spTree>
-    <p:extLst>
-      <p:ext uri="{BB962C8B-B14F-4D97-AF65-F5344CB8AC3E}">
-        <p14:creationId xmlns:p14="http://schemas.microsoft.com/office/powerpoint/2010/main" val="2655572718"/>
-      </p:ext>
-    </p:extLst>
-  </p:cSld>
-  <p:clrMapOvr>
-    <a:masterClrMapping/>
-  </p:clrMapOvr>
-</p:sld>
-</file>
-
 <file path=ppt/theme/theme1.xml><?xml version="1.0" encoding="utf-8"?>
 <a:theme xmlns:a="http://schemas.openxmlformats.org/drawingml/2006/main" name="Office Theme">
   <a:themeElements>

--- a/Documents/Slides/CDI IAC 2025-06-25.pptx
+++ b/Documents/Slides/CDI IAC 2025-06-25.pptx
@@ -13323,6 +13323,192 @@
           <a:p>
             <a:r>
               <a:rPr lang="en-US" dirty="0"/>
+              <a:t>Questions</a:t>
+            </a:r>
+            <a:br>
+              <a:rPr lang="en-US" dirty="0"/>
+            </a:br>
+            <a:br>
+              <a:rPr lang="en-US" dirty="0"/>
+            </a:br>
+            <a:r>
+              <a:rPr lang="en-US" dirty="0"/>
+              <a:t>Metrics for success and 10 year plan for success (Julie L.) </a:t>
+            </a:r>
+          </a:p>
+          <a:p>
+            <a:r>
+              <a:rPr lang="en-US" dirty="0"/>
+              <a:t>Branch out for a diabetes specific group from the K writing workshop (Vickie </a:t>
+            </a:r>
+            <a:r>
+              <a:rPr lang="en-US" dirty="0" err="1"/>
+              <a:t>Ellingrod</a:t>
+            </a:r>
+            <a:r>
+              <a:rPr lang="en-US" dirty="0"/>
+              <a:t>)</a:t>
+            </a:r>
+          </a:p>
+          <a:p>
+            <a:r>
+              <a:rPr lang="en-US" dirty="0"/>
+              <a:t>How to work with FFMI for career trajectories into industry (Karl J.) </a:t>
+            </a:r>
+            <a:br>
+              <a:rPr lang="en-US" dirty="0"/>
+            </a:br>
+            <a:br>
+              <a:rPr lang="en-US" dirty="0"/>
+            </a:br>
+            <a:r>
+              <a:rPr lang="en-US" dirty="0"/>
+              <a:t>Add in Brehm Coalition info from Martin from entry points</a:t>
+            </a:r>
+          </a:p>
+          <a:p>
+            <a:r>
+              <a:rPr lang="en-US" dirty="0"/>
+              <a:t>Add in CTRSP program </a:t>
+            </a:r>
+            <a:r>
+              <a:rPr lang="en-US"/>
+              <a:t>to pipeline</a:t>
+            </a:r>
+            <a:br>
+              <a:rPr lang="en-US" dirty="0"/>
+            </a:br>
+            <a:r>
+              <a:rPr lang="en-US" dirty="0"/>
+              <a:t>Add in High School training program from Martin to entry points</a:t>
+            </a:r>
+          </a:p>
+          <a:p>
+            <a:endParaRPr lang="en-US" dirty="0"/>
+          </a:p>
+          <a:p>
+            <a:r>
+              <a:rPr lang="en-US" dirty="0"/>
+              <a:t>EAB Comments</a:t>
+            </a:r>
+          </a:p>
+          <a:p>
+            <a:pPr marL="171450" indent="-171450">
+              <a:buFontTx/>
+              <a:buChar char="-"/>
+            </a:pPr>
+            <a:r>
+              <a:rPr lang="en-US" dirty="0"/>
+              <a:t>Pipeline of future researchers including lab staff is extremely important</a:t>
+            </a:r>
+          </a:p>
+          <a:p>
+            <a:pPr marL="171450" indent="-171450">
+              <a:buFontTx/>
+              <a:buChar char="-"/>
+            </a:pPr>
+            <a:r>
+              <a:rPr lang="en-US" dirty="0"/>
+              <a:t>Trainee council for guiding the program</a:t>
+            </a:r>
+          </a:p>
+          <a:p>
+            <a:pPr marL="171450" indent="-171450">
+              <a:buFontTx/>
+              <a:buChar char="-"/>
+            </a:pPr>
+            <a:br>
+              <a:rPr lang="en-US" dirty="0"/>
+            </a:br>
+            <a:br>
+              <a:rPr lang="en-US" dirty="0"/>
+            </a:br>
+            <a:endParaRPr lang="en-US" dirty="0"/>
+          </a:p>
+        </p:txBody>
+      </p:sp>
+      <p:sp>
+        <p:nvSpPr>
+          <p:cNvPr id="4" name="Slide Number Placeholder 3"/>
+          <p:cNvSpPr>
+            <a:spLocks noGrp="1"/>
+          </p:cNvSpPr>
+          <p:nvPr>
+            <p:ph type="sldNum" sz="quarter" idx="5"/>
+          </p:nvPr>
+        </p:nvSpPr>
+        <p:spPr/>
+        <p:txBody>
+          <a:bodyPr/>
+          <a:lstStyle/>
+          <a:p>
+            <a:fld id="{6FD8728D-24A8-F447-9207-448C97DDB644}" type="slidenum">
+              <a:rPr lang="en-US" smtClean="0"/>
+              <a:t>1</a:t>
+            </a:fld>
+            <a:endParaRPr lang="en-US"/>
+          </a:p>
+        </p:txBody>
+      </p:sp>
+    </p:spTree>
+    <p:extLst>
+      <p:ext uri="{BB962C8B-B14F-4D97-AF65-F5344CB8AC3E}">
+        <p14:creationId xmlns:p14="http://schemas.microsoft.com/office/powerpoint/2010/main" val="4168714021"/>
+      </p:ext>
+    </p:extLst>
+  </p:cSld>
+  <p:clrMapOvr>
+    <a:masterClrMapping/>
+  </p:clrMapOvr>
+</p:notes>
+</file>
+
+<file path=ppt/notesSlides/notesSlide2.xml><?xml version="1.0" encoding="utf-8"?>
+<p:notes xmlns:a="http://schemas.openxmlformats.org/drawingml/2006/main" xmlns:r="http://schemas.openxmlformats.org/officeDocument/2006/relationships" xmlns:p="http://schemas.openxmlformats.org/presentationml/2006/main">
+  <p:cSld>
+    <p:spTree>
+      <p:nvGrpSpPr>
+        <p:cNvPr id="1" name=""/>
+        <p:cNvGrpSpPr/>
+        <p:nvPr/>
+      </p:nvGrpSpPr>
+      <p:grpSpPr>
+        <a:xfrm>
+          <a:off x="0" y="0"/>
+          <a:ext cx="0" cy="0"/>
+          <a:chOff x="0" y="0"/>
+          <a:chExt cx="0" cy="0"/>
+        </a:xfrm>
+      </p:grpSpPr>
+      <p:sp>
+        <p:nvSpPr>
+          <p:cNvPr id="2" name="Slide Image Placeholder 1"/>
+          <p:cNvSpPr>
+            <a:spLocks noGrp="1" noRot="1" noChangeAspect="1"/>
+          </p:cNvSpPr>
+          <p:nvPr>
+            <p:ph type="sldImg"/>
+          </p:nvPr>
+        </p:nvSpPr>
+        <p:spPr/>
+      </p:sp>
+      <p:sp>
+        <p:nvSpPr>
+          <p:cNvPr id="3" name="Notes Placeholder 2"/>
+          <p:cNvSpPr>
+            <a:spLocks noGrp="1"/>
+          </p:cNvSpPr>
+          <p:nvPr>
+            <p:ph type="body" idx="1"/>
+          </p:nvPr>
+        </p:nvSpPr>
+        <p:spPr/>
+        <p:txBody>
+          <a:bodyPr/>
+          <a:lstStyle/>
+          <a:p>
+            <a:r>
+              <a:rPr lang="en-US" dirty="0"/>
               <a:t>https://</a:t>
             </a:r>
             <a:r>
@@ -13372,7 +13558,7 @@
 </p:notes>
 </file>
 
-<file path=ppt/notesSlides/notesSlide2.xml><?xml version="1.0" encoding="utf-8"?>
+<file path=ppt/notesSlides/notesSlide3.xml><?xml version="1.0" encoding="utf-8"?>
 <p:notes xmlns:a="http://schemas.openxmlformats.org/drawingml/2006/main" xmlns:r="http://schemas.openxmlformats.org/officeDocument/2006/relationships" xmlns:p="http://schemas.openxmlformats.org/presentationml/2006/main">
   <p:cSld>
     <p:spTree>
